--- a/assets/images/raw.pptx
+++ b/assets/images/raw.pptx
@@ -6,6 +6,7 @@
   </p:sldMasterIdLst>
   <p:sldIdLst>
     <p:sldId id="256" r:id="rId2"/>
+    <p:sldId id="257" r:id="rId3"/>
   </p:sldIdLst>
   <p:sldSz cx="12192000" cy="6858000"/>
   <p:notesSz cx="6858000" cy="9144000"/>
@@ -104,6 +105,11 @@
       </a:defRPr>
     </a:lvl9pPr>
   </p:defaultTextStyle>
+  <p:extLst>
+    <p:ext uri="{EFAFB233-063F-42B5-8137-9DF3F51BA10A}">
+      <p15:sldGuideLst xmlns:p15="http://schemas.microsoft.com/office/powerpoint/2012/main"/>
+    </p:ext>
+  </p:extLst>
 </p:presentation>
 </file>
 
@@ -256,7 +262,7 @@
           <a:p>
             <a:fld id="{57BFE527-FE1D-423E-9D0C-B83608467F47}" type="datetimeFigureOut">
               <a:rPr lang="en-PH" smtClean="0"/>
-              <a:t>19 Feb 2020</a:t>
+              <a:t>26 Feb 2020</a:t>
             </a:fld>
             <a:endParaRPr lang="en-PH"/>
           </a:p>
@@ -456,7 +462,7 @@
           <a:p>
             <a:fld id="{57BFE527-FE1D-423E-9D0C-B83608467F47}" type="datetimeFigureOut">
               <a:rPr lang="en-PH" smtClean="0"/>
-              <a:t>19 Feb 2020</a:t>
+              <a:t>26 Feb 2020</a:t>
             </a:fld>
             <a:endParaRPr lang="en-PH"/>
           </a:p>
@@ -666,7 +672,7 @@
           <a:p>
             <a:fld id="{57BFE527-FE1D-423E-9D0C-B83608467F47}" type="datetimeFigureOut">
               <a:rPr lang="en-PH" smtClean="0"/>
-              <a:t>19 Feb 2020</a:t>
+              <a:t>26 Feb 2020</a:t>
             </a:fld>
             <a:endParaRPr lang="en-PH"/>
           </a:p>
@@ -866,7 +872,7 @@
           <a:p>
             <a:fld id="{57BFE527-FE1D-423E-9D0C-B83608467F47}" type="datetimeFigureOut">
               <a:rPr lang="en-PH" smtClean="0"/>
-              <a:t>19 Feb 2020</a:t>
+              <a:t>26 Feb 2020</a:t>
             </a:fld>
             <a:endParaRPr lang="en-PH"/>
           </a:p>
@@ -1142,7 +1148,7 @@
           <a:p>
             <a:fld id="{57BFE527-FE1D-423E-9D0C-B83608467F47}" type="datetimeFigureOut">
               <a:rPr lang="en-PH" smtClean="0"/>
-              <a:t>19 Feb 2020</a:t>
+              <a:t>26 Feb 2020</a:t>
             </a:fld>
             <a:endParaRPr lang="en-PH"/>
           </a:p>
@@ -1410,7 +1416,7 @@
           <a:p>
             <a:fld id="{57BFE527-FE1D-423E-9D0C-B83608467F47}" type="datetimeFigureOut">
               <a:rPr lang="en-PH" smtClean="0"/>
-              <a:t>19 Feb 2020</a:t>
+              <a:t>26 Feb 2020</a:t>
             </a:fld>
             <a:endParaRPr lang="en-PH"/>
           </a:p>
@@ -1825,7 +1831,7 @@
           <a:p>
             <a:fld id="{57BFE527-FE1D-423E-9D0C-B83608467F47}" type="datetimeFigureOut">
               <a:rPr lang="en-PH" smtClean="0"/>
-              <a:t>19 Feb 2020</a:t>
+              <a:t>26 Feb 2020</a:t>
             </a:fld>
             <a:endParaRPr lang="en-PH"/>
           </a:p>
@@ -1967,7 +1973,7 @@
           <a:p>
             <a:fld id="{57BFE527-FE1D-423E-9D0C-B83608467F47}" type="datetimeFigureOut">
               <a:rPr lang="en-PH" smtClean="0"/>
-              <a:t>19 Feb 2020</a:t>
+              <a:t>26 Feb 2020</a:t>
             </a:fld>
             <a:endParaRPr lang="en-PH"/>
           </a:p>
@@ -2080,7 +2086,7 @@
           <a:p>
             <a:fld id="{57BFE527-FE1D-423E-9D0C-B83608467F47}" type="datetimeFigureOut">
               <a:rPr lang="en-PH" smtClean="0"/>
-              <a:t>19 Feb 2020</a:t>
+              <a:t>26 Feb 2020</a:t>
             </a:fld>
             <a:endParaRPr lang="en-PH"/>
           </a:p>
@@ -2393,7 +2399,7 @@
           <a:p>
             <a:fld id="{57BFE527-FE1D-423E-9D0C-B83608467F47}" type="datetimeFigureOut">
               <a:rPr lang="en-PH" smtClean="0"/>
-              <a:t>19 Feb 2020</a:t>
+              <a:t>26 Feb 2020</a:t>
             </a:fld>
             <a:endParaRPr lang="en-PH"/>
           </a:p>
@@ -2682,7 +2688,7 @@
           <a:p>
             <a:fld id="{57BFE527-FE1D-423E-9D0C-B83608467F47}" type="datetimeFigureOut">
               <a:rPr lang="en-PH" smtClean="0"/>
-              <a:t>19 Feb 2020</a:t>
+              <a:t>26 Feb 2020</a:t>
             </a:fld>
             <a:endParaRPr lang="en-PH"/>
           </a:p>
@@ -2925,7 +2931,7 @@
           <a:p>
             <a:fld id="{57BFE527-FE1D-423E-9D0C-B83608467F47}" type="datetimeFigureOut">
               <a:rPr lang="en-PH" smtClean="0"/>
-              <a:t>19 Feb 2020</a:t>
+              <a:t>26 Feb 2020</a:t>
             </a:fld>
             <a:endParaRPr lang="en-PH"/>
           </a:p>
@@ -3425,6 +3431,785 @@
 </p:sld>
 </file>
 
+<file path=ppt/slides/slide2.xml><?xml version="1.0" encoding="utf-8"?>
+<p:sld xmlns:a="http://schemas.openxmlformats.org/drawingml/2006/main" xmlns:r="http://schemas.openxmlformats.org/officeDocument/2006/relationships" xmlns:p="http://schemas.openxmlformats.org/presentationml/2006/main">
+  <p:cSld>
+    <p:bg>
+      <p:bgPr>
+        <a:solidFill>
+          <a:schemeClr val="bg1">
+            <a:lumMod val="85000"/>
+          </a:schemeClr>
+        </a:solidFill>
+        <a:effectLst/>
+      </p:bgPr>
+    </p:bg>
+    <p:spTree>
+      <p:nvGrpSpPr>
+        <p:cNvPr id="1" name=""/>
+        <p:cNvGrpSpPr/>
+        <p:nvPr/>
+      </p:nvGrpSpPr>
+      <p:grpSpPr>
+        <a:xfrm>
+          <a:off x="0" y="0"/>
+          <a:ext cx="0" cy="0"/>
+          <a:chOff x="0" y="0"/>
+          <a:chExt cx="0" cy="0"/>
+        </a:xfrm>
+      </p:grpSpPr>
+      <p:sp>
+        <p:nvSpPr>
+          <p:cNvPr id="4" name="Rectangle 3">
+            <a:extLst>
+              <a:ext uri="{FF2B5EF4-FFF2-40B4-BE49-F238E27FC236}">
+                <a16:creationId xmlns:a16="http://schemas.microsoft.com/office/drawing/2014/main" id="{963769EE-64E2-4352-A8DF-DE3C5AFA009F}"/>
+              </a:ext>
+            </a:extLst>
+          </p:cNvPr>
+          <p:cNvSpPr/>
+          <p:nvPr/>
+        </p:nvSpPr>
+        <p:spPr>
+          <a:xfrm>
+            <a:off x="515155" y="399246"/>
+            <a:ext cx="437882" cy="2395470"/>
+          </a:xfrm>
+          <a:prstGeom prst="rect">
+            <a:avLst/>
+          </a:prstGeom>
+          <a:solidFill>
+            <a:schemeClr val="bg1"/>
+          </a:solidFill>
+          <a:ln>
+            <a:noFill/>
+          </a:ln>
+        </p:spPr>
+        <p:style>
+          <a:lnRef idx="2">
+            <a:schemeClr val="accent1">
+              <a:shade val="50000"/>
+            </a:schemeClr>
+          </a:lnRef>
+          <a:fillRef idx="1">
+            <a:schemeClr val="accent1"/>
+          </a:fillRef>
+          <a:effectRef idx="0">
+            <a:schemeClr val="accent1"/>
+          </a:effectRef>
+          <a:fontRef idx="minor">
+            <a:schemeClr val="lt1"/>
+          </a:fontRef>
+        </p:style>
+        <p:txBody>
+          <a:bodyPr rtlCol="0" anchor="ctr"/>
+          <a:lstStyle/>
+          <a:p>
+            <a:pPr algn="ctr"/>
+            <a:endParaRPr lang="en-PH"/>
+          </a:p>
+        </p:txBody>
+      </p:sp>
+      <p:sp>
+        <p:nvSpPr>
+          <p:cNvPr id="5" name="Rectangle 4">
+            <a:extLst>
+              <a:ext uri="{FF2B5EF4-FFF2-40B4-BE49-F238E27FC236}">
+                <a16:creationId xmlns:a16="http://schemas.microsoft.com/office/drawing/2014/main" id="{EB9FAF82-995C-41ED-A41F-AB39817B3EE8}"/>
+              </a:ext>
+            </a:extLst>
+          </p:cNvPr>
+          <p:cNvSpPr/>
+          <p:nvPr/>
+        </p:nvSpPr>
+        <p:spPr>
+          <a:xfrm>
+            <a:off x="1257837" y="1197736"/>
+            <a:ext cx="437882" cy="1030310"/>
+          </a:xfrm>
+          <a:prstGeom prst="rect">
+            <a:avLst/>
+          </a:prstGeom>
+          <a:solidFill>
+            <a:schemeClr val="bg1"/>
+          </a:solidFill>
+          <a:ln>
+            <a:noFill/>
+          </a:ln>
+        </p:spPr>
+        <p:style>
+          <a:lnRef idx="2">
+            <a:schemeClr val="accent1">
+              <a:shade val="50000"/>
+            </a:schemeClr>
+          </a:lnRef>
+          <a:fillRef idx="1">
+            <a:schemeClr val="accent1"/>
+          </a:fillRef>
+          <a:effectRef idx="0">
+            <a:schemeClr val="accent1"/>
+          </a:effectRef>
+          <a:fontRef idx="minor">
+            <a:schemeClr val="lt1"/>
+          </a:fontRef>
+        </p:style>
+        <p:txBody>
+          <a:bodyPr rtlCol="0" anchor="ctr"/>
+          <a:lstStyle/>
+          <a:p>
+            <a:pPr algn="ctr"/>
+            <a:endParaRPr lang="en-PH"/>
+          </a:p>
+        </p:txBody>
+      </p:sp>
+      <p:sp>
+        <p:nvSpPr>
+          <p:cNvPr id="6" name="Rectangle 5">
+            <a:extLst>
+              <a:ext uri="{FF2B5EF4-FFF2-40B4-BE49-F238E27FC236}">
+                <a16:creationId xmlns:a16="http://schemas.microsoft.com/office/drawing/2014/main" id="{76936D18-A1DC-450E-808A-6312F4F08B3E}"/>
+              </a:ext>
+            </a:extLst>
+          </p:cNvPr>
+          <p:cNvSpPr/>
+          <p:nvPr/>
+        </p:nvSpPr>
+        <p:spPr>
+          <a:xfrm>
+            <a:off x="2000519" y="1197736"/>
+            <a:ext cx="437882" cy="1596980"/>
+          </a:xfrm>
+          <a:prstGeom prst="rect">
+            <a:avLst/>
+          </a:prstGeom>
+          <a:solidFill>
+            <a:schemeClr val="bg1"/>
+          </a:solidFill>
+          <a:ln>
+            <a:noFill/>
+          </a:ln>
+        </p:spPr>
+        <p:style>
+          <a:lnRef idx="2">
+            <a:schemeClr val="accent1">
+              <a:shade val="50000"/>
+            </a:schemeClr>
+          </a:lnRef>
+          <a:fillRef idx="1">
+            <a:schemeClr val="accent1"/>
+          </a:fillRef>
+          <a:effectRef idx="0">
+            <a:schemeClr val="accent1"/>
+          </a:effectRef>
+          <a:fontRef idx="minor">
+            <a:schemeClr val="lt1"/>
+          </a:fontRef>
+        </p:style>
+        <p:txBody>
+          <a:bodyPr rtlCol="0" anchor="ctr"/>
+          <a:lstStyle/>
+          <a:p>
+            <a:pPr algn="ctr"/>
+            <a:endParaRPr lang="en-PH"/>
+          </a:p>
+        </p:txBody>
+      </p:sp>
+      <p:sp>
+        <p:nvSpPr>
+          <p:cNvPr id="7" name="Rectangle 6">
+            <a:extLst>
+              <a:ext uri="{FF2B5EF4-FFF2-40B4-BE49-F238E27FC236}">
+                <a16:creationId xmlns:a16="http://schemas.microsoft.com/office/drawing/2014/main" id="{A71016FD-7ECA-4152-9427-AEA9C0422170}"/>
+              </a:ext>
+            </a:extLst>
+          </p:cNvPr>
+          <p:cNvSpPr/>
+          <p:nvPr/>
+        </p:nvSpPr>
+        <p:spPr>
+          <a:xfrm rot="5400000">
+            <a:off x="2088525" y="-448613"/>
+            <a:ext cx="437882" cy="2133599"/>
+          </a:xfrm>
+          <a:prstGeom prst="rect">
+            <a:avLst/>
+          </a:prstGeom>
+          <a:solidFill>
+            <a:schemeClr val="bg1"/>
+          </a:solidFill>
+          <a:ln>
+            <a:noFill/>
+          </a:ln>
+        </p:spPr>
+        <p:style>
+          <a:lnRef idx="2">
+            <a:schemeClr val="accent1">
+              <a:shade val="50000"/>
+            </a:schemeClr>
+          </a:lnRef>
+          <a:fillRef idx="1">
+            <a:schemeClr val="accent1"/>
+          </a:fillRef>
+          <a:effectRef idx="0">
+            <a:schemeClr val="accent1"/>
+          </a:effectRef>
+          <a:fontRef idx="minor">
+            <a:schemeClr val="lt1"/>
+          </a:fontRef>
+        </p:style>
+        <p:txBody>
+          <a:bodyPr rtlCol="0" anchor="ctr"/>
+          <a:lstStyle/>
+          <a:p>
+            <a:pPr algn="ctr"/>
+            <a:endParaRPr lang="en-PH"/>
+          </a:p>
+        </p:txBody>
+      </p:sp>
+      <p:sp>
+        <p:nvSpPr>
+          <p:cNvPr id="8" name="Oval 7">
+            <a:extLst>
+              <a:ext uri="{FF2B5EF4-FFF2-40B4-BE49-F238E27FC236}">
+                <a16:creationId xmlns:a16="http://schemas.microsoft.com/office/drawing/2014/main" id="{A962EF70-B4F4-4963-BAD7-2123206BD08C}"/>
+              </a:ext>
+            </a:extLst>
+          </p:cNvPr>
+          <p:cNvSpPr/>
+          <p:nvPr/>
+        </p:nvSpPr>
+        <p:spPr>
+          <a:xfrm>
+            <a:off x="2743201" y="399246"/>
+            <a:ext cx="1159098" cy="1159098"/>
+          </a:xfrm>
+          <a:prstGeom prst="ellipse">
+            <a:avLst/>
+          </a:prstGeom>
+          <a:solidFill>
+            <a:schemeClr val="bg1"/>
+          </a:solidFill>
+          <a:ln>
+            <a:noFill/>
+          </a:ln>
+        </p:spPr>
+        <p:style>
+          <a:lnRef idx="2">
+            <a:schemeClr val="accent1">
+              <a:shade val="50000"/>
+            </a:schemeClr>
+          </a:lnRef>
+          <a:fillRef idx="1">
+            <a:schemeClr val="accent1"/>
+          </a:fillRef>
+          <a:effectRef idx="0">
+            <a:schemeClr val="accent1"/>
+          </a:effectRef>
+          <a:fontRef idx="minor">
+            <a:schemeClr val="lt1"/>
+          </a:fontRef>
+        </p:style>
+        <p:txBody>
+          <a:bodyPr rtlCol="0" anchor="ctr"/>
+          <a:lstStyle/>
+          <a:p>
+            <a:pPr algn="ctr"/>
+            <a:endParaRPr lang="en-PH"/>
+          </a:p>
+        </p:txBody>
+      </p:sp>
+      <p:sp>
+        <p:nvSpPr>
+          <p:cNvPr id="11" name="Oval 10">
+            <a:extLst>
+              <a:ext uri="{FF2B5EF4-FFF2-40B4-BE49-F238E27FC236}">
+                <a16:creationId xmlns:a16="http://schemas.microsoft.com/office/drawing/2014/main" id="{8285B8EF-C97F-4B57-B46D-871FDB3E80E0}"/>
+              </a:ext>
+            </a:extLst>
+          </p:cNvPr>
+          <p:cNvSpPr/>
+          <p:nvPr/>
+        </p:nvSpPr>
+        <p:spPr>
+          <a:xfrm>
+            <a:off x="2768958" y="1635618"/>
+            <a:ext cx="1159098" cy="1159098"/>
+          </a:xfrm>
+          <a:prstGeom prst="ellipse">
+            <a:avLst/>
+          </a:prstGeom>
+          <a:solidFill>
+            <a:schemeClr val="bg1"/>
+          </a:solidFill>
+          <a:ln>
+            <a:noFill/>
+          </a:ln>
+        </p:spPr>
+        <p:style>
+          <a:lnRef idx="2">
+            <a:schemeClr val="accent1">
+              <a:shade val="50000"/>
+            </a:schemeClr>
+          </a:lnRef>
+          <a:fillRef idx="1">
+            <a:schemeClr val="accent1"/>
+          </a:fillRef>
+          <a:effectRef idx="0">
+            <a:schemeClr val="accent1"/>
+          </a:effectRef>
+          <a:fontRef idx="minor">
+            <a:schemeClr val="lt1"/>
+          </a:fontRef>
+        </p:style>
+        <p:txBody>
+          <a:bodyPr rtlCol="0" anchor="ctr"/>
+          <a:lstStyle/>
+          <a:p>
+            <a:pPr algn="ctr"/>
+            <a:endParaRPr lang="en-PH"/>
+          </a:p>
+        </p:txBody>
+      </p:sp>
+      <p:grpSp>
+        <p:nvGrpSpPr>
+          <p:cNvPr id="22" name="Group 21">
+            <a:extLst>
+              <a:ext uri="{FF2B5EF4-FFF2-40B4-BE49-F238E27FC236}">
+                <a16:creationId xmlns:a16="http://schemas.microsoft.com/office/drawing/2014/main" id="{695AD923-C17B-4065-B716-B91D18C0894C}"/>
+              </a:ext>
+            </a:extLst>
+          </p:cNvPr>
+          <p:cNvGrpSpPr/>
+          <p:nvPr/>
+        </p:nvGrpSpPr>
+        <p:grpSpPr>
+          <a:xfrm>
+            <a:off x="4453093" y="3643778"/>
+            <a:ext cx="2290943" cy="1775947"/>
+            <a:chOff x="4453093" y="3643778"/>
+            <a:chExt cx="2290943" cy="1775947"/>
+          </a:xfrm>
+        </p:grpSpPr>
+        <p:sp>
+          <p:nvSpPr>
+            <p:cNvPr id="20" name="Rectangle: Rounded Corners 19">
+              <a:extLst>
+                <a:ext uri="{FF2B5EF4-FFF2-40B4-BE49-F238E27FC236}">
+                  <a16:creationId xmlns:a16="http://schemas.microsoft.com/office/drawing/2014/main" id="{25216C69-A7B3-46AA-A2AB-1755E93AE291}"/>
+                </a:ext>
+              </a:extLst>
+            </p:cNvPr>
+            <p:cNvSpPr/>
+            <p:nvPr/>
+          </p:nvSpPr>
+          <p:spPr>
+            <a:xfrm>
+              <a:off x="4453093" y="3643778"/>
+              <a:ext cx="2290943" cy="1775947"/>
+            </a:xfrm>
+            <a:prstGeom prst="roundRect">
+              <a:avLst/>
+            </a:prstGeom>
+            <a:solidFill>
+              <a:schemeClr val="bg1"/>
+            </a:solidFill>
+            <a:ln>
+              <a:noFill/>
+            </a:ln>
+          </p:spPr>
+          <p:style>
+            <a:lnRef idx="2">
+              <a:schemeClr val="accent1">
+                <a:shade val="50000"/>
+              </a:schemeClr>
+            </a:lnRef>
+            <a:fillRef idx="1">
+              <a:schemeClr val="accent1"/>
+            </a:fillRef>
+            <a:effectRef idx="0">
+              <a:schemeClr val="accent1"/>
+            </a:effectRef>
+            <a:fontRef idx="minor">
+              <a:schemeClr val="lt1"/>
+            </a:fontRef>
+          </p:style>
+          <p:txBody>
+            <a:bodyPr rtlCol="0" anchor="ctr"/>
+            <a:lstStyle/>
+            <a:p>
+              <a:pPr algn="ctr"/>
+              <a:endParaRPr lang="en-PH"/>
+            </a:p>
+          </p:txBody>
+        </p:sp>
+        <p:grpSp>
+          <p:nvGrpSpPr>
+            <p:cNvPr id="19" name="Group 18">
+              <a:extLst>
+                <a:ext uri="{FF2B5EF4-FFF2-40B4-BE49-F238E27FC236}">
+                  <a16:creationId xmlns:a16="http://schemas.microsoft.com/office/drawing/2014/main" id="{543947DB-84A4-4BDC-B6EF-D3BE9EEC2EDF}"/>
+                </a:ext>
+              </a:extLst>
+            </p:cNvPr>
+            <p:cNvGrpSpPr/>
+            <p:nvPr/>
+          </p:nvGrpSpPr>
+          <p:grpSpPr>
+            <a:xfrm>
+              <a:off x="4663042" y="3915160"/>
+              <a:ext cx="1890093" cy="1276509"/>
+              <a:chOff x="4534005" y="3841748"/>
+              <a:chExt cx="1890093" cy="1276509"/>
+            </a:xfrm>
+          </p:grpSpPr>
+          <p:grpSp>
+            <p:nvGrpSpPr>
+              <p:cNvPr id="14" name="Group 13">
+                <a:extLst>
+                  <a:ext uri="{FF2B5EF4-FFF2-40B4-BE49-F238E27FC236}">
+                    <a16:creationId xmlns:a16="http://schemas.microsoft.com/office/drawing/2014/main" id="{D7E31CA2-7933-484D-8495-4F75FF1B9F41}"/>
+                  </a:ext>
+                </a:extLst>
+              </p:cNvPr>
+              <p:cNvGrpSpPr/>
+              <p:nvPr/>
+            </p:nvGrpSpPr>
+            <p:grpSpPr>
+              <a:xfrm rot="5400000">
+                <a:off x="4903279" y="3785048"/>
+                <a:ext cx="963935" cy="1702484"/>
+                <a:chOff x="5314158" y="3620406"/>
+                <a:chExt cx="1153002" cy="2036412"/>
+              </a:xfrm>
+            </p:grpSpPr>
+            <p:sp>
+              <p:nvSpPr>
+                <p:cNvPr id="12" name="Oval 11">
+                  <a:extLst>
+                    <a:ext uri="{FF2B5EF4-FFF2-40B4-BE49-F238E27FC236}">
+                      <a16:creationId xmlns:a16="http://schemas.microsoft.com/office/drawing/2014/main" id="{48EF739C-6951-4E10-9F8B-252D0756DCD3}"/>
+                    </a:ext>
+                  </a:extLst>
+                </p:cNvPr>
+                <p:cNvSpPr/>
+                <p:nvPr/>
+              </p:nvSpPr>
+              <p:spPr>
+                <a:xfrm rot="1976738">
+                  <a:off x="5314158" y="3620406"/>
+                  <a:ext cx="1153001" cy="800038"/>
+                </a:xfrm>
+                <a:prstGeom prst="ellipse">
+                  <a:avLst/>
+                </a:prstGeom>
+                <a:solidFill>
+                  <a:srgbClr val="7030A0"/>
+                </a:solidFill>
+                <a:ln>
+                  <a:noFill/>
+                </a:ln>
+              </p:spPr>
+              <p:style>
+                <a:lnRef idx="2">
+                  <a:schemeClr val="accent1">
+                    <a:shade val="50000"/>
+                  </a:schemeClr>
+                </a:lnRef>
+                <a:fillRef idx="1">
+                  <a:schemeClr val="accent1"/>
+                </a:fillRef>
+                <a:effectRef idx="0">
+                  <a:schemeClr val="accent1"/>
+                </a:effectRef>
+                <a:fontRef idx="minor">
+                  <a:schemeClr val="lt1"/>
+                </a:fontRef>
+              </p:style>
+              <p:txBody>
+                <a:bodyPr rtlCol="0" anchor="ctr"/>
+                <a:lstStyle/>
+                <a:p>
+                  <a:pPr algn="ctr"/>
+                  <a:endParaRPr lang="en-PH"/>
+                </a:p>
+              </p:txBody>
+            </p:sp>
+            <p:sp>
+              <p:nvSpPr>
+                <p:cNvPr id="13" name="Oval 12">
+                  <a:extLst>
+                    <a:ext uri="{FF2B5EF4-FFF2-40B4-BE49-F238E27FC236}">
+                      <a16:creationId xmlns:a16="http://schemas.microsoft.com/office/drawing/2014/main" id="{E8010FF1-5849-4472-8BAB-724371EA5761}"/>
+                    </a:ext>
+                  </a:extLst>
+                </p:cNvPr>
+                <p:cNvSpPr/>
+                <p:nvPr/>
+              </p:nvSpPr>
+              <p:spPr>
+                <a:xfrm rot="1976738">
+                  <a:off x="5314159" y="4856780"/>
+                  <a:ext cx="1153001" cy="800038"/>
+                </a:xfrm>
+                <a:prstGeom prst="ellipse">
+                  <a:avLst/>
+                </a:prstGeom>
+                <a:solidFill>
+                  <a:srgbClr val="7030A0"/>
+                </a:solidFill>
+                <a:ln>
+                  <a:noFill/>
+                </a:ln>
+              </p:spPr>
+              <p:style>
+                <a:lnRef idx="2">
+                  <a:schemeClr val="accent1">
+                    <a:shade val="50000"/>
+                  </a:schemeClr>
+                </a:lnRef>
+                <a:fillRef idx="1">
+                  <a:schemeClr val="accent1"/>
+                </a:fillRef>
+                <a:effectRef idx="0">
+                  <a:schemeClr val="accent1"/>
+                </a:effectRef>
+                <a:fontRef idx="minor">
+                  <a:schemeClr val="lt1"/>
+                </a:fontRef>
+              </p:style>
+              <p:txBody>
+                <a:bodyPr rtlCol="0" anchor="ctr"/>
+                <a:lstStyle/>
+                <a:p>
+                  <a:pPr algn="ctr"/>
+                  <a:endParaRPr lang="en-PH"/>
+                </a:p>
+              </p:txBody>
+            </p:sp>
+          </p:grpSp>
+          <p:sp>
+            <p:nvSpPr>
+              <p:cNvPr id="15" name="Rectangle 14">
+                <a:extLst>
+                  <a:ext uri="{FF2B5EF4-FFF2-40B4-BE49-F238E27FC236}">
+                    <a16:creationId xmlns:a16="http://schemas.microsoft.com/office/drawing/2014/main" id="{0545D9B0-A7CC-4856-ABA6-4358848345BE}"/>
+                  </a:ext>
+                </a:extLst>
+              </p:cNvPr>
+              <p:cNvSpPr/>
+              <p:nvPr/>
+            </p:nvSpPr>
+            <p:spPr>
+              <a:xfrm>
+                <a:off x="4774254" y="4019628"/>
+                <a:ext cx="208208" cy="675271"/>
+              </a:xfrm>
+              <a:prstGeom prst="rect">
+                <a:avLst/>
+              </a:prstGeom>
+              <a:solidFill>
+                <a:srgbClr val="FFC000"/>
+              </a:solidFill>
+              <a:ln>
+                <a:noFill/>
+              </a:ln>
+            </p:spPr>
+            <p:style>
+              <a:lnRef idx="2">
+                <a:schemeClr val="accent1">
+                  <a:shade val="50000"/>
+                </a:schemeClr>
+              </a:lnRef>
+              <a:fillRef idx="1">
+                <a:schemeClr val="accent1"/>
+              </a:fillRef>
+              <a:effectRef idx="0">
+                <a:schemeClr val="accent1"/>
+              </a:effectRef>
+              <a:fontRef idx="minor">
+                <a:schemeClr val="lt1"/>
+              </a:fontRef>
+            </p:style>
+            <p:txBody>
+              <a:bodyPr rtlCol="0" anchor="ctr"/>
+              <a:lstStyle/>
+              <a:p>
+                <a:pPr algn="ctr"/>
+                <a:endParaRPr lang="en-PH"/>
+              </a:p>
+            </p:txBody>
+          </p:sp>
+          <p:sp>
+            <p:nvSpPr>
+              <p:cNvPr id="16" name="Rectangle 15">
+                <a:extLst>
+                  <a:ext uri="{FF2B5EF4-FFF2-40B4-BE49-F238E27FC236}">
+                    <a16:creationId xmlns:a16="http://schemas.microsoft.com/office/drawing/2014/main" id="{55E0DC8C-2821-439E-BA90-CAEA78EF1FF5}"/>
+                  </a:ext>
+                </a:extLst>
+              </p:cNvPr>
+              <p:cNvSpPr/>
+              <p:nvPr/>
+            </p:nvSpPr>
+            <p:spPr>
+              <a:xfrm>
+                <a:off x="5807887" y="3873423"/>
+                <a:ext cx="208208" cy="821477"/>
+              </a:xfrm>
+              <a:prstGeom prst="rect">
+                <a:avLst/>
+              </a:prstGeom>
+              <a:solidFill>
+                <a:srgbClr val="FFC000"/>
+              </a:solidFill>
+              <a:ln>
+                <a:noFill/>
+              </a:ln>
+            </p:spPr>
+            <p:style>
+              <a:lnRef idx="2">
+                <a:schemeClr val="accent1">
+                  <a:shade val="50000"/>
+                </a:schemeClr>
+              </a:lnRef>
+              <a:fillRef idx="1">
+                <a:schemeClr val="accent1"/>
+              </a:fillRef>
+              <a:effectRef idx="0">
+                <a:schemeClr val="accent1"/>
+              </a:effectRef>
+              <a:fontRef idx="minor">
+                <a:schemeClr val="lt1"/>
+              </a:fontRef>
+            </p:style>
+            <p:txBody>
+              <a:bodyPr rtlCol="0" anchor="ctr"/>
+              <a:lstStyle/>
+              <a:p>
+                <a:pPr algn="ctr"/>
+                <a:endParaRPr lang="en-PH"/>
+              </a:p>
+            </p:txBody>
+          </p:sp>
+          <p:sp>
+            <p:nvSpPr>
+              <p:cNvPr id="17" name="Rectangle 16">
+                <a:extLst>
+                  <a:ext uri="{FF2B5EF4-FFF2-40B4-BE49-F238E27FC236}">
+                    <a16:creationId xmlns:a16="http://schemas.microsoft.com/office/drawing/2014/main" id="{E8D45E34-FD9F-4F38-BACB-4045A94E0BC1}"/>
+                  </a:ext>
+                </a:extLst>
+              </p:cNvPr>
+              <p:cNvSpPr/>
+              <p:nvPr/>
+            </p:nvSpPr>
+            <p:spPr>
+              <a:xfrm>
+                <a:off x="5291070" y="4295775"/>
+                <a:ext cx="208208" cy="399126"/>
+              </a:xfrm>
+              <a:prstGeom prst="rect">
+                <a:avLst/>
+              </a:prstGeom>
+              <a:solidFill>
+                <a:srgbClr val="FFC000"/>
+              </a:solidFill>
+              <a:ln>
+                <a:noFill/>
+              </a:ln>
+            </p:spPr>
+            <p:style>
+              <a:lnRef idx="2">
+                <a:schemeClr val="accent1">
+                  <a:shade val="50000"/>
+                </a:schemeClr>
+              </a:lnRef>
+              <a:fillRef idx="1">
+                <a:schemeClr val="accent1"/>
+              </a:fillRef>
+              <a:effectRef idx="0">
+                <a:schemeClr val="accent1"/>
+              </a:effectRef>
+              <a:fontRef idx="minor">
+                <a:schemeClr val="lt1"/>
+              </a:fontRef>
+            </p:style>
+            <p:txBody>
+              <a:bodyPr rtlCol="0" anchor="ctr"/>
+              <a:lstStyle/>
+              <a:p>
+                <a:pPr algn="ctr"/>
+                <a:endParaRPr lang="en-PH" dirty="0"/>
+              </a:p>
+            </p:txBody>
+          </p:sp>
+          <p:sp>
+            <p:nvSpPr>
+              <p:cNvPr id="18" name="Rectangle 17">
+                <a:extLst>
+                  <a:ext uri="{FF2B5EF4-FFF2-40B4-BE49-F238E27FC236}">
+                    <a16:creationId xmlns:a16="http://schemas.microsoft.com/office/drawing/2014/main" id="{415D6F46-DC21-411E-97D7-D06D2DC2F87F}"/>
+                  </a:ext>
+                </a:extLst>
+              </p:cNvPr>
+              <p:cNvSpPr/>
+              <p:nvPr/>
+            </p:nvSpPr>
+            <p:spPr>
+              <a:xfrm rot="5400000">
+                <a:off x="5495072" y="3120929"/>
+                <a:ext cx="208208" cy="1649845"/>
+              </a:xfrm>
+              <a:prstGeom prst="rect">
+                <a:avLst/>
+              </a:prstGeom>
+              <a:solidFill>
+                <a:srgbClr val="FFC000"/>
+              </a:solidFill>
+              <a:ln>
+                <a:noFill/>
+              </a:ln>
+            </p:spPr>
+            <p:style>
+              <a:lnRef idx="2">
+                <a:schemeClr val="accent1">
+                  <a:shade val="50000"/>
+                </a:schemeClr>
+              </a:lnRef>
+              <a:fillRef idx="1">
+                <a:schemeClr val="accent1"/>
+              </a:fillRef>
+              <a:effectRef idx="0">
+                <a:schemeClr val="accent1"/>
+              </a:effectRef>
+              <a:fontRef idx="minor">
+                <a:schemeClr val="lt1"/>
+              </a:fontRef>
+            </p:style>
+            <p:txBody>
+              <a:bodyPr rtlCol="0" anchor="ctr"/>
+              <a:lstStyle/>
+              <a:p>
+                <a:pPr algn="ctr"/>
+                <a:endParaRPr lang="en-PH"/>
+              </a:p>
+            </p:txBody>
+          </p:sp>
+        </p:grpSp>
+      </p:grpSp>
+    </p:spTree>
+    <p:extLst>
+      <p:ext uri="{BB962C8B-B14F-4D97-AF65-F5344CB8AC3E}">
+        <p14:creationId xmlns:p14="http://schemas.microsoft.com/office/powerpoint/2010/main" val="1130468912"/>
+      </p:ext>
+    </p:extLst>
+  </p:cSld>
+  <p:clrMapOvr>
+    <a:masterClrMapping/>
+  </p:clrMapOvr>
+</p:sld>
+</file>
+
 <file path=ppt/theme/theme1.xml><?xml version="1.0" encoding="utf-8"?>
 <a:theme xmlns:a="http://schemas.openxmlformats.org/drawingml/2006/main" name="Office Theme">
   <a:themeElements>

--- a/assets/images/raw.pptx
+++ b/assets/images/raw.pptx
@@ -7,6 +7,7 @@
   <p:sldIdLst>
     <p:sldId id="256" r:id="rId2"/>
     <p:sldId id="257" r:id="rId3"/>
+    <p:sldId id="258" r:id="rId4"/>
   </p:sldIdLst>
   <p:sldSz cx="12192000" cy="6858000"/>
   <p:notesSz cx="6858000" cy="9144000"/>
@@ -262,7 +263,7 @@
           <a:p>
             <a:fld id="{57BFE527-FE1D-423E-9D0C-B83608467F47}" type="datetimeFigureOut">
               <a:rPr lang="en-PH" smtClean="0"/>
-              <a:t>26 Feb 2020</a:t>
+              <a:t>3 Mar 2020</a:t>
             </a:fld>
             <a:endParaRPr lang="en-PH"/>
           </a:p>
@@ -462,7 +463,7 @@
           <a:p>
             <a:fld id="{57BFE527-FE1D-423E-9D0C-B83608467F47}" type="datetimeFigureOut">
               <a:rPr lang="en-PH" smtClean="0"/>
-              <a:t>26 Feb 2020</a:t>
+              <a:t>3 Mar 2020</a:t>
             </a:fld>
             <a:endParaRPr lang="en-PH"/>
           </a:p>
@@ -672,7 +673,7 @@
           <a:p>
             <a:fld id="{57BFE527-FE1D-423E-9D0C-B83608467F47}" type="datetimeFigureOut">
               <a:rPr lang="en-PH" smtClean="0"/>
-              <a:t>26 Feb 2020</a:t>
+              <a:t>3 Mar 2020</a:t>
             </a:fld>
             <a:endParaRPr lang="en-PH"/>
           </a:p>
@@ -872,7 +873,7 @@
           <a:p>
             <a:fld id="{57BFE527-FE1D-423E-9D0C-B83608467F47}" type="datetimeFigureOut">
               <a:rPr lang="en-PH" smtClean="0"/>
-              <a:t>26 Feb 2020</a:t>
+              <a:t>3 Mar 2020</a:t>
             </a:fld>
             <a:endParaRPr lang="en-PH"/>
           </a:p>
@@ -1148,7 +1149,7 @@
           <a:p>
             <a:fld id="{57BFE527-FE1D-423E-9D0C-B83608467F47}" type="datetimeFigureOut">
               <a:rPr lang="en-PH" smtClean="0"/>
-              <a:t>26 Feb 2020</a:t>
+              <a:t>3 Mar 2020</a:t>
             </a:fld>
             <a:endParaRPr lang="en-PH"/>
           </a:p>
@@ -1416,7 +1417,7 @@
           <a:p>
             <a:fld id="{57BFE527-FE1D-423E-9D0C-B83608467F47}" type="datetimeFigureOut">
               <a:rPr lang="en-PH" smtClean="0"/>
-              <a:t>26 Feb 2020</a:t>
+              <a:t>3 Mar 2020</a:t>
             </a:fld>
             <a:endParaRPr lang="en-PH"/>
           </a:p>
@@ -1831,7 +1832,7 @@
           <a:p>
             <a:fld id="{57BFE527-FE1D-423E-9D0C-B83608467F47}" type="datetimeFigureOut">
               <a:rPr lang="en-PH" smtClean="0"/>
-              <a:t>26 Feb 2020</a:t>
+              <a:t>3 Mar 2020</a:t>
             </a:fld>
             <a:endParaRPr lang="en-PH"/>
           </a:p>
@@ -1973,7 +1974,7 @@
           <a:p>
             <a:fld id="{57BFE527-FE1D-423E-9D0C-B83608467F47}" type="datetimeFigureOut">
               <a:rPr lang="en-PH" smtClean="0"/>
-              <a:t>26 Feb 2020</a:t>
+              <a:t>3 Mar 2020</a:t>
             </a:fld>
             <a:endParaRPr lang="en-PH"/>
           </a:p>
@@ -2086,7 +2087,7 @@
           <a:p>
             <a:fld id="{57BFE527-FE1D-423E-9D0C-B83608467F47}" type="datetimeFigureOut">
               <a:rPr lang="en-PH" smtClean="0"/>
-              <a:t>26 Feb 2020</a:t>
+              <a:t>3 Mar 2020</a:t>
             </a:fld>
             <a:endParaRPr lang="en-PH"/>
           </a:p>
@@ -2399,7 +2400,7 @@
           <a:p>
             <a:fld id="{57BFE527-FE1D-423E-9D0C-B83608467F47}" type="datetimeFigureOut">
               <a:rPr lang="en-PH" smtClean="0"/>
-              <a:t>26 Feb 2020</a:t>
+              <a:t>3 Mar 2020</a:t>
             </a:fld>
             <a:endParaRPr lang="en-PH"/>
           </a:p>
@@ -2688,7 +2689,7 @@
           <a:p>
             <a:fld id="{57BFE527-FE1D-423E-9D0C-B83608467F47}" type="datetimeFigureOut">
               <a:rPr lang="en-PH" smtClean="0"/>
-              <a:t>26 Feb 2020</a:t>
+              <a:t>3 Mar 2020</a:t>
             </a:fld>
             <a:endParaRPr lang="en-PH"/>
           </a:p>
@@ -2765,9 +2766,14 @@
 <p:sldMaster xmlns:a="http://schemas.openxmlformats.org/drawingml/2006/main" xmlns:r="http://schemas.openxmlformats.org/officeDocument/2006/relationships" xmlns:p="http://schemas.openxmlformats.org/presentationml/2006/main">
   <p:cSld>
     <p:bg>
-      <p:bgRef idx="1001">
-        <a:schemeClr val="bg1"/>
-      </p:bgRef>
+      <p:bgPr>
+        <a:solidFill>
+          <a:schemeClr val="bg1">
+            <a:lumMod val="85000"/>
+          </a:schemeClr>
+        </a:solidFill>
+        <a:effectLst/>
+      </p:bgPr>
     </p:bg>
     <p:spTree>
       <p:nvGrpSpPr>
@@ -2931,7 +2937,7 @@
           <a:p>
             <a:fld id="{57BFE527-FE1D-423E-9D0C-B83608467F47}" type="datetimeFigureOut">
               <a:rPr lang="en-PH" smtClean="0"/>
-              <a:t>26 Feb 2020</a:t>
+              <a:t>3 Mar 2020</a:t>
             </a:fld>
             <a:endParaRPr lang="en-PH"/>
           </a:p>
@@ -3434,16 +3440,6 @@
 <file path=ppt/slides/slide2.xml><?xml version="1.0" encoding="utf-8"?>
 <p:sld xmlns:a="http://schemas.openxmlformats.org/drawingml/2006/main" xmlns:r="http://schemas.openxmlformats.org/officeDocument/2006/relationships" xmlns:p="http://schemas.openxmlformats.org/presentationml/2006/main">
   <p:cSld>
-    <p:bg>
-      <p:bgPr>
-        <a:solidFill>
-          <a:schemeClr val="bg1">
-            <a:lumMod val="85000"/>
-          </a:schemeClr>
-        </a:solidFill>
-        <a:effectLst/>
-      </p:bgPr>
-    </p:bg>
     <p:spTree>
       <p:nvGrpSpPr>
         <p:cNvPr id="1" name=""/>
@@ -3784,7 +3780,7 @@
         </p:nvGrpSpPr>
         <p:grpSpPr>
           <a:xfrm>
-            <a:off x="4453093" y="3643778"/>
+            <a:off x="452258" y="3741981"/>
             <a:ext cx="2290943" cy="1775947"/>
             <a:chOff x="4453093" y="3643778"/>
             <a:chExt cx="2290943" cy="1775947"/>
@@ -4197,10 +4193,1722 @@
           </p:sp>
         </p:grpSp>
       </p:grpSp>
+      <p:sp>
+        <p:nvSpPr>
+          <p:cNvPr id="3" name="Block Arc 2">
+            <a:extLst>
+              <a:ext uri="{FF2B5EF4-FFF2-40B4-BE49-F238E27FC236}">
+                <a16:creationId xmlns:a16="http://schemas.microsoft.com/office/drawing/2014/main" id="{21A03AE5-7C5E-4468-A9DF-E19291511E42}"/>
+              </a:ext>
+            </a:extLst>
+          </p:cNvPr>
+          <p:cNvSpPr/>
+          <p:nvPr/>
+        </p:nvSpPr>
+        <p:spPr>
+          <a:xfrm>
+            <a:off x="5492838" y="3385788"/>
+            <a:ext cx="1918952" cy="1918952"/>
+          </a:xfrm>
+          <a:prstGeom prst="blockArc">
+            <a:avLst>
+              <a:gd name="adj1" fmla="val 10800000"/>
+              <a:gd name="adj2" fmla="val 21390850"/>
+              <a:gd name="adj3" fmla="val 16885"/>
+            </a:avLst>
+          </a:prstGeom>
+          <a:solidFill>
+            <a:srgbClr val="FFC000"/>
+          </a:solidFill>
+          <a:ln>
+            <a:noFill/>
+          </a:ln>
+        </p:spPr>
+        <p:style>
+          <a:lnRef idx="2">
+            <a:schemeClr val="accent1">
+              <a:shade val="50000"/>
+            </a:schemeClr>
+          </a:lnRef>
+          <a:fillRef idx="1">
+            <a:schemeClr val="accent1"/>
+          </a:fillRef>
+          <a:effectRef idx="0">
+            <a:schemeClr val="accent1"/>
+          </a:effectRef>
+          <a:fontRef idx="minor">
+            <a:schemeClr val="lt1"/>
+          </a:fontRef>
+        </p:style>
+        <p:txBody>
+          <a:bodyPr rtlCol="0" anchor="ctr"/>
+          <a:lstStyle/>
+          <a:p>
+            <a:pPr algn="ctr"/>
+            <a:endParaRPr lang="en-PH">
+              <a:solidFill>
+                <a:schemeClr val="tx1"/>
+              </a:solidFill>
+            </a:endParaRPr>
+          </a:p>
+        </p:txBody>
+      </p:sp>
+      <p:grpSp>
+        <p:nvGrpSpPr>
+          <p:cNvPr id="9" name="Group 8">
+            <a:extLst>
+              <a:ext uri="{FF2B5EF4-FFF2-40B4-BE49-F238E27FC236}">
+                <a16:creationId xmlns:a16="http://schemas.microsoft.com/office/drawing/2014/main" id="{5A1C6EED-79F4-41C8-9539-6B52DEE8F3BE}"/>
+              </a:ext>
+            </a:extLst>
+          </p:cNvPr>
+          <p:cNvGrpSpPr/>
+          <p:nvPr/>
+        </p:nvGrpSpPr>
+        <p:grpSpPr>
+          <a:xfrm>
+            <a:off x="5197759" y="2544246"/>
+            <a:ext cx="2509108" cy="1159098"/>
+            <a:chOff x="5197759" y="2544246"/>
+            <a:chExt cx="2509108" cy="1159098"/>
+          </a:xfrm>
+          <a:solidFill>
+            <a:srgbClr val="FFC000"/>
+          </a:solidFill>
+        </p:grpSpPr>
+        <p:sp>
+          <p:nvSpPr>
+            <p:cNvPr id="27" name="Rectangle 26">
+              <a:extLst>
+                <a:ext uri="{FF2B5EF4-FFF2-40B4-BE49-F238E27FC236}">
+                  <a16:creationId xmlns:a16="http://schemas.microsoft.com/office/drawing/2014/main" id="{542453C8-E03B-4727-8FE8-31FF737CC39B}"/>
+                </a:ext>
+              </a:extLst>
+            </p:cNvPr>
+            <p:cNvSpPr/>
+            <p:nvPr/>
+          </p:nvSpPr>
+          <p:spPr>
+            <a:xfrm rot="5400000">
+              <a:off x="5551529" y="2361928"/>
+              <a:ext cx="324046" cy="1031585"/>
+            </a:xfrm>
+            <a:prstGeom prst="rect">
+              <a:avLst/>
+            </a:prstGeom>
+            <a:grpFill/>
+            <a:ln>
+              <a:noFill/>
+            </a:ln>
+          </p:spPr>
+          <p:style>
+            <a:lnRef idx="2">
+              <a:schemeClr val="accent1">
+                <a:shade val="50000"/>
+              </a:schemeClr>
+            </a:lnRef>
+            <a:fillRef idx="1">
+              <a:schemeClr val="accent1"/>
+            </a:fillRef>
+            <a:effectRef idx="0">
+              <a:schemeClr val="accent1"/>
+            </a:effectRef>
+            <a:fontRef idx="minor">
+              <a:schemeClr val="lt1"/>
+            </a:fontRef>
+          </p:style>
+          <p:txBody>
+            <a:bodyPr rtlCol="0" anchor="ctr"/>
+            <a:lstStyle/>
+            <a:p>
+              <a:pPr algn="ctr"/>
+              <a:endParaRPr lang="en-PH"/>
+            </a:p>
+          </p:txBody>
+        </p:sp>
+        <p:sp>
+          <p:nvSpPr>
+            <p:cNvPr id="28" name="Rectangle 27">
+              <a:extLst>
+                <a:ext uri="{FF2B5EF4-FFF2-40B4-BE49-F238E27FC236}">
+                  <a16:creationId xmlns:a16="http://schemas.microsoft.com/office/drawing/2014/main" id="{BF130348-5141-46BE-AD66-D005F481B5A9}"/>
+                </a:ext>
+              </a:extLst>
+            </p:cNvPr>
+            <p:cNvSpPr/>
+            <p:nvPr/>
+          </p:nvSpPr>
+          <p:spPr>
+            <a:xfrm rot="16200000">
+              <a:off x="7029052" y="2361927"/>
+              <a:ext cx="324046" cy="1031585"/>
+            </a:xfrm>
+            <a:prstGeom prst="rect">
+              <a:avLst/>
+            </a:prstGeom>
+            <a:grpFill/>
+            <a:ln>
+              <a:noFill/>
+            </a:ln>
+          </p:spPr>
+          <p:style>
+            <a:lnRef idx="2">
+              <a:schemeClr val="accent1">
+                <a:shade val="50000"/>
+              </a:schemeClr>
+            </a:lnRef>
+            <a:fillRef idx="1">
+              <a:schemeClr val="accent1"/>
+            </a:fillRef>
+            <a:effectRef idx="0">
+              <a:schemeClr val="accent1"/>
+            </a:effectRef>
+            <a:fontRef idx="minor">
+              <a:schemeClr val="lt1"/>
+            </a:fontRef>
+          </p:style>
+          <p:txBody>
+            <a:bodyPr rtlCol="0" anchor="ctr"/>
+            <a:lstStyle/>
+            <a:p>
+              <a:pPr algn="ctr"/>
+              <a:endParaRPr lang="en-PH"/>
+            </a:p>
+          </p:txBody>
+        </p:sp>
+        <p:sp>
+          <p:nvSpPr>
+            <p:cNvPr id="23" name="Freeform: Shape 22">
+              <a:extLst>
+                <a:ext uri="{FF2B5EF4-FFF2-40B4-BE49-F238E27FC236}">
+                  <a16:creationId xmlns:a16="http://schemas.microsoft.com/office/drawing/2014/main" id="{46917DC0-764B-4ABE-A2C4-162F50AEC92E}"/>
+                </a:ext>
+              </a:extLst>
+            </p:cNvPr>
+            <p:cNvSpPr/>
+            <p:nvPr/>
+          </p:nvSpPr>
+          <p:spPr>
+            <a:xfrm>
+              <a:off x="5872765" y="2544246"/>
+              <a:ext cx="1159098" cy="1159098"/>
+            </a:xfrm>
+            <a:custGeom>
+              <a:avLst/>
+              <a:gdLst>
+                <a:gd name="connsiteX0" fmla="*/ 579549 w 1159098"/>
+                <a:gd name="connsiteY0" fmla="*/ 356193 h 1159098"/>
+                <a:gd name="connsiteX1" fmla="*/ 356193 w 1159098"/>
+                <a:gd name="connsiteY1" fmla="*/ 579549 h 1159098"/>
+                <a:gd name="connsiteX2" fmla="*/ 579549 w 1159098"/>
+                <a:gd name="connsiteY2" fmla="*/ 802905 h 1159098"/>
+                <a:gd name="connsiteX3" fmla="*/ 802905 w 1159098"/>
+                <a:gd name="connsiteY3" fmla="*/ 579549 h 1159098"/>
+                <a:gd name="connsiteX4" fmla="*/ 579549 w 1159098"/>
+                <a:gd name="connsiteY4" fmla="*/ 356193 h 1159098"/>
+                <a:gd name="connsiteX5" fmla="*/ 579549 w 1159098"/>
+                <a:gd name="connsiteY5" fmla="*/ 0 h 1159098"/>
+                <a:gd name="connsiteX6" fmla="*/ 1159098 w 1159098"/>
+                <a:gd name="connsiteY6" fmla="*/ 579549 h 1159098"/>
+                <a:gd name="connsiteX7" fmla="*/ 579549 w 1159098"/>
+                <a:gd name="connsiteY7" fmla="*/ 1159098 h 1159098"/>
+                <a:gd name="connsiteX8" fmla="*/ 0 w 1159098"/>
+                <a:gd name="connsiteY8" fmla="*/ 579549 h 1159098"/>
+                <a:gd name="connsiteX9" fmla="*/ 579549 w 1159098"/>
+                <a:gd name="connsiteY9" fmla="*/ 0 h 1159098"/>
+              </a:gdLst>
+              <a:ahLst/>
+              <a:cxnLst>
+                <a:cxn ang="0">
+                  <a:pos x="connsiteX0" y="connsiteY0"/>
+                </a:cxn>
+                <a:cxn ang="0">
+                  <a:pos x="connsiteX1" y="connsiteY1"/>
+                </a:cxn>
+                <a:cxn ang="0">
+                  <a:pos x="connsiteX2" y="connsiteY2"/>
+                </a:cxn>
+                <a:cxn ang="0">
+                  <a:pos x="connsiteX3" y="connsiteY3"/>
+                </a:cxn>
+                <a:cxn ang="0">
+                  <a:pos x="connsiteX4" y="connsiteY4"/>
+                </a:cxn>
+                <a:cxn ang="0">
+                  <a:pos x="connsiteX5" y="connsiteY5"/>
+                </a:cxn>
+                <a:cxn ang="0">
+                  <a:pos x="connsiteX6" y="connsiteY6"/>
+                </a:cxn>
+                <a:cxn ang="0">
+                  <a:pos x="connsiteX7" y="connsiteY7"/>
+                </a:cxn>
+                <a:cxn ang="0">
+                  <a:pos x="connsiteX8" y="connsiteY8"/>
+                </a:cxn>
+                <a:cxn ang="0">
+                  <a:pos x="connsiteX9" y="connsiteY9"/>
+                </a:cxn>
+              </a:cxnLst>
+              <a:rect l="l" t="t" r="r" b="b"/>
+              <a:pathLst>
+                <a:path w="1159098" h="1159098">
+                  <a:moveTo>
+                    <a:pt x="579549" y="356193"/>
+                  </a:moveTo>
+                  <a:cubicBezTo>
+                    <a:pt x="456193" y="356193"/>
+                    <a:pt x="356193" y="456193"/>
+                    <a:pt x="356193" y="579549"/>
+                  </a:cubicBezTo>
+                  <a:cubicBezTo>
+                    <a:pt x="356193" y="702905"/>
+                    <a:pt x="456193" y="802905"/>
+                    <a:pt x="579549" y="802905"/>
+                  </a:cubicBezTo>
+                  <a:cubicBezTo>
+                    <a:pt x="702905" y="802905"/>
+                    <a:pt x="802905" y="702905"/>
+                    <a:pt x="802905" y="579549"/>
+                  </a:cubicBezTo>
+                  <a:cubicBezTo>
+                    <a:pt x="802905" y="456193"/>
+                    <a:pt x="702905" y="356193"/>
+                    <a:pt x="579549" y="356193"/>
+                  </a:cubicBezTo>
+                  <a:close/>
+                  <a:moveTo>
+                    <a:pt x="579549" y="0"/>
+                  </a:moveTo>
+                  <a:cubicBezTo>
+                    <a:pt x="899625" y="0"/>
+                    <a:pt x="1159098" y="259473"/>
+                    <a:pt x="1159098" y="579549"/>
+                  </a:cubicBezTo>
+                  <a:cubicBezTo>
+                    <a:pt x="1159098" y="899625"/>
+                    <a:pt x="899625" y="1159098"/>
+                    <a:pt x="579549" y="1159098"/>
+                  </a:cubicBezTo>
+                  <a:cubicBezTo>
+                    <a:pt x="259473" y="1159098"/>
+                    <a:pt x="0" y="899625"/>
+                    <a:pt x="0" y="579549"/>
+                  </a:cubicBezTo>
+                  <a:cubicBezTo>
+                    <a:pt x="0" y="259473"/>
+                    <a:pt x="259473" y="0"/>
+                    <a:pt x="579549" y="0"/>
+                  </a:cubicBezTo>
+                  <a:close/>
+                </a:path>
+              </a:pathLst>
+            </a:custGeom>
+            <a:grpFill/>
+            <a:ln>
+              <a:noFill/>
+            </a:ln>
+          </p:spPr>
+          <p:style>
+            <a:lnRef idx="2">
+              <a:schemeClr val="accent1">
+                <a:shade val="50000"/>
+              </a:schemeClr>
+            </a:lnRef>
+            <a:fillRef idx="1">
+              <a:schemeClr val="accent1"/>
+            </a:fillRef>
+            <a:effectRef idx="0">
+              <a:schemeClr val="accent1"/>
+            </a:effectRef>
+            <a:fontRef idx="minor">
+              <a:schemeClr val="lt1"/>
+            </a:fontRef>
+          </p:style>
+          <p:txBody>
+            <a:bodyPr rtlCol="0" anchor="ctr"/>
+            <a:lstStyle/>
+            <a:p>
+              <a:pPr algn="ctr"/>
+              <a:endParaRPr lang="en-PH"/>
+            </a:p>
+          </p:txBody>
+        </p:sp>
+      </p:grpSp>
+      <p:sp>
+        <p:nvSpPr>
+          <p:cNvPr id="29" name="Rectangle 28">
+            <a:extLst>
+              <a:ext uri="{FF2B5EF4-FFF2-40B4-BE49-F238E27FC236}">
+                <a16:creationId xmlns:a16="http://schemas.microsoft.com/office/drawing/2014/main" id="{53CA77C3-478C-47E0-87A0-2917BA112F62}"/>
+              </a:ext>
+            </a:extLst>
+          </p:cNvPr>
+          <p:cNvSpPr/>
+          <p:nvPr/>
+        </p:nvSpPr>
+        <p:spPr>
+          <a:xfrm>
+            <a:off x="7087744" y="4287349"/>
+            <a:ext cx="324046" cy="1031585"/>
+          </a:xfrm>
+          <a:prstGeom prst="rect">
+            <a:avLst/>
+          </a:prstGeom>
+          <a:solidFill>
+            <a:srgbClr val="FFC000"/>
+          </a:solidFill>
+          <a:ln>
+            <a:noFill/>
+          </a:ln>
+        </p:spPr>
+        <p:style>
+          <a:lnRef idx="2">
+            <a:schemeClr val="accent1">
+              <a:shade val="50000"/>
+            </a:schemeClr>
+          </a:lnRef>
+          <a:fillRef idx="1">
+            <a:schemeClr val="accent1"/>
+          </a:fillRef>
+          <a:effectRef idx="0">
+            <a:schemeClr val="accent1"/>
+          </a:effectRef>
+          <a:fontRef idx="minor">
+            <a:schemeClr val="lt1"/>
+          </a:fontRef>
+        </p:style>
+        <p:txBody>
+          <a:bodyPr rtlCol="0" anchor="ctr"/>
+          <a:lstStyle/>
+          <a:p>
+            <a:pPr algn="ctr"/>
+            <a:endParaRPr lang="en-PH"/>
+          </a:p>
+        </p:txBody>
+      </p:sp>
+      <p:sp>
+        <p:nvSpPr>
+          <p:cNvPr id="30" name="Rectangle 29">
+            <a:extLst>
+              <a:ext uri="{FF2B5EF4-FFF2-40B4-BE49-F238E27FC236}">
+                <a16:creationId xmlns:a16="http://schemas.microsoft.com/office/drawing/2014/main" id="{88302F38-475E-46E8-B26F-AACBDFA718B7}"/>
+              </a:ext>
+            </a:extLst>
+          </p:cNvPr>
+          <p:cNvSpPr/>
+          <p:nvPr/>
+        </p:nvSpPr>
+        <p:spPr>
+          <a:xfrm>
+            <a:off x="5492838" y="4292111"/>
+            <a:ext cx="324046" cy="1031585"/>
+          </a:xfrm>
+          <a:prstGeom prst="rect">
+            <a:avLst/>
+          </a:prstGeom>
+          <a:solidFill>
+            <a:srgbClr val="FFC000"/>
+          </a:solidFill>
+          <a:ln>
+            <a:noFill/>
+          </a:ln>
+        </p:spPr>
+        <p:style>
+          <a:lnRef idx="2">
+            <a:schemeClr val="accent1">
+              <a:shade val="50000"/>
+            </a:schemeClr>
+          </a:lnRef>
+          <a:fillRef idx="1">
+            <a:schemeClr val="accent1"/>
+          </a:fillRef>
+          <a:effectRef idx="0">
+            <a:schemeClr val="accent1"/>
+          </a:effectRef>
+          <a:fontRef idx="minor">
+            <a:schemeClr val="lt1"/>
+          </a:fontRef>
+        </p:style>
+        <p:txBody>
+          <a:bodyPr rtlCol="0" anchor="ctr"/>
+          <a:lstStyle/>
+          <a:p>
+            <a:pPr algn="ctr"/>
+            <a:endParaRPr lang="en-PH"/>
+          </a:p>
+        </p:txBody>
+      </p:sp>
+      <p:sp>
+        <p:nvSpPr>
+          <p:cNvPr id="31" name="Rectangle 30">
+            <a:extLst>
+              <a:ext uri="{FF2B5EF4-FFF2-40B4-BE49-F238E27FC236}">
+                <a16:creationId xmlns:a16="http://schemas.microsoft.com/office/drawing/2014/main" id="{2A4A4D1E-9C05-42F0-8C66-EE8ABDDD26F3}"/>
+              </a:ext>
+            </a:extLst>
+          </p:cNvPr>
+          <p:cNvSpPr/>
+          <p:nvPr/>
+        </p:nvSpPr>
+        <p:spPr>
+          <a:xfrm>
+            <a:off x="6290291" y="4191243"/>
+            <a:ext cx="324046" cy="1031585"/>
+          </a:xfrm>
+          <a:prstGeom prst="rect">
+            <a:avLst/>
+          </a:prstGeom>
+          <a:solidFill>
+            <a:srgbClr val="FFC000"/>
+          </a:solidFill>
+          <a:ln>
+            <a:noFill/>
+          </a:ln>
+        </p:spPr>
+        <p:style>
+          <a:lnRef idx="2">
+            <a:schemeClr val="accent1">
+              <a:shade val="50000"/>
+            </a:schemeClr>
+          </a:lnRef>
+          <a:fillRef idx="1">
+            <a:schemeClr val="accent1"/>
+          </a:fillRef>
+          <a:effectRef idx="0">
+            <a:schemeClr val="accent1"/>
+          </a:effectRef>
+          <a:fontRef idx="minor">
+            <a:schemeClr val="lt1"/>
+          </a:fontRef>
+        </p:style>
+        <p:txBody>
+          <a:bodyPr rtlCol="0" anchor="ctr"/>
+          <a:lstStyle/>
+          <a:p>
+            <a:pPr algn="ctr"/>
+            <a:endParaRPr lang="en-PH"/>
+          </a:p>
+        </p:txBody>
+      </p:sp>
     </p:spTree>
     <p:extLst>
       <p:ext uri="{BB962C8B-B14F-4D97-AF65-F5344CB8AC3E}">
         <p14:creationId xmlns:p14="http://schemas.microsoft.com/office/powerpoint/2010/main" val="1130468912"/>
+      </p:ext>
+    </p:extLst>
+  </p:cSld>
+  <p:clrMapOvr>
+    <a:masterClrMapping/>
+  </p:clrMapOvr>
+</p:sld>
+</file>
+
+<file path=ppt/slides/slide3.xml><?xml version="1.0" encoding="utf-8"?>
+<p:sld xmlns:a="http://schemas.openxmlformats.org/drawingml/2006/main" xmlns:r="http://schemas.openxmlformats.org/officeDocument/2006/relationships" xmlns:p="http://schemas.openxmlformats.org/presentationml/2006/main">
+  <p:cSld>
+    <p:spTree>
+      <p:nvGrpSpPr>
+        <p:cNvPr id="1" name=""/>
+        <p:cNvGrpSpPr/>
+        <p:nvPr/>
+      </p:nvGrpSpPr>
+      <p:grpSpPr>
+        <a:xfrm>
+          <a:off x="0" y="0"/>
+          <a:ext cx="0" cy="0"/>
+          <a:chOff x="0" y="0"/>
+          <a:chExt cx="0" cy="0"/>
+        </a:xfrm>
+      </p:grpSpPr>
+      <p:grpSp>
+        <p:nvGrpSpPr>
+          <p:cNvPr id="15" name="Group 14">
+            <a:extLst>
+              <a:ext uri="{FF2B5EF4-FFF2-40B4-BE49-F238E27FC236}">
+                <a16:creationId xmlns:a16="http://schemas.microsoft.com/office/drawing/2014/main" id="{BC76D56A-5D74-49D5-9871-59F66D773DBF}"/>
+              </a:ext>
+            </a:extLst>
+          </p:cNvPr>
+          <p:cNvGrpSpPr/>
+          <p:nvPr/>
+        </p:nvGrpSpPr>
+        <p:grpSpPr>
+          <a:xfrm>
+            <a:off x="2154717" y="1057747"/>
+            <a:ext cx="3187700" cy="3187700"/>
+            <a:chOff x="4284885" y="1676400"/>
+            <a:chExt cx="3187700" cy="3187700"/>
+          </a:xfrm>
+        </p:grpSpPr>
+        <p:sp>
+          <p:nvSpPr>
+            <p:cNvPr id="14" name="Rectangle: Rounded Corners 13">
+              <a:extLst>
+                <a:ext uri="{FF2B5EF4-FFF2-40B4-BE49-F238E27FC236}">
+                  <a16:creationId xmlns:a16="http://schemas.microsoft.com/office/drawing/2014/main" id="{915DC022-7BA1-4685-ABDD-604C25F89920}"/>
+                </a:ext>
+              </a:extLst>
+            </p:cNvPr>
+            <p:cNvSpPr/>
+            <p:nvPr/>
+          </p:nvSpPr>
+          <p:spPr>
+            <a:xfrm>
+              <a:off x="4284885" y="1676400"/>
+              <a:ext cx="3187700" cy="3187700"/>
+            </a:xfrm>
+            <a:prstGeom prst="roundRect">
+              <a:avLst/>
+            </a:prstGeom>
+            <a:solidFill>
+              <a:schemeClr val="bg1"/>
+            </a:solidFill>
+            <a:ln>
+              <a:noFill/>
+            </a:ln>
+          </p:spPr>
+          <p:style>
+            <a:lnRef idx="2">
+              <a:schemeClr val="accent1">
+                <a:shade val="50000"/>
+              </a:schemeClr>
+            </a:lnRef>
+            <a:fillRef idx="1">
+              <a:schemeClr val="accent1"/>
+            </a:fillRef>
+            <a:effectRef idx="0">
+              <a:schemeClr val="accent1"/>
+            </a:effectRef>
+            <a:fontRef idx="minor">
+              <a:schemeClr val="lt1"/>
+            </a:fontRef>
+          </p:style>
+          <p:txBody>
+            <a:bodyPr rtlCol="0" anchor="ctr"/>
+            <a:lstStyle/>
+            <a:p>
+              <a:pPr algn="ctr"/>
+              <a:endParaRPr lang="en-PH"/>
+            </a:p>
+          </p:txBody>
+        </p:sp>
+        <p:grpSp>
+          <p:nvGrpSpPr>
+            <p:cNvPr id="12" name="Group 11">
+              <a:extLst>
+                <a:ext uri="{FF2B5EF4-FFF2-40B4-BE49-F238E27FC236}">
+                  <a16:creationId xmlns:a16="http://schemas.microsoft.com/office/drawing/2014/main" id="{4A1ADF41-ABCB-443C-A40A-3A5CF31CE0AA}"/>
+                </a:ext>
+              </a:extLst>
+            </p:cNvPr>
+            <p:cNvGrpSpPr/>
+            <p:nvPr/>
+          </p:nvGrpSpPr>
+          <p:grpSpPr>
+            <a:xfrm>
+              <a:off x="4624182" y="1940880"/>
+              <a:ext cx="2509106" cy="2649215"/>
+              <a:chOff x="3807110" y="2057430"/>
+              <a:chExt cx="2509106" cy="2649215"/>
+            </a:xfrm>
+            <a:solidFill>
+              <a:srgbClr val="FF9F11"/>
+            </a:solidFill>
+          </p:grpSpPr>
+          <p:sp>
+            <p:nvSpPr>
+              <p:cNvPr id="4" name="Block Arc 3">
+                <a:extLst>
+                  <a:ext uri="{FF2B5EF4-FFF2-40B4-BE49-F238E27FC236}">
+                    <a16:creationId xmlns:a16="http://schemas.microsoft.com/office/drawing/2014/main" id="{F543C352-6883-44BF-B507-21936A304FCD}"/>
+                  </a:ext>
+                </a:extLst>
+              </p:cNvPr>
+              <p:cNvSpPr/>
+              <p:nvPr/>
+            </p:nvSpPr>
+            <p:spPr>
+              <a:xfrm>
+                <a:off x="4261400" y="2787693"/>
+                <a:ext cx="1539025" cy="1918952"/>
+              </a:xfrm>
+              <a:prstGeom prst="blockArc">
+                <a:avLst>
+                  <a:gd name="adj1" fmla="val 10800000"/>
+                  <a:gd name="adj2" fmla="val 21361144"/>
+                  <a:gd name="adj3" fmla="val 21000"/>
+                </a:avLst>
+              </a:prstGeom>
+              <a:grpFill/>
+              <a:ln>
+                <a:noFill/>
+              </a:ln>
+            </p:spPr>
+            <p:style>
+              <a:lnRef idx="2">
+                <a:schemeClr val="accent1">
+                  <a:shade val="50000"/>
+                </a:schemeClr>
+              </a:lnRef>
+              <a:fillRef idx="1">
+                <a:schemeClr val="accent1"/>
+              </a:fillRef>
+              <a:effectRef idx="0">
+                <a:schemeClr val="accent1"/>
+              </a:effectRef>
+              <a:fontRef idx="minor">
+                <a:schemeClr val="lt1"/>
+              </a:fontRef>
+            </p:style>
+            <p:txBody>
+              <a:bodyPr rtlCol="0" anchor="ctr"/>
+              <a:lstStyle/>
+              <a:p>
+                <a:pPr algn="ctr"/>
+                <a:endParaRPr lang="en-PH">
+                  <a:solidFill>
+                    <a:schemeClr val="tx1"/>
+                  </a:solidFill>
+                </a:endParaRPr>
+              </a:p>
+            </p:txBody>
+          </p:sp>
+          <p:grpSp>
+            <p:nvGrpSpPr>
+              <p:cNvPr id="5" name="Group 4">
+                <a:extLst>
+                  <a:ext uri="{FF2B5EF4-FFF2-40B4-BE49-F238E27FC236}">
+                    <a16:creationId xmlns:a16="http://schemas.microsoft.com/office/drawing/2014/main" id="{D77957B8-B02F-467D-AF06-AD2E72155F84}"/>
+                  </a:ext>
+                </a:extLst>
+              </p:cNvPr>
+              <p:cNvGrpSpPr/>
+              <p:nvPr/>
+            </p:nvGrpSpPr>
+            <p:grpSpPr>
+              <a:xfrm>
+                <a:off x="3807110" y="2057430"/>
+                <a:ext cx="2509106" cy="1053414"/>
+                <a:chOff x="5197760" y="2642265"/>
+                <a:chExt cx="2509106" cy="1053414"/>
+              </a:xfrm>
+              <a:grpFill/>
+            </p:grpSpPr>
+            <p:sp>
+              <p:nvSpPr>
+                <p:cNvPr id="6" name="Rectangle 5">
+                  <a:extLst>
+                    <a:ext uri="{FF2B5EF4-FFF2-40B4-BE49-F238E27FC236}">
+                      <a16:creationId xmlns:a16="http://schemas.microsoft.com/office/drawing/2014/main" id="{BDC30EBA-EB9B-4C4B-A7DF-085A15D145E6}"/>
+                    </a:ext>
+                  </a:extLst>
+                </p:cNvPr>
+                <p:cNvSpPr/>
+                <p:nvPr/>
+              </p:nvSpPr>
+              <p:spPr>
+                <a:xfrm rot="5400000">
+                  <a:off x="5566259" y="2422888"/>
+                  <a:ext cx="294587" cy="1031585"/>
+                </a:xfrm>
+                <a:prstGeom prst="rect">
+                  <a:avLst/>
+                </a:prstGeom>
+                <a:grpFill/>
+                <a:ln>
+                  <a:noFill/>
+                </a:ln>
+              </p:spPr>
+              <p:style>
+                <a:lnRef idx="2">
+                  <a:schemeClr val="accent1">
+                    <a:shade val="50000"/>
+                  </a:schemeClr>
+                </a:lnRef>
+                <a:fillRef idx="1">
+                  <a:schemeClr val="accent1"/>
+                </a:fillRef>
+                <a:effectRef idx="0">
+                  <a:schemeClr val="accent1"/>
+                </a:effectRef>
+                <a:fontRef idx="minor">
+                  <a:schemeClr val="lt1"/>
+                </a:fontRef>
+              </p:style>
+              <p:txBody>
+                <a:bodyPr rtlCol="0" anchor="ctr"/>
+                <a:lstStyle/>
+                <a:p>
+                  <a:pPr algn="ctr"/>
+                  <a:endParaRPr lang="en-PH"/>
+                </a:p>
+              </p:txBody>
+            </p:sp>
+            <p:sp>
+              <p:nvSpPr>
+                <p:cNvPr id="7" name="Rectangle 6">
+                  <a:extLst>
+                    <a:ext uri="{FF2B5EF4-FFF2-40B4-BE49-F238E27FC236}">
+                      <a16:creationId xmlns:a16="http://schemas.microsoft.com/office/drawing/2014/main" id="{F2098356-BC05-48D2-8EE5-338B429536E3}"/>
+                    </a:ext>
+                  </a:extLst>
+                </p:cNvPr>
+                <p:cNvSpPr/>
+                <p:nvPr/>
+              </p:nvSpPr>
+              <p:spPr>
+                <a:xfrm rot="16200000">
+                  <a:off x="7043780" y="2422887"/>
+                  <a:ext cx="294587" cy="1031585"/>
+                </a:xfrm>
+                <a:prstGeom prst="rect">
+                  <a:avLst/>
+                </a:prstGeom>
+                <a:grpFill/>
+                <a:ln>
+                  <a:noFill/>
+                </a:ln>
+              </p:spPr>
+              <p:style>
+                <a:lnRef idx="2">
+                  <a:schemeClr val="accent1">
+                    <a:shade val="50000"/>
+                  </a:schemeClr>
+                </a:lnRef>
+                <a:fillRef idx="1">
+                  <a:schemeClr val="accent1"/>
+                </a:fillRef>
+                <a:effectRef idx="0">
+                  <a:schemeClr val="accent1"/>
+                </a:effectRef>
+                <a:fontRef idx="minor">
+                  <a:schemeClr val="lt1"/>
+                </a:fontRef>
+              </p:style>
+              <p:txBody>
+                <a:bodyPr rtlCol="0" anchor="ctr"/>
+                <a:lstStyle/>
+                <a:p>
+                  <a:pPr algn="ctr"/>
+                  <a:endParaRPr lang="en-PH"/>
+                </a:p>
+              </p:txBody>
+            </p:sp>
+            <p:sp>
+              <p:nvSpPr>
+                <p:cNvPr id="8" name="Freeform: Shape 7">
+                  <a:extLst>
+                    <a:ext uri="{FF2B5EF4-FFF2-40B4-BE49-F238E27FC236}">
+                      <a16:creationId xmlns:a16="http://schemas.microsoft.com/office/drawing/2014/main" id="{403A326B-9427-49FF-9026-78C84C1BCA7A}"/>
+                    </a:ext>
+                  </a:extLst>
+                </p:cNvPr>
+                <p:cNvSpPr/>
+                <p:nvPr/>
+              </p:nvSpPr>
+              <p:spPr>
+                <a:xfrm>
+                  <a:off x="5894855" y="2642265"/>
+                  <a:ext cx="1053414" cy="1053414"/>
+                </a:xfrm>
+                <a:custGeom>
+                  <a:avLst/>
+                  <a:gdLst>
+                    <a:gd name="connsiteX0" fmla="*/ 579549 w 1159098"/>
+                    <a:gd name="connsiteY0" fmla="*/ 356193 h 1159098"/>
+                    <a:gd name="connsiteX1" fmla="*/ 356193 w 1159098"/>
+                    <a:gd name="connsiteY1" fmla="*/ 579549 h 1159098"/>
+                    <a:gd name="connsiteX2" fmla="*/ 579549 w 1159098"/>
+                    <a:gd name="connsiteY2" fmla="*/ 802905 h 1159098"/>
+                    <a:gd name="connsiteX3" fmla="*/ 802905 w 1159098"/>
+                    <a:gd name="connsiteY3" fmla="*/ 579549 h 1159098"/>
+                    <a:gd name="connsiteX4" fmla="*/ 579549 w 1159098"/>
+                    <a:gd name="connsiteY4" fmla="*/ 356193 h 1159098"/>
+                    <a:gd name="connsiteX5" fmla="*/ 579549 w 1159098"/>
+                    <a:gd name="connsiteY5" fmla="*/ 0 h 1159098"/>
+                    <a:gd name="connsiteX6" fmla="*/ 1159098 w 1159098"/>
+                    <a:gd name="connsiteY6" fmla="*/ 579549 h 1159098"/>
+                    <a:gd name="connsiteX7" fmla="*/ 579549 w 1159098"/>
+                    <a:gd name="connsiteY7" fmla="*/ 1159098 h 1159098"/>
+                    <a:gd name="connsiteX8" fmla="*/ 0 w 1159098"/>
+                    <a:gd name="connsiteY8" fmla="*/ 579549 h 1159098"/>
+                    <a:gd name="connsiteX9" fmla="*/ 579549 w 1159098"/>
+                    <a:gd name="connsiteY9" fmla="*/ 0 h 1159098"/>
+                  </a:gdLst>
+                  <a:ahLst/>
+                  <a:cxnLst>
+                    <a:cxn ang="0">
+                      <a:pos x="connsiteX0" y="connsiteY0"/>
+                    </a:cxn>
+                    <a:cxn ang="0">
+                      <a:pos x="connsiteX1" y="connsiteY1"/>
+                    </a:cxn>
+                    <a:cxn ang="0">
+                      <a:pos x="connsiteX2" y="connsiteY2"/>
+                    </a:cxn>
+                    <a:cxn ang="0">
+                      <a:pos x="connsiteX3" y="connsiteY3"/>
+                    </a:cxn>
+                    <a:cxn ang="0">
+                      <a:pos x="connsiteX4" y="connsiteY4"/>
+                    </a:cxn>
+                    <a:cxn ang="0">
+                      <a:pos x="connsiteX5" y="connsiteY5"/>
+                    </a:cxn>
+                    <a:cxn ang="0">
+                      <a:pos x="connsiteX6" y="connsiteY6"/>
+                    </a:cxn>
+                    <a:cxn ang="0">
+                      <a:pos x="connsiteX7" y="connsiteY7"/>
+                    </a:cxn>
+                    <a:cxn ang="0">
+                      <a:pos x="connsiteX8" y="connsiteY8"/>
+                    </a:cxn>
+                    <a:cxn ang="0">
+                      <a:pos x="connsiteX9" y="connsiteY9"/>
+                    </a:cxn>
+                  </a:cxnLst>
+                  <a:rect l="l" t="t" r="r" b="b"/>
+                  <a:pathLst>
+                    <a:path w="1159098" h="1159098">
+                      <a:moveTo>
+                        <a:pt x="579549" y="356193"/>
+                      </a:moveTo>
+                      <a:cubicBezTo>
+                        <a:pt x="456193" y="356193"/>
+                        <a:pt x="356193" y="456193"/>
+                        <a:pt x="356193" y="579549"/>
+                      </a:cubicBezTo>
+                      <a:cubicBezTo>
+                        <a:pt x="356193" y="702905"/>
+                        <a:pt x="456193" y="802905"/>
+                        <a:pt x="579549" y="802905"/>
+                      </a:cubicBezTo>
+                      <a:cubicBezTo>
+                        <a:pt x="702905" y="802905"/>
+                        <a:pt x="802905" y="702905"/>
+                        <a:pt x="802905" y="579549"/>
+                      </a:cubicBezTo>
+                      <a:cubicBezTo>
+                        <a:pt x="802905" y="456193"/>
+                        <a:pt x="702905" y="356193"/>
+                        <a:pt x="579549" y="356193"/>
+                      </a:cubicBezTo>
+                      <a:close/>
+                      <a:moveTo>
+                        <a:pt x="579549" y="0"/>
+                      </a:moveTo>
+                      <a:cubicBezTo>
+                        <a:pt x="899625" y="0"/>
+                        <a:pt x="1159098" y="259473"/>
+                        <a:pt x="1159098" y="579549"/>
+                      </a:cubicBezTo>
+                      <a:cubicBezTo>
+                        <a:pt x="1159098" y="899625"/>
+                        <a:pt x="899625" y="1159098"/>
+                        <a:pt x="579549" y="1159098"/>
+                      </a:cubicBezTo>
+                      <a:cubicBezTo>
+                        <a:pt x="259473" y="1159098"/>
+                        <a:pt x="0" y="899625"/>
+                        <a:pt x="0" y="579549"/>
+                      </a:cubicBezTo>
+                      <a:cubicBezTo>
+                        <a:pt x="0" y="259473"/>
+                        <a:pt x="259473" y="0"/>
+                        <a:pt x="579549" y="0"/>
+                      </a:cubicBezTo>
+                      <a:close/>
+                    </a:path>
+                  </a:pathLst>
+                </a:custGeom>
+                <a:grpFill/>
+                <a:ln>
+                  <a:noFill/>
+                </a:ln>
+              </p:spPr>
+              <p:style>
+                <a:lnRef idx="2">
+                  <a:schemeClr val="accent1">
+                    <a:shade val="50000"/>
+                  </a:schemeClr>
+                </a:lnRef>
+                <a:fillRef idx="1">
+                  <a:schemeClr val="accent1"/>
+                </a:fillRef>
+                <a:effectRef idx="0">
+                  <a:schemeClr val="accent1"/>
+                </a:effectRef>
+                <a:fontRef idx="minor">
+                  <a:schemeClr val="lt1"/>
+                </a:fontRef>
+              </p:style>
+              <p:txBody>
+                <a:bodyPr rtlCol="0" anchor="ctr"/>
+                <a:lstStyle/>
+                <a:p>
+                  <a:pPr algn="ctr"/>
+                  <a:endParaRPr lang="en-PH"/>
+                </a:p>
+              </p:txBody>
+            </p:sp>
+          </p:grpSp>
+          <p:sp>
+            <p:nvSpPr>
+              <p:cNvPr id="9" name="Rectangle 8">
+                <a:extLst>
+                  <a:ext uri="{FF2B5EF4-FFF2-40B4-BE49-F238E27FC236}">
+                    <a16:creationId xmlns:a16="http://schemas.microsoft.com/office/drawing/2014/main" id="{4869035E-99D6-46CD-9402-A33D66E9AED7}"/>
+                  </a:ext>
+                </a:extLst>
+              </p:cNvPr>
+              <p:cNvSpPr/>
+              <p:nvPr/>
+            </p:nvSpPr>
+            <p:spPr>
+              <a:xfrm>
+                <a:off x="5476379" y="3673495"/>
+                <a:ext cx="324046" cy="656126"/>
+              </a:xfrm>
+              <a:prstGeom prst="rect">
+                <a:avLst/>
+              </a:prstGeom>
+              <a:grpFill/>
+              <a:ln>
+                <a:noFill/>
+              </a:ln>
+            </p:spPr>
+            <p:style>
+              <a:lnRef idx="2">
+                <a:schemeClr val="accent1">
+                  <a:shade val="50000"/>
+                </a:schemeClr>
+              </a:lnRef>
+              <a:fillRef idx="1">
+                <a:schemeClr val="accent1"/>
+              </a:fillRef>
+              <a:effectRef idx="0">
+                <a:schemeClr val="accent1"/>
+              </a:effectRef>
+              <a:fontRef idx="minor">
+                <a:schemeClr val="lt1"/>
+              </a:fontRef>
+            </p:style>
+            <p:txBody>
+              <a:bodyPr rtlCol="0" anchor="ctr"/>
+              <a:lstStyle/>
+              <a:p>
+                <a:pPr algn="ctr"/>
+                <a:endParaRPr lang="en-PH"/>
+              </a:p>
+            </p:txBody>
+          </p:sp>
+          <p:sp>
+            <p:nvSpPr>
+              <p:cNvPr id="10" name="Rectangle 9">
+                <a:extLst>
+                  <a:ext uri="{FF2B5EF4-FFF2-40B4-BE49-F238E27FC236}">
+                    <a16:creationId xmlns:a16="http://schemas.microsoft.com/office/drawing/2014/main" id="{7820EA54-8DBA-4364-8E39-BF3E4DAFEB28}"/>
+                  </a:ext>
+                </a:extLst>
+              </p:cNvPr>
+              <p:cNvSpPr/>
+              <p:nvPr/>
+            </p:nvSpPr>
+            <p:spPr>
+              <a:xfrm>
+                <a:off x="4261400" y="3744787"/>
+                <a:ext cx="324046" cy="584833"/>
+              </a:xfrm>
+              <a:prstGeom prst="rect">
+                <a:avLst/>
+              </a:prstGeom>
+              <a:grpFill/>
+              <a:ln>
+                <a:noFill/>
+              </a:ln>
+            </p:spPr>
+            <p:style>
+              <a:lnRef idx="2">
+                <a:schemeClr val="accent1">
+                  <a:shade val="50000"/>
+                </a:schemeClr>
+              </a:lnRef>
+              <a:fillRef idx="1">
+                <a:schemeClr val="accent1"/>
+              </a:fillRef>
+              <a:effectRef idx="0">
+                <a:schemeClr val="accent1"/>
+              </a:effectRef>
+              <a:fontRef idx="minor">
+                <a:schemeClr val="lt1"/>
+              </a:fontRef>
+            </p:style>
+            <p:txBody>
+              <a:bodyPr rtlCol="0" anchor="ctr"/>
+              <a:lstStyle/>
+              <a:p>
+                <a:pPr algn="ctr"/>
+                <a:endParaRPr lang="en-PH"/>
+              </a:p>
+            </p:txBody>
+          </p:sp>
+          <p:sp>
+            <p:nvSpPr>
+              <p:cNvPr id="11" name="Rectangle 10">
+                <a:extLst>
+                  <a:ext uri="{FF2B5EF4-FFF2-40B4-BE49-F238E27FC236}">
+                    <a16:creationId xmlns:a16="http://schemas.microsoft.com/office/drawing/2014/main" id="{A72BDB1C-D4DE-421D-B9DF-5D89BD2677C1}"/>
+                  </a:ext>
+                </a:extLst>
+              </p:cNvPr>
+              <p:cNvSpPr/>
+              <p:nvPr/>
+            </p:nvSpPr>
+            <p:spPr>
+              <a:xfrm>
+                <a:off x="4868889" y="3744787"/>
+                <a:ext cx="324046" cy="961858"/>
+              </a:xfrm>
+              <a:prstGeom prst="rect">
+                <a:avLst/>
+              </a:prstGeom>
+              <a:grpFill/>
+              <a:ln>
+                <a:noFill/>
+              </a:ln>
+            </p:spPr>
+            <p:style>
+              <a:lnRef idx="2">
+                <a:schemeClr val="accent1">
+                  <a:shade val="50000"/>
+                </a:schemeClr>
+              </a:lnRef>
+              <a:fillRef idx="1">
+                <a:schemeClr val="accent1"/>
+              </a:fillRef>
+              <a:effectRef idx="0">
+                <a:schemeClr val="accent1"/>
+              </a:effectRef>
+              <a:fontRef idx="minor">
+                <a:schemeClr val="lt1"/>
+              </a:fontRef>
+            </p:style>
+            <p:txBody>
+              <a:bodyPr rtlCol="0" anchor="ctr"/>
+              <a:lstStyle/>
+              <a:p>
+                <a:pPr algn="ctr"/>
+                <a:endParaRPr lang="en-PH"/>
+              </a:p>
+            </p:txBody>
+          </p:sp>
+        </p:grpSp>
+      </p:grpSp>
+      <p:grpSp>
+        <p:nvGrpSpPr>
+          <p:cNvPr id="13" name="Group 12">
+            <a:extLst>
+              <a:ext uri="{FF2B5EF4-FFF2-40B4-BE49-F238E27FC236}">
+                <a16:creationId xmlns:a16="http://schemas.microsoft.com/office/drawing/2014/main" id="{3CB26F4B-1D1C-4164-9BC9-641087D095A2}"/>
+              </a:ext>
+            </a:extLst>
+          </p:cNvPr>
+          <p:cNvGrpSpPr/>
+          <p:nvPr/>
+        </p:nvGrpSpPr>
+        <p:grpSpPr>
+          <a:xfrm>
+            <a:off x="5894053" y="1057747"/>
+            <a:ext cx="3187700" cy="3187700"/>
+            <a:chOff x="4284885" y="1676400"/>
+            <a:chExt cx="3187700" cy="3187700"/>
+          </a:xfrm>
+        </p:grpSpPr>
+        <p:sp>
+          <p:nvSpPr>
+            <p:cNvPr id="16" name="Rectangle: Rounded Corners 15">
+              <a:extLst>
+                <a:ext uri="{FF2B5EF4-FFF2-40B4-BE49-F238E27FC236}">
+                  <a16:creationId xmlns:a16="http://schemas.microsoft.com/office/drawing/2014/main" id="{E73029FB-C586-4EA8-B746-5AC991DC3847}"/>
+                </a:ext>
+              </a:extLst>
+            </p:cNvPr>
+            <p:cNvSpPr/>
+            <p:nvPr/>
+          </p:nvSpPr>
+          <p:spPr>
+            <a:xfrm>
+              <a:off x="4284885" y="1676400"/>
+              <a:ext cx="3187700" cy="3187700"/>
+            </a:xfrm>
+            <a:prstGeom prst="roundRect">
+              <a:avLst/>
+            </a:prstGeom>
+            <a:solidFill>
+              <a:schemeClr val="bg1"/>
+            </a:solidFill>
+            <a:ln>
+              <a:noFill/>
+            </a:ln>
+          </p:spPr>
+          <p:style>
+            <a:lnRef idx="2">
+              <a:schemeClr val="accent1">
+                <a:shade val="50000"/>
+              </a:schemeClr>
+            </a:lnRef>
+            <a:fillRef idx="1">
+              <a:schemeClr val="accent1"/>
+            </a:fillRef>
+            <a:effectRef idx="0">
+              <a:schemeClr val="accent1"/>
+            </a:effectRef>
+            <a:fontRef idx="minor">
+              <a:schemeClr val="lt1"/>
+            </a:fontRef>
+          </p:style>
+          <p:txBody>
+            <a:bodyPr rtlCol="0" anchor="ctr"/>
+            <a:lstStyle/>
+            <a:p>
+              <a:pPr algn="ctr"/>
+              <a:endParaRPr lang="en-PH"/>
+            </a:p>
+          </p:txBody>
+        </p:sp>
+        <p:grpSp>
+          <p:nvGrpSpPr>
+            <p:cNvPr id="17" name="Group 16">
+              <a:extLst>
+                <a:ext uri="{FF2B5EF4-FFF2-40B4-BE49-F238E27FC236}">
+                  <a16:creationId xmlns:a16="http://schemas.microsoft.com/office/drawing/2014/main" id="{FC96794E-3785-43A9-8845-6AE5618B1BBA}"/>
+                </a:ext>
+              </a:extLst>
+            </p:cNvPr>
+            <p:cNvGrpSpPr/>
+            <p:nvPr/>
+          </p:nvGrpSpPr>
+          <p:grpSpPr>
+            <a:xfrm>
+              <a:off x="4624182" y="1940880"/>
+              <a:ext cx="2509106" cy="2649215"/>
+              <a:chOff x="3807110" y="2057430"/>
+              <a:chExt cx="2509106" cy="2649215"/>
+            </a:xfrm>
+            <a:solidFill>
+              <a:srgbClr val="FF9F11"/>
+            </a:solidFill>
+          </p:grpSpPr>
+          <p:sp>
+            <p:nvSpPr>
+              <p:cNvPr id="18" name="Block Arc 17">
+                <a:extLst>
+                  <a:ext uri="{FF2B5EF4-FFF2-40B4-BE49-F238E27FC236}">
+                    <a16:creationId xmlns:a16="http://schemas.microsoft.com/office/drawing/2014/main" id="{2BF24605-288D-45AC-A280-B160C42108B3}"/>
+                  </a:ext>
+                </a:extLst>
+              </p:cNvPr>
+              <p:cNvSpPr/>
+              <p:nvPr/>
+            </p:nvSpPr>
+            <p:spPr>
+              <a:xfrm>
+                <a:off x="4261400" y="2787693"/>
+                <a:ext cx="1539025" cy="1918952"/>
+              </a:xfrm>
+              <a:prstGeom prst="blockArc">
+                <a:avLst>
+                  <a:gd name="adj1" fmla="val 10800000"/>
+                  <a:gd name="adj2" fmla="val 21361144"/>
+                  <a:gd name="adj3" fmla="val 21000"/>
+                </a:avLst>
+              </a:prstGeom>
+              <a:solidFill>
+                <a:srgbClr val="7F2496"/>
+              </a:solidFill>
+              <a:ln>
+                <a:noFill/>
+              </a:ln>
+            </p:spPr>
+            <p:style>
+              <a:lnRef idx="2">
+                <a:schemeClr val="accent1">
+                  <a:shade val="50000"/>
+                </a:schemeClr>
+              </a:lnRef>
+              <a:fillRef idx="1">
+                <a:schemeClr val="accent1"/>
+              </a:fillRef>
+              <a:effectRef idx="0">
+                <a:schemeClr val="accent1"/>
+              </a:effectRef>
+              <a:fontRef idx="minor">
+                <a:schemeClr val="lt1"/>
+              </a:fontRef>
+            </p:style>
+            <p:txBody>
+              <a:bodyPr rtlCol="0" anchor="ctr"/>
+              <a:lstStyle/>
+              <a:p>
+                <a:pPr algn="ctr"/>
+                <a:endParaRPr lang="en-PH">
+                  <a:solidFill>
+                    <a:schemeClr val="tx1"/>
+                  </a:solidFill>
+                </a:endParaRPr>
+              </a:p>
+            </p:txBody>
+          </p:sp>
+          <p:grpSp>
+            <p:nvGrpSpPr>
+              <p:cNvPr id="19" name="Group 18">
+                <a:extLst>
+                  <a:ext uri="{FF2B5EF4-FFF2-40B4-BE49-F238E27FC236}">
+                    <a16:creationId xmlns:a16="http://schemas.microsoft.com/office/drawing/2014/main" id="{C93FC48A-F2CE-46D0-BB89-775B93E8B37D}"/>
+                  </a:ext>
+                </a:extLst>
+              </p:cNvPr>
+              <p:cNvGrpSpPr/>
+              <p:nvPr/>
+            </p:nvGrpSpPr>
+            <p:grpSpPr>
+              <a:xfrm>
+                <a:off x="3807110" y="2057430"/>
+                <a:ext cx="2509106" cy="1053414"/>
+                <a:chOff x="5197760" y="2642265"/>
+                <a:chExt cx="2509106" cy="1053414"/>
+              </a:xfrm>
+              <a:grpFill/>
+            </p:grpSpPr>
+            <p:sp>
+              <p:nvSpPr>
+                <p:cNvPr id="23" name="Rectangle 22">
+                  <a:extLst>
+                    <a:ext uri="{FF2B5EF4-FFF2-40B4-BE49-F238E27FC236}">
+                      <a16:creationId xmlns:a16="http://schemas.microsoft.com/office/drawing/2014/main" id="{0F8515C0-3CBB-46FE-A84E-20FAFA86A8C7}"/>
+                    </a:ext>
+                  </a:extLst>
+                </p:cNvPr>
+                <p:cNvSpPr/>
+                <p:nvPr/>
+              </p:nvSpPr>
+              <p:spPr>
+                <a:xfrm rot="5400000">
+                  <a:off x="5566259" y="2422888"/>
+                  <a:ext cx="294587" cy="1031585"/>
+                </a:xfrm>
+                <a:prstGeom prst="rect">
+                  <a:avLst/>
+                </a:prstGeom>
+                <a:solidFill>
+                  <a:srgbClr val="7F2496"/>
+                </a:solidFill>
+                <a:ln>
+                  <a:noFill/>
+                </a:ln>
+              </p:spPr>
+              <p:style>
+                <a:lnRef idx="2">
+                  <a:schemeClr val="accent1">
+                    <a:shade val="50000"/>
+                  </a:schemeClr>
+                </a:lnRef>
+                <a:fillRef idx="1">
+                  <a:schemeClr val="accent1"/>
+                </a:fillRef>
+                <a:effectRef idx="0">
+                  <a:schemeClr val="accent1"/>
+                </a:effectRef>
+                <a:fontRef idx="minor">
+                  <a:schemeClr val="lt1"/>
+                </a:fontRef>
+              </p:style>
+              <p:txBody>
+                <a:bodyPr rtlCol="0" anchor="ctr"/>
+                <a:lstStyle/>
+                <a:p>
+                  <a:pPr algn="ctr"/>
+                  <a:endParaRPr lang="en-PH"/>
+                </a:p>
+              </p:txBody>
+            </p:sp>
+            <p:sp>
+              <p:nvSpPr>
+                <p:cNvPr id="24" name="Rectangle 23">
+                  <a:extLst>
+                    <a:ext uri="{FF2B5EF4-FFF2-40B4-BE49-F238E27FC236}">
+                      <a16:creationId xmlns:a16="http://schemas.microsoft.com/office/drawing/2014/main" id="{343F5142-5A11-40D4-AD34-81D3273B8ABC}"/>
+                    </a:ext>
+                  </a:extLst>
+                </p:cNvPr>
+                <p:cNvSpPr/>
+                <p:nvPr/>
+              </p:nvSpPr>
+              <p:spPr>
+                <a:xfrm rot="16200000">
+                  <a:off x="7043780" y="2422887"/>
+                  <a:ext cx="294587" cy="1031585"/>
+                </a:xfrm>
+                <a:prstGeom prst="rect">
+                  <a:avLst/>
+                </a:prstGeom>
+                <a:solidFill>
+                  <a:srgbClr val="7F2496"/>
+                </a:solidFill>
+                <a:ln>
+                  <a:noFill/>
+                </a:ln>
+              </p:spPr>
+              <p:style>
+                <a:lnRef idx="2">
+                  <a:schemeClr val="accent1">
+                    <a:shade val="50000"/>
+                  </a:schemeClr>
+                </a:lnRef>
+                <a:fillRef idx="1">
+                  <a:schemeClr val="accent1"/>
+                </a:fillRef>
+                <a:effectRef idx="0">
+                  <a:schemeClr val="accent1"/>
+                </a:effectRef>
+                <a:fontRef idx="minor">
+                  <a:schemeClr val="lt1"/>
+                </a:fontRef>
+              </p:style>
+              <p:txBody>
+                <a:bodyPr rtlCol="0" anchor="ctr"/>
+                <a:lstStyle/>
+                <a:p>
+                  <a:pPr algn="ctr"/>
+                  <a:endParaRPr lang="en-PH"/>
+                </a:p>
+              </p:txBody>
+            </p:sp>
+            <p:sp>
+              <p:nvSpPr>
+                <p:cNvPr id="25" name="Freeform: Shape 24">
+                  <a:extLst>
+                    <a:ext uri="{FF2B5EF4-FFF2-40B4-BE49-F238E27FC236}">
+                      <a16:creationId xmlns:a16="http://schemas.microsoft.com/office/drawing/2014/main" id="{025FFF3E-6B02-41AE-A7A7-662D1EC6B4DF}"/>
+                    </a:ext>
+                  </a:extLst>
+                </p:cNvPr>
+                <p:cNvSpPr/>
+                <p:nvPr/>
+              </p:nvSpPr>
+              <p:spPr>
+                <a:xfrm>
+                  <a:off x="5894855" y="2642265"/>
+                  <a:ext cx="1053414" cy="1053414"/>
+                </a:xfrm>
+                <a:custGeom>
+                  <a:avLst/>
+                  <a:gdLst>
+                    <a:gd name="connsiteX0" fmla="*/ 579549 w 1159098"/>
+                    <a:gd name="connsiteY0" fmla="*/ 356193 h 1159098"/>
+                    <a:gd name="connsiteX1" fmla="*/ 356193 w 1159098"/>
+                    <a:gd name="connsiteY1" fmla="*/ 579549 h 1159098"/>
+                    <a:gd name="connsiteX2" fmla="*/ 579549 w 1159098"/>
+                    <a:gd name="connsiteY2" fmla="*/ 802905 h 1159098"/>
+                    <a:gd name="connsiteX3" fmla="*/ 802905 w 1159098"/>
+                    <a:gd name="connsiteY3" fmla="*/ 579549 h 1159098"/>
+                    <a:gd name="connsiteX4" fmla="*/ 579549 w 1159098"/>
+                    <a:gd name="connsiteY4" fmla="*/ 356193 h 1159098"/>
+                    <a:gd name="connsiteX5" fmla="*/ 579549 w 1159098"/>
+                    <a:gd name="connsiteY5" fmla="*/ 0 h 1159098"/>
+                    <a:gd name="connsiteX6" fmla="*/ 1159098 w 1159098"/>
+                    <a:gd name="connsiteY6" fmla="*/ 579549 h 1159098"/>
+                    <a:gd name="connsiteX7" fmla="*/ 579549 w 1159098"/>
+                    <a:gd name="connsiteY7" fmla="*/ 1159098 h 1159098"/>
+                    <a:gd name="connsiteX8" fmla="*/ 0 w 1159098"/>
+                    <a:gd name="connsiteY8" fmla="*/ 579549 h 1159098"/>
+                    <a:gd name="connsiteX9" fmla="*/ 579549 w 1159098"/>
+                    <a:gd name="connsiteY9" fmla="*/ 0 h 1159098"/>
+                  </a:gdLst>
+                  <a:ahLst/>
+                  <a:cxnLst>
+                    <a:cxn ang="0">
+                      <a:pos x="connsiteX0" y="connsiteY0"/>
+                    </a:cxn>
+                    <a:cxn ang="0">
+                      <a:pos x="connsiteX1" y="connsiteY1"/>
+                    </a:cxn>
+                    <a:cxn ang="0">
+                      <a:pos x="connsiteX2" y="connsiteY2"/>
+                    </a:cxn>
+                    <a:cxn ang="0">
+                      <a:pos x="connsiteX3" y="connsiteY3"/>
+                    </a:cxn>
+                    <a:cxn ang="0">
+                      <a:pos x="connsiteX4" y="connsiteY4"/>
+                    </a:cxn>
+                    <a:cxn ang="0">
+                      <a:pos x="connsiteX5" y="connsiteY5"/>
+                    </a:cxn>
+                    <a:cxn ang="0">
+                      <a:pos x="connsiteX6" y="connsiteY6"/>
+                    </a:cxn>
+                    <a:cxn ang="0">
+                      <a:pos x="connsiteX7" y="connsiteY7"/>
+                    </a:cxn>
+                    <a:cxn ang="0">
+                      <a:pos x="connsiteX8" y="connsiteY8"/>
+                    </a:cxn>
+                    <a:cxn ang="0">
+                      <a:pos x="connsiteX9" y="connsiteY9"/>
+                    </a:cxn>
+                  </a:cxnLst>
+                  <a:rect l="l" t="t" r="r" b="b"/>
+                  <a:pathLst>
+                    <a:path w="1159098" h="1159098">
+                      <a:moveTo>
+                        <a:pt x="579549" y="356193"/>
+                      </a:moveTo>
+                      <a:cubicBezTo>
+                        <a:pt x="456193" y="356193"/>
+                        <a:pt x="356193" y="456193"/>
+                        <a:pt x="356193" y="579549"/>
+                      </a:cubicBezTo>
+                      <a:cubicBezTo>
+                        <a:pt x="356193" y="702905"/>
+                        <a:pt x="456193" y="802905"/>
+                        <a:pt x="579549" y="802905"/>
+                      </a:cubicBezTo>
+                      <a:cubicBezTo>
+                        <a:pt x="702905" y="802905"/>
+                        <a:pt x="802905" y="702905"/>
+                        <a:pt x="802905" y="579549"/>
+                      </a:cubicBezTo>
+                      <a:cubicBezTo>
+                        <a:pt x="802905" y="456193"/>
+                        <a:pt x="702905" y="356193"/>
+                        <a:pt x="579549" y="356193"/>
+                      </a:cubicBezTo>
+                      <a:close/>
+                      <a:moveTo>
+                        <a:pt x="579549" y="0"/>
+                      </a:moveTo>
+                      <a:cubicBezTo>
+                        <a:pt x="899625" y="0"/>
+                        <a:pt x="1159098" y="259473"/>
+                        <a:pt x="1159098" y="579549"/>
+                      </a:cubicBezTo>
+                      <a:cubicBezTo>
+                        <a:pt x="1159098" y="899625"/>
+                        <a:pt x="899625" y="1159098"/>
+                        <a:pt x="579549" y="1159098"/>
+                      </a:cubicBezTo>
+                      <a:cubicBezTo>
+                        <a:pt x="259473" y="1159098"/>
+                        <a:pt x="0" y="899625"/>
+                        <a:pt x="0" y="579549"/>
+                      </a:cubicBezTo>
+                      <a:cubicBezTo>
+                        <a:pt x="0" y="259473"/>
+                        <a:pt x="259473" y="0"/>
+                        <a:pt x="579549" y="0"/>
+                      </a:cubicBezTo>
+                      <a:close/>
+                    </a:path>
+                  </a:pathLst>
+                </a:custGeom>
+                <a:solidFill>
+                  <a:srgbClr val="7F2496"/>
+                </a:solidFill>
+                <a:ln>
+                  <a:noFill/>
+                </a:ln>
+              </p:spPr>
+              <p:style>
+                <a:lnRef idx="2">
+                  <a:schemeClr val="accent1">
+                    <a:shade val="50000"/>
+                  </a:schemeClr>
+                </a:lnRef>
+                <a:fillRef idx="1">
+                  <a:schemeClr val="accent1"/>
+                </a:fillRef>
+                <a:effectRef idx="0">
+                  <a:schemeClr val="accent1"/>
+                </a:effectRef>
+                <a:fontRef idx="minor">
+                  <a:schemeClr val="lt1"/>
+                </a:fontRef>
+              </p:style>
+              <p:txBody>
+                <a:bodyPr rtlCol="0" anchor="ctr"/>
+                <a:lstStyle/>
+                <a:p>
+                  <a:pPr algn="ctr"/>
+                  <a:endParaRPr lang="en-PH"/>
+                </a:p>
+              </p:txBody>
+            </p:sp>
+          </p:grpSp>
+          <p:sp>
+            <p:nvSpPr>
+              <p:cNvPr id="20" name="Rectangle 19">
+                <a:extLst>
+                  <a:ext uri="{FF2B5EF4-FFF2-40B4-BE49-F238E27FC236}">
+                    <a16:creationId xmlns:a16="http://schemas.microsoft.com/office/drawing/2014/main" id="{134F1498-929D-4F46-AD4F-C9AD7823FB9E}"/>
+                  </a:ext>
+                </a:extLst>
+              </p:cNvPr>
+              <p:cNvSpPr/>
+              <p:nvPr/>
+            </p:nvSpPr>
+            <p:spPr>
+              <a:xfrm>
+                <a:off x="5476379" y="3673495"/>
+                <a:ext cx="324046" cy="656126"/>
+              </a:xfrm>
+              <a:prstGeom prst="rect">
+                <a:avLst/>
+              </a:prstGeom>
+              <a:solidFill>
+                <a:srgbClr val="7F2496"/>
+              </a:solidFill>
+              <a:ln>
+                <a:noFill/>
+              </a:ln>
+            </p:spPr>
+            <p:style>
+              <a:lnRef idx="2">
+                <a:schemeClr val="accent1">
+                  <a:shade val="50000"/>
+                </a:schemeClr>
+              </a:lnRef>
+              <a:fillRef idx="1">
+                <a:schemeClr val="accent1"/>
+              </a:fillRef>
+              <a:effectRef idx="0">
+                <a:schemeClr val="accent1"/>
+              </a:effectRef>
+              <a:fontRef idx="minor">
+                <a:schemeClr val="lt1"/>
+              </a:fontRef>
+            </p:style>
+            <p:txBody>
+              <a:bodyPr rtlCol="0" anchor="ctr"/>
+              <a:lstStyle/>
+              <a:p>
+                <a:pPr algn="ctr"/>
+                <a:endParaRPr lang="en-PH"/>
+              </a:p>
+            </p:txBody>
+          </p:sp>
+          <p:sp>
+            <p:nvSpPr>
+              <p:cNvPr id="21" name="Rectangle 20">
+                <a:extLst>
+                  <a:ext uri="{FF2B5EF4-FFF2-40B4-BE49-F238E27FC236}">
+                    <a16:creationId xmlns:a16="http://schemas.microsoft.com/office/drawing/2014/main" id="{5933A8F7-6562-44A9-99F2-E2931901EADA}"/>
+                  </a:ext>
+                </a:extLst>
+              </p:cNvPr>
+              <p:cNvSpPr/>
+              <p:nvPr/>
+            </p:nvSpPr>
+            <p:spPr>
+              <a:xfrm>
+                <a:off x="4261400" y="3744787"/>
+                <a:ext cx="324046" cy="584833"/>
+              </a:xfrm>
+              <a:prstGeom prst="rect">
+                <a:avLst/>
+              </a:prstGeom>
+              <a:solidFill>
+                <a:srgbClr val="7F2496"/>
+              </a:solidFill>
+              <a:ln>
+                <a:noFill/>
+              </a:ln>
+            </p:spPr>
+            <p:style>
+              <a:lnRef idx="2">
+                <a:schemeClr val="accent1">
+                  <a:shade val="50000"/>
+                </a:schemeClr>
+              </a:lnRef>
+              <a:fillRef idx="1">
+                <a:schemeClr val="accent1"/>
+              </a:fillRef>
+              <a:effectRef idx="0">
+                <a:schemeClr val="accent1"/>
+              </a:effectRef>
+              <a:fontRef idx="minor">
+                <a:schemeClr val="lt1"/>
+              </a:fontRef>
+            </p:style>
+            <p:txBody>
+              <a:bodyPr rtlCol="0" anchor="ctr"/>
+              <a:lstStyle/>
+              <a:p>
+                <a:pPr algn="ctr"/>
+                <a:endParaRPr lang="en-PH"/>
+              </a:p>
+            </p:txBody>
+          </p:sp>
+          <p:sp>
+            <p:nvSpPr>
+              <p:cNvPr id="22" name="Rectangle 21">
+                <a:extLst>
+                  <a:ext uri="{FF2B5EF4-FFF2-40B4-BE49-F238E27FC236}">
+                    <a16:creationId xmlns:a16="http://schemas.microsoft.com/office/drawing/2014/main" id="{BB70FF97-9C12-4F20-AFA0-8A6037618683}"/>
+                  </a:ext>
+                </a:extLst>
+              </p:cNvPr>
+              <p:cNvSpPr/>
+              <p:nvPr/>
+            </p:nvSpPr>
+            <p:spPr>
+              <a:xfrm>
+                <a:off x="4868889" y="3744787"/>
+                <a:ext cx="324046" cy="961858"/>
+              </a:xfrm>
+              <a:prstGeom prst="rect">
+                <a:avLst/>
+              </a:prstGeom>
+              <a:solidFill>
+                <a:srgbClr val="7F2496"/>
+              </a:solidFill>
+              <a:ln>
+                <a:noFill/>
+              </a:ln>
+            </p:spPr>
+            <p:style>
+              <a:lnRef idx="2">
+                <a:schemeClr val="accent1">
+                  <a:shade val="50000"/>
+                </a:schemeClr>
+              </a:lnRef>
+              <a:fillRef idx="1">
+                <a:schemeClr val="accent1"/>
+              </a:fillRef>
+              <a:effectRef idx="0">
+                <a:schemeClr val="accent1"/>
+              </a:effectRef>
+              <a:fontRef idx="minor">
+                <a:schemeClr val="lt1"/>
+              </a:fontRef>
+            </p:style>
+            <p:txBody>
+              <a:bodyPr rtlCol="0" anchor="ctr"/>
+              <a:lstStyle/>
+              <a:p>
+                <a:pPr algn="ctr"/>
+                <a:endParaRPr lang="en-PH"/>
+              </a:p>
+            </p:txBody>
+          </p:sp>
+        </p:grpSp>
+      </p:grpSp>
+    </p:spTree>
+    <p:extLst>
+      <p:ext uri="{BB962C8B-B14F-4D97-AF65-F5344CB8AC3E}">
+        <p14:creationId xmlns:p14="http://schemas.microsoft.com/office/powerpoint/2010/main" val="1596673351"/>
       </p:ext>
     </p:extLst>
   </p:cSld>

--- a/assets/images/raw.pptx
+++ b/assets/images/raw.pptx
@@ -8,6 +8,7 @@
     <p:sldId id="256" r:id="rId2"/>
     <p:sldId id="257" r:id="rId3"/>
     <p:sldId id="258" r:id="rId4"/>
+    <p:sldId id="259" r:id="rId5"/>
   </p:sldIdLst>
   <p:sldSz cx="12192000" cy="6858000"/>
   <p:notesSz cx="6858000" cy="9144000"/>
@@ -263,7 +264,7 @@
           <a:p>
             <a:fld id="{57BFE527-FE1D-423E-9D0C-B83608467F47}" type="datetimeFigureOut">
               <a:rPr lang="en-PH" smtClean="0"/>
-              <a:t>3 Mar 2020</a:t>
+              <a:t>7 Mar 2020</a:t>
             </a:fld>
             <a:endParaRPr lang="en-PH"/>
           </a:p>
@@ -463,7 +464,7 @@
           <a:p>
             <a:fld id="{57BFE527-FE1D-423E-9D0C-B83608467F47}" type="datetimeFigureOut">
               <a:rPr lang="en-PH" smtClean="0"/>
-              <a:t>3 Mar 2020</a:t>
+              <a:t>7 Mar 2020</a:t>
             </a:fld>
             <a:endParaRPr lang="en-PH"/>
           </a:p>
@@ -673,7 +674,7 @@
           <a:p>
             <a:fld id="{57BFE527-FE1D-423E-9D0C-B83608467F47}" type="datetimeFigureOut">
               <a:rPr lang="en-PH" smtClean="0"/>
-              <a:t>3 Mar 2020</a:t>
+              <a:t>7 Mar 2020</a:t>
             </a:fld>
             <a:endParaRPr lang="en-PH"/>
           </a:p>
@@ -873,7 +874,7 @@
           <a:p>
             <a:fld id="{57BFE527-FE1D-423E-9D0C-B83608467F47}" type="datetimeFigureOut">
               <a:rPr lang="en-PH" smtClean="0"/>
-              <a:t>3 Mar 2020</a:t>
+              <a:t>7 Mar 2020</a:t>
             </a:fld>
             <a:endParaRPr lang="en-PH"/>
           </a:p>
@@ -1149,7 +1150,7 @@
           <a:p>
             <a:fld id="{57BFE527-FE1D-423E-9D0C-B83608467F47}" type="datetimeFigureOut">
               <a:rPr lang="en-PH" smtClean="0"/>
-              <a:t>3 Mar 2020</a:t>
+              <a:t>7 Mar 2020</a:t>
             </a:fld>
             <a:endParaRPr lang="en-PH"/>
           </a:p>
@@ -1417,7 +1418,7 @@
           <a:p>
             <a:fld id="{57BFE527-FE1D-423E-9D0C-B83608467F47}" type="datetimeFigureOut">
               <a:rPr lang="en-PH" smtClean="0"/>
-              <a:t>3 Mar 2020</a:t>
+              <a:t>7 Mar 2020</a:t>
             </a:fld>
             <a:endParaRPr lang="en-PH"/>
           </a:p>
@@ -1832,7 +1833,7 @@
           <a:p>
             <a:fld id="{57BFE527-FE1D-423E-9D0C-B83608467F47}" type="datetimeFigureOut">
               <a:rPr lang="en-PH" smtClean="0"/>
-              <a:t>3 Mar 2020</a:t>
+              <a:t>7 Mar 2020</a:t>
             </a:fld>
             <a:endParaRPr lang="en-PH"/>
           </a:p>
@@ -1974,7 +1975,7 @@
           <a:p>
             <a:fld id="{57BFE527-FE1D-423E-9D0C-B83608467F47}" type="datetimeFigureOut">
               <a:rPr lang="en-PH" smtClean="0"/>
-              <a:t>3 Mar 2020</a:t>
+              <a:t>7 Mar 2020</a:t>
             </a:fld>
             <a:endParaRPr lang="en-PH"/>
           </a:p>
@@ -2087,7 +2088,7 @@
           <a:p>
             <a:fld id="{57BFE527-FE1D-423E-9D0C-B83608467F47}" type="datetimeFigureOut">
               <a:rPr lang="en-PH" smtClean="0"/>
-              <a:t>3 Mar 2020</a:t>
+              <a:t>7 Mar 2020</a:t>
             </a:fld>
             <a:endParaRPr lang="en-PH"/>
           </a:p>
@@ -2400,7 +2401,7 @@
           <a:p>
             <a:fld id="{57BFE527-FE1D-423E-9D0C-B83608467F47}" type="datetimeFigureOut">
               <a:rPr lang="en-PH" smtClean="0"/>
-              <a:t>3 Mar 2020</a:t>
+              <a:t>7 Mar 2020</a:t>
             </a:fld>
             <a:endParaRPr lang="en-PH"/>
           </a:p>
@@ -2689,7 +2690,7 @@
           <a:p>
             <a:fld id="{57BFE527-FE1D-423E-9D0C-B83608467F47}" type="datetimeFigureOut">
               <a:rPr lang="en-PH" smtClean="0"/>
-              <a:t>3 Mar 2020</a:t>
+              <a:t>7 Mar 2020</a:t>
             </a:fld>
             <a:endParaRPr lang="en-PH"/>
           </a:p>
@@ -2937,7 +2938,7 @@
           <a:p>
             <a:fld id="{57BFE527-FE1D-423E-9D0C-B83608467F47}" type="datetimeFigureOut">
               <a:rPr lang="en-PH" smtClean="0"/>
-              <a:t>3 Mar 2020</a:t>
+              <a:t>7 Mar 2020</a:t>
             </a:fld>
             <a:endParaRPr lang="en-PH"/>
           </a:p>
@@ -5918,6 +5919,91 @@
 </p:sld>
 </file>
 
+<file path=ppt/slides/slide4.xml><?xml version="1.0" encoding="utf-8"?>
+<p:sld xmlns:a="http://schemas.openxmlformats.org/drawingml/2006/main" xmlns:r="http://schemas.openxmlformats.org/officeDocument/2006/relationships" xmlns:p="http://schemas.openxmlformats.org/presentationml/2006/main">
+  <p:cSld>
+    <p:bg>
+      <p:bgPr>
+        <a:solidFill>
+          <a:schemeClr val="bg1">
+            <a:lumMod val="50000"/>
+          </a:schemeClr>
+        </a:solidFill>
+        <a:effectLst/>
+      </p:bgPr>
+    </p:bg>
+    <p:spTree>
+      <p:nvGrpSpPr>
+        <p:cNvPr id="1" name=""/>
+        <p:cNvGrpSpPr/>
+        <p:nvPr/>
+      </p:nvGrpSpPr>
+      <p:grpSpPr>
+        <a:xfrm>
+          <a:off x="0" y="0"/>
+          <a:ext cx="0" cy="0"/>
+          <a:chOff x="0" y="0"/>
+          <a:chExt cx="0" cy="0"/>
+        </a:xfrm>
+      </p:grpSpPr>
+      <p:pic>
+        <p:nvPicPr>
+          <p:cNvPr id="1026" name="Picture 2" descr="Image result for image placeholder">
+            <a:extLst>
+              <a:ext uri="{FF2B5EF4-FFF2-40B4-BE49-F238E27FC236}">
+                <a16:creationId xmlns:a16="http://schemas.microsoft.com/office/drawing/2014/main" id="{8B25772F-BB86-4FDE-B6DB-2200C00CE5B7}"/>
+              </a:ext>
+            </a:extLst>
+          </p:cNvPr>
+          <p:cNvPicPr>
+            <a:picLocks noChangeAspect="1" noChangeArrowheads="1"/>
+          </p:cNvPicPr>
+          <p:nvPr/>
+        </p:nvPicPr>
+        <p:blipFill rotWithShape="1">
+          <a:blip r:embed="rId2">
+            <a:extLst>
+              <a:ext uri="{28A0092B-C50C-407E-A947-70E740481C1C}">
+                <a14:useLocalDpi xmlns:a14="http://schemas.microsoft.com/office/drawing/2010/main" val="0"/>
+              </a:ext>
+            </a:extLst>
+          </a:blip>
+          <a:srcRect l="31824" t="12343" r="32180" b="10856"/>
+          <a:stretch/>
+        </p:blipFill>
+        <p:spPr bwMode="auto">
+          <a:xfrm>
+            <a:off x="4018208" y="1635616"/>
+            <a:ext cx="3721995" cy="3308738"/>
+          </a:xfrm>
+          <a:prstGeom prst="rect">
+            <a:avLst/>
+          </a:prstGeom>
+          <a:noFill/>
+          <a:extLst>
+            <a:ext uri="{909E8E84-426E-40DD-AFC4-6F175D3DCCD1}">
+              <a14:hiddenFill xmlns:a14="http://schemas.microsoft.com/office/drawing/2010/main">
+                <a:solidFill>
+                  <a:srgbClr val="FFFFFF"/>
+                </a:solidFill>
+              </a14:hiddenFill>
+            </a:ext>
+          </a:extLst>
+        </p:spPr>
+      </p:pic>
+    </p:spTree>
+    <p:extLst>
+      <p:ext uri="{BB962C8B-B14F-4D97-AF65-F5344CB8AC3E}">
+        <p14:creationId xmlns:p14="http://schemas.microsoft.com/office/powerpoint/2010/main" val="2416786399"/>
+      </p:ext>
+    </p:extLst>
+  </p:cSld>
+  <p:clrMapOvr>
+    <a:masterClrMapping/>
+  </p:clrMapOvr>
+</p:sld>
+</file>
+
 <file path=ppt/theme/theme1.xml><?xml version="1.0" encoding="utf-8"?>
 <a:theme xmlns:a="http://schemas.openxmlformats.org/drawingml/2006/main" name="Office Theme">
   <a:themeElements>

--- a/assets/images/raw.pptx
+++ b/assets/images/raw.pptx
@@ -9,6 +9,7 @@
     <p:sldId id="257" r:id="rId3"/>
     <p:sldId id="258" r:id="rId4"/>
     <p:sldId id="259" r:id="rId5"/>
+    <p:sldId id="260" r:id="rId6"/>
   </p:sldIdLst>
   <p:sldSz cx="12192000" cy="6858000"/>
   <p:notesSz cx="6858000" cy="9144000"/>
@@ -264,7 +265,7 @@
           <a:p>
             <a:fld id="{57BFE527-FE1D-423E-9D0C-B83608467F47}" type="datetimeFigureOut">
               <a:rPr lang="en-PH" smtClean="0"/>
-              <a:t>7 Mar 2020</a:t>
+              <a:t>10 Mar 2020</a:t>
             </a:fld>
             <a:endParaRPr lang="en-PH"/>
           </a:p>
@@ -464,7 +465,7 @@
           <a:p>
             <a:fld id="{57BFE527-FE1D-423E-9D0C-B83608467F47}" type="datetimeFigureOut">
               <a:rPr lang="en-PH" smtClean="0"/>
-              <a:t>7 Mar 2020</a:t>
+              <a:t>10 Mar 2020</a:t>
             </a:fld>
             <a:endParaRPr lang="en-PH"/>
           </a:p>
@@ -674,7 +675,7 @@
           <a:p>
             <a:fld id="{57BFE527-FE1D-423E-9D0C-B83608467F47}" type="datetimeFigureOut">
               <a:rPr lang="en-PH" smtClean="0"/>
-              <a:t>7 Mar 2020</a:t>
+              <a:t>10 Mar 2020</a:t>
             </a:fld>
             <a:endParaRPr lang="en-PH"/>
           </a:p>
@@ -874,7 +875,7 @@
           <a:p>
             <a:fld id="{57BFE527-FE1D-423E-9D0C-B83608467F47}" type="datetimeFigureOut">
               <a:rPr lang="en-PH" smtClean="0"/>
-              <a:t>7 Mar 2020</a:t>
+              <a:t>10 Mar 2020</a:t>
             </a:fld>
             <a:endParaRPr lang="en-PH"/>
           </a:p>
@@ -1150,7 +1151,7 @@
           <a:p>
             <a:fld id="{57BFE527-FE1D-423E-9D0C-B83608467F47}" type="datetimeFigureOut">
               <a:rPr lang="en-PH" smtClean="0"/>
-              <a:t>7 Mar 2020</a:t>
+              <a:t>10 Mar 2020</a:t>
             </a:fld>
             <a:endParaRPr lang="en-PH"/>
           </a:p>
@@ -1418,7 +1419,7 @@
           <a:p>
             <a:fld id="{57BFE527-FE1D-423E-9D0C-B83608467F47}" type="datetimeFigureOut">
               <a:rPr lang="en-PH" smtClean="0"/>
-              <a:t>7 Mar 2020</a:t>
+              <a:t>10 Mar 2020</a:t>
             </a:fld>
             <a:endParaRPr lang="en-PH"/>
           </a:p>
@@ -1833,7 +1834,7 @@
           <a:p>
             <a:fld id="{57BFE527-FE1D-423E-9D0C-B83608467F47}" type="datetimeFigureOut">
               <a:rPr lang="en-PH" smtClean="0"/>
-              <a:t>7 Mar 2020</a:t>
+              <a:t>10 Mar 2020</a:t>
             </a:fld>
             <a:endParaRPr lang="en-PH"/>
           </a:p>
@@ -1975,7 +1976,7 @@
           <a:p>
             <a:fld id="{57BFE527-FE1D-423E-9D0C-B83608467F47}" type="datetimeFigureOut">
               <a:rPr lang="en-PH" smtClean="0"/>
-              <a:t>7 Mar 2020</a:t>
+              <a:t>10 Mar 2020</a:t>
             </a:fld>
             <a:endParaRPr lang="en-PH"/>
           </a:p>
@@ -2088,7 +2089,7 @@
           <a:p>
             <a:fld id="{57BFE527-FE1D-423E-9D0C-B83608467F47}" type="datetimeFigureOut">
               <a:rPr lang="en-PH" smtClean="0"/>
-              <a:t>7 Mar 2020</a:t>
+              <a:t>10 Mar 2020</a:t>
             </a:fld>
             <a:endParaRPr lang="en-PH"/>
           </a:p>
@@ -2401,7 +2402,7 @@
           <a:p>
             <a:fld id="{57BFE527-FE1D-423E-9D0C-B83608467F47}" type="datetimeFigureOut">
               <a:rPr lang="en-PH" smtClean="0"/>
-              <a:t>7 Mar 2020</a:t>
+              <a:t>10 Mar 2020</a:t>
             </a:fld>
             <a:endParaRPr lang="en-PH"/>
           </a:p>
@@ -2690,7 +2691,7 @@
           <a:p>
             <a:fld id="{57BFE527-FE1D-423E-9D0C-B83608467F47}" type="datetimeFigureOut">
               <a:rPr lang="en-PH" smtClean="0"/>
-              <a:t>7 Mar 2020</a:t>
+              <a:t>10 Mar 2020</a:t>
             </a:fld>
             <a:endParaRPr lang="en-PH"/>
           </a:p>
@@ -2938,7 +2939,7 @@
           <a:p>
             <a:fld id="{57BFE527-FE1D-423E-9D0C-B83608467F47}" type="datetimeFigureOut">
               <a:rPr lang="en-PH" smtClean="0"/>
-              <a:t>7 Mar 2020</a:t>
+              <a:t>10 Mar 2020</a:t>
             </a:fld>
             <a:endParaRPr lang="en-PH"/>
           </a:p>
@@ -6004,6 +6005,83 @@
 </p:sld>
 </file>
 
+<file path=ppt/slides/slide5.xml><?xml version="1.0" encoding="utf-8"?>
+<p:sld xmlns:a="http://schemas.openxmlformats.org/drawingml/2006/main" xmlns:r="http://schemas.openxmlformats.org/officeDocument/2006/relationships" xmlns:p="http://schemas.openxmlformats.org/presentationml/2006/main">
+  <p:cSld>
+    <p:spTree>
+      <p:nvGrpSpPr>
+        <p:cNvPr id="1" name=""/>
+        <p:cNvGrpSpPr/>
+        <p:nvPr/>
+      </p:nvGrpSpPr>
+      <p:grpSpPr>
+        <a:xfrm>
+          <a:off x="0" y="0"/>
+          <a:ext cx="0" cy="0"/>
+          <a:chOff x="0" y="0"/>
+          <a:chExt cx="0" cy="0"/>
+        </a:xfrm>
+      </p:grpSpPr>
+      <p:pic>
+        <p:nvPicPr>
+          <p:cNvPr id="1026" name="Picture 2">
+            <a:extLst>
+              <a:ext uri="{FF2B5EF4-FFF2-40B4-BE49-F238E27FC236}">
+                <a16:creationId xmlns:a16="http://schemas.microsoft.com/office/drawing/2014/main" id="{380557F6-BD73-49F6-8C9D-57090B0764CC}"/>
+              </a:ext>
+            </a:extLst>
+          </p:cNvPr>
+          <p:cNvPicPr>
+            <a:picLocks noChangeAspect="1" noChangeArrowheads="1"/>
+          </p:cNvPicPr>
+          <p:nvPr/>
+        </p:nvPicPr>
+        <p:blipFill>
+          <a:blip r:embed="rId2">
+            <a:extLst>
+              <a:ext uri="{28A0092B-C50C-407E-A947-70E740481C1C}">
+                <a14:useLocalDpi xmlns:a14="http://schemas.microsoft.com/office/drawing/2010/main" val="0"/>
+              </a:ext>
+            </a:extLst>
+          </a:blip>
+          <a:srcRect/>
+          <a:stretch>
+            <a:fillRect/>
+          </a:stretch>
+        </p:blipFill>
+        <p:spPr bwMode="auto">
+          <a:xfrm>
+            <a:off x="1381125" y="276225"/>
+            <a:ext cx="9429750" cy="6305550"/>
+          </a:xfrm>
+          <a:prstGeom prst="rect">
+            <a:avLst/>
+          </a:prstGeom>
+          <a:noFill/>
+          <a:extLst>
+            <a:ext uri="{909E8E84-426E-40DD-AFC4-6F175D3DCCD1}">
+              <a14:hiddenFill xmlns:a14="http://schemas.microsoft.com/office/drawing/2010/main">
+                <a:solidFill>
+                  <a:srgbClr val="FFFFFF"/>
+                </a:solidFill>
+              </a14:hiddenFill>
+            </a:ext>
+          </a:extLst>
+        </p:spPr>
+      </p:pic>
+    </p:spTree>
+    <p:extLst>
+      <p:ext uri="{BB962C8B-B14F-4D97-AF65-F5344CB8AC3E}">
+        <p14:creationId xmlns:p14="http://schemas.microsoft.com/office/powerpoint/2010/main" val="4240405463"/>
+      </p:ext>
+    </p:extLst>
+  </p:cSld>
+  <p:clrMapOvr>
+    <a:masterClrMapping/>
+  </p:clrMapOvr>
+</p:sld>
+</file>
+
 <file path=ppt/theme/theme1.xml><?xml version="1.0" encoding="utf-8"?>
 <a:theme xmlns:a="http://schemas.openxmlformats.org/drawingml/2006/main" name="Office Theme">
   <a:themeElements>

--- a/assets/images/raw.pptx
+++ b/assets/images/raw.pptx
@@ -7,9 +7,10 @@
   <p:sldIdLst>
     <p:sldId id="256" r:id="rId2"/>
     <p:sldId id="257" r:id="rId3"/>
-    <p:sldId id="258" r:id="rId4"/>
-    <p:sldId id="259" r:id="rId5"/>
-    <p:sldId id="260" r:id="rId6"/>
+    <p:sldId id="261" r:id="rId4"/>
+    <p:sldId id="258" r:id="rId5"/>
+    <p:sldId id="259" r:id="rId6"/>
+    <p:sldId id="260" r:id="rId7"/>
   </p:sldIdLst>
   <p:sldSz cx="12192000" cy="6858000"/>
   <p:notesSz cx="6858000" cy="9144000"/>
@@ -265,7 +266,7 @@
           <a:p>
             <a:fld id="{57BFE527-FE1D-423E-9D0C-B83608467F47}" type="datetimeFigureOut">
               <a:rPr lang="en-PH" smtClean="0"/>
-              <a:t>10 Mar 2020</a:t>
+              <a:t>15 Mar 2020</a:t>
             </a:fld>
             <a:endParaRPr lang="en-PH"/>
           </a:p>
@@ -465,7 +466,7 @@
           <a:p>
             <a:fld id="{57BFE527-FE1D-423E-9D0C-B83608467F47}" type="datetimeFigureOut">
               <a:rPr lang="en-PH" smtClean="0"/>
-              <a:t>10 Mar 2020</a:t>
+              <a:t>15 Mar 2020</a:t>
             </a:fld>
             <a:endParaRPr lang="en-PH"/>
           </a:p>
@@ -675,7 +676,7 @@
           <a:p>
             <a:fld id="{57BFE527-FE1D-423E-9D0C-B83608467F47}" type="datetimeFigureOut">
               <a:rPr lang="en-PH" smtClean="0"/>
-              <a:t>10 Mar 2020</a:t>
+              <a:t>15 Mar 2020</a:t>
             </a:fld>
             <a:endParaRPr lang="en-PH"/>
           </a:p>
@@ -875,7 +876,7 @@
           <a:p>
             <a:fld id="{57BFE527-FE1D-423E-9D0C-B83608467F47}" type="datetimeFigureOut">
               <a:rPr lang="en-PH" smtClean="0"/>
-              <a:t>10 Mar 2020</a:t>
+              <a:t>15 Mar 2020</a:t>
             </a:fld>
             <a:endParaRPr lang="en-PH"/>
           </a:p>
@@ -1151,7 +1152,7 @@
           <a:p>
             <a:fld id="{57BFE527-FE1D-423E-9D0C-B83608467F47}" type="datetimeFigureOut">
               <a:rPr lang="en-PH" smtClean="0"/>
-              <a:t>10 Mar 2020</a:t>
+              <a:t>15 Mar 2020</a:t>
             </a:fld>
             <a:endParaRPr lang="en-PH"/>
           </a:p>
@@ -1419,7 +1420,7 @@
           <a:p>
             <a:fld id="{57BFE527-FE1D-423E-9D0C-B83608467F47}" type="datetimeFigureOut">
               <a:rPr lang="en-PH" smtClean="0"/>
-              <a:t>10 Mar 2020</a:t>
+              <a:t>15 Mar 2020</a:t>
             </a:fld>
             <a:endParaRPr lang="en-PH"/>
           </a:p>
@@ -1834,7 +1835,7 @@
           <a:p>
             <a:fld id="{57BFE527-FE1D-423E-9D0C-B83608467F47}" type="datetimeFigureOut">
               <a:rPr lang="en-PH" smtClean="0"/>
-              <a:t>10 Mar 2020</a:t>
+              <a:t>15 Mar 2020</a:t>
             </a:fld>
             <a:endParaRPr lang="en-PH"/>
           </a:p>
@@ -1976,7 +1977,7 @@
           <a:p>
             <a:fld id="{57BFE527-FE1D-423E-9D0C-B83608467F47}" type="datetimeFigureOut">
               <a:rPr lang="en-PH" smtClean="0"/>
-              <a:t>10 Mar 2020</a:t>
+              <a:t>15 Mar 2020</a:t>
             </a:fld>
             <a:endParaRPr lang="en-PH"/>
           </a:p>
@@ -2089,7 +2090,7 @@
           <a:p>
             <a:fld id="{57BFE527-FE1D-423E-9D0C-B83608467F47}" type="datetimeFigureOut">
               <a:rPr lang="en-PH" smtClean="0"/>
-              <a:t>10 Mar 2020</a:t>
+              <a:t>15 Mar 2020</a:t>
             </a:fld>
             <a:endParaRPr lang="en-PH"/>
           </a:p>
@@ -2402,7 +2403,7 @@
           <a:p>
             <a:fld id="{57BFE527-FE1D-423E-9D0C-B83608467F47}" type="datetimeFigureOut">
               <a:rPr lang="en-PH" smtClean="0"/>
-              <a:t>10 Mar 2020</a:t>
+              <a:t>15 Mar 2020</a:t>
             </a:fld>
             <a:endParaRPr lang="en-PH"/>
           </a:p>
@@ -2691,7 +2692,7 @@
           <a:p>
             <a:fld id="{57BFE527-FE1D-423E-9D0C-B83608467F47}" type="datetimeFigureOut">
               <a:rPr lang="en-PH" smtClean="0"/>
-              <a:t>10 Mar 2020</a:t>
+              <a:t>15 Mar 2020</a:t>
             </a:fld>
             <a:endParaRPr lang="en-PH"/>
           </a:p>
@@ -2939,7 +2940,7 @@
           <a:p>
             <a:fld id="{57BFE527-FE1D-423E-9D0C-B83608467F47}" type="datetimeFigureOut">
               <a:rPr lang="en-PH" smtClean="0"/>
-              <a:t>10 Mar 2020</a:t>
+              <a:t>15 Mar 2020</a:t>
             </a:fld>
             <a:endParaRPr lang="en-PH"/>
           </a:p>
@@ -4195,72 +4196,12 @@
           </p:sp>
         </p:grpSp>
       </p:grpSp>
-      <p:sp>
-        <p:nvSpPr>
-          <p:cNvPr id="3" name="Block Arc 2">
+      <p:grpSp>
+        <p:nvGrpSpPr>
+          <p:cNvPr id="2" name="Group 1">
             <a:extLst>
               <a:ext uri="{FF2B5EF4-FFF2-40B4-BE49-F238E27FC236}">
-                <a16:creationId xmlns:a16="http://schemas.microsoft.com/office/drawing/2014/main" id="{21A03AE5-7C5E-4468-A9DF-E19291511E42}"/>
-              </a:ext>
-            </a:extLst>
-          </p:cNvPr>
-          <p:cNvSpPr/>
-          <p:nvPr/>
-        </p:nvSpPr>
-        <p:spPr>
-          <a:xfrm>
-            <a:off x="5492838" y="3385788"/>
-            <a:ext cx="1918952" cy="1918952"/>
-          </a:xfrm>
-          <a:prstGeom prst="blockArc">
-            <a:avLst>
-              <a:gd name="adj1" fmla="val 10800000"/>
-              <a:gd name="adj2" fmla="val 21390850"/>
-              <a:gd name="adj3" fmla="val 16885"/>
-            </a:avLst>
-          </a:prstGeom>
-          <a:solidFill>
-            <a:srgbClr val="FFC000"/>
-          </a:solidFill>
-          <a:ln>
-            <a:noFill/>
-          </a:ln>
-        </p:spPr>
-        <p:style>
-          <a:lnRef idx="2">
-            <a:schemeClr val="accent1">
-              <a:shade val="50000"/>
-            </a:schemeClr>
-          </a:lnRef>
-          <a:fillRef idx="1">
-            <a:schemeClr val="accent1"/>
-          </a:fillRef>
-          <a:effectRef idx="0">
-            <a:schemeClr val="accent1"/>
-          </a:effectRef>
-          <a:fontRef idx="minor">
-            <a:schemeClr val="lt1"/>
-          </a:fontRef>
-        </p:style>
-        <p:txBody>
-          <a:bodyPr rtlCol="0" anchor="ctr"/>
-          <a:lstStyle/>
-          <a:p>
-            <a:pPr algn="ctr"/>
-            <a:endParaRPr lang="en-PH">
-              <a:solidFill>
-                <a:schemeClr val="tx1"/>
-              </a:solidFill>
-            </a:endParaRPr>
-          </a:p>
-        </p:txBody>
-      </p:sp>
-      <p:grpSp>
-        <p:nvGrpSpPr>
-          <p:cNvPr id="9" name="Group 8">
-            <a:extLst>
-              <a:ext uri="{FF2B5EF4-FFF2-40B4-BE49-F238E27FC236}">
-                <a16:creationId xmlns:a16="http://schemas.microsoft.com/office/drawing/2014/main" id="{5A1C6EED-79F4-41C8-9539-6B52DEE8F3BE}"/>
+                <a16:creationId xmlns:a16="http://schemas.microsoft.com/office/drawing/2014/main" id="{775B654E-7634-4359-BAFE-7BC3DFCED058}"/>
               </a:ext>
             </a:extLst>
           </p:cNvPr>
@@ -4269,7 +4210,526 @@
         </p:nvGrpSpPr>
         <p:grpSpPr>
           <a:xfrm>
-            <a:off x="5197759" y="2544246"/>
+            <a:off x="3157235" y="3476789"/>
+            <a:ext cx="2509108" cy="2779450"/>
+            <a:chOff x="5197759" y="2544246"/>
+            <a:chExt cx="2509108" cy="2779450"/>
+          </a:xfrm>
+        </p:grpSpPr>
+        <p:sp>
+          <p:nvSpPr>
+            <p:cNvPr id="3" name="Block Arc 2">
+              <a:extLst>
+                <a:ext uri="{FF2B5EF4-FFF2-40B4-BE49-F238E27FC236}">
+                  <a16:creationId xmlns:a16="http://schemas.microsoft.com/office/drawing/2014/main" id="{21A03AE5-7C5E-4468-A9DF-E19291511E42}"/>
+                </a:ext>
+              </a:extLst>
+            </p:cNvPr>
+            <p:cNvSpPr/>
+            <p:nvPr/>
+          </p:nvSpPr>
+          <p:spPr>
+            <a:xfrm>
+              <a:off x="5492838" y="3385788"/>
+              <a:ext cx="1918952" cy="1918952"/>
+            </a:xfrm>
+            <a:prstGeom prst="blockArc">
+              <a:avLst>
+                <a:gd name="adj1" fmla="val 10800000"/>
+                <a:gd name="adj2" fmla="val 21390850"/>
+                <a:gd name="adj3" fmla="val 16885"/>
+              </a:avLst>
+            </a:prstGeom>
+            <a:solidFill>
+              <a:srgbClr val="FFC000"/>
+            </a:solidFill>
+            <a:ln>
+              <a:noFill/>
+            </a:ln>
+          </p:spPr>
+          <p:style>
+            <a:lnRef idx="2">
+              <a:schemeClr val="accent1">
+                <a:shade val="50000"/>
+              </a:schemeClr>
+            </a:lnRef>
+            <a:fillRef idx="1">
+              <a:schemeClr val="accent1"/>
+            </a:fillRef>
+            <a:effectRef idx="0">
+              <a:schemeClr val="accent1"/>
+            </a:effectRef>
+            <a:fontRef idx="minor">
+              <a:schemeClr val="lt1"/>
+            </a:fontRef>
+          </p:style>
+          <p:txBody>
+            <a:bodyPr rtlCol="0" anchor="ctr"/>
+            <a:lstStyle/>
+            <a:p>
+              <a:pPr algn="ctr"/>
+              <a:endParaRPr lang="en-PH">
+                <a:solidFill>
+                  <a:schemeClr val="tx1"/>
+                </a:solidFill>
+              </a:endParaRPr>
+            </a:p>
+          </p:txBody>
+        </p:sp>
+        <p:grpSp>
+          <p:nvGrpSpPr>
+            <p:cNvPr id="9" name="Group 8">
+              <a:extLst>
+                <a:ext uri="{FF2B5EF4-FFF2-40B4-BE49-F238E27FC236}">
+                  <a16:creationId xmlns:a16="http://schemas.microsoft.com/office/drawing/2014/main" id="{5A1C6EED-79F4-41C8-9539-6B52DEE8F3BE}"/>
+                </a:ext>
+              </a:extLst>
+            </p:cNvPr>
+            <p:cNvGrpSpPr/>
+            <p:nvPr/>
+          </p:nvGrpSpPr>
+          <p:grpSpPr>
+            <a:xfrm>
+              <a:off x="5197759" y="2544246"/>
+              <a:ext cx="2509108" cy="1159098"/>
+              <a:chOff x="5197759" y="2544246"/>
+              <a:chExt cx="2509108" cy="1159098"/>
+            </a:xfrm>
+            <a:solidFill>
+              <a:srgbClr val="FFC000"/>
+            </a:solidFill>
+          </p:grpSpPr>
+          <p:sp>
+            <p:nvSpPr>
+              <p:cNvPr id="27" name="Rectangle 26">
+                <a:extLst>
+                  <a:ext uri="{FF2B5EF4-FFF2-40B4-BE49-F238E27FC236}">
+                    <a16:creationId xmlns:a16="http://schemas.microsoft.com/office/drawing/2014/main" id="{542453C8-E03B-4727-8FE8-31FF737CC39B}"/>
+                  </a:ext>
+                </a:extLst>
+              </p:cNvPr>
+              <p:cNvSpPr/>
+              <p:nvPr/>
+            </p:nvSpPr>
+            <p:spPr>
+              <a:xfrm rot="5400000">
+                <a:off x="5551529" y="2361928"/>
+                <a:ext cx="324046" cy="1031585"/>
+              </a:xfrm>
+              <a:prstGeom prst="rect">
+                <a:avLst/>
+              </a:prstGeom>
+              <a:grpFill/>
+              <a:ln>
+                <a:noFill/>
+              </a:ln>
+            </p:spPr>
+            <p:style>
+              <a:lnRef idx="2">
+                <a:schemeClr val="accent1">
+                  <a:shade val="50000"/>
+                </a:schemeClr>
+              </a:lnRef>
+              <a:fillRef idx="1">
+                <a:schemeClr val="accent1"/>
+              </a:fillRef>
+              <a:effectRef idx="0">
+                <a:schemeClr val="accent1"/>
+              </a:effectRef>
+              <a:fontRef idx="minor">
+                <a:schemeClr val="lt1"/>
+              </a:fontRef>
+            </p:style>
+            <p:txBody>
+              <a:bodyPr rtlCol="0" anchor="ctr"/>
+              <a:lstStyle/>
+              <a:p>
+                <a:pPr algn="ctr"/>
+                <a:endParaRPr lang="en-PH"/>
+              </a:p>
+            </p:txBody>
+          </p:sp>
+          <p:sp>
+            <p:nvSpPr>
+              <p:cNvPr id="28" name="Rectangle 27">
+                <a:extLst>
+                  <a:ext uri="{FF2B5EF4-FFF2-40B4-BE49-F238E27FC236}">
+                    <a16:creationId xmlns:a16="http://schemas.microsoft.com/office/drawing/2014/main" id="{BF130348-5141-46BE-AD66-D005F481B5A9}"/>
+                  </a:ext>
+                </a:extLst>
+              </p:cNvPr>
+              <p:cNvSpPr/>
+              <p:nvPr/>
+            </p:nvSpPr>
+            <p:spPr>
+              <a:xfrm rot="16200000">
+                <a:off x="7029052" y="2361927"/>
+                <a:ext cx="324046" cy="1031585"/>
+              </a:xfrm>
+              <a:prstGeom prst="rect">
+                <a:avLst/>
+              </a:prstGeom>
+              <a:grpFill/>
+              <a:ln>
+                <a:noFill/>
+              </a:ln>
+            </p:spPr>
+            <p:style>
+              <a:lnRef idx="2">
+                <a:schemeClr val="accent1">
+                  <a:shade val="50000"/>
+                </a:schemeClr>
+              </a:lnRef>
+              <a:fillRef idx="1">
+                <a:schemeClr val="accent1"/>
+              </a:fillRef>
+              <a:effectRef idx="0">
+                <a:schemeClr val="accent1"/>
+              </a:effectRef>
+              <a:fontRef idx="minor">
+                <a:schemeClr val="lt1"/>
+              </a:fontRef>
+            </p:style>
+            <p:txBody>
+              <a:bodyPr rtlCol="0" anchor="ctr"/>
+              <a:lstStyle/>
+              <a:p>
+                <a:pPr algn="ctr"/>
+                <a:endParaRPr lang="en-PH"/>
+              </a:p>
+            </p:txBody>
+          </p:sp>
+          <p:sp>
+            <p:nvSpPr>
+              <p:cNvPr id="23" name="Freeform: Shape 22">
+                <a:extLst>
+                  <a:ext uri="{FF2B5EF4-FFF2-40B4-BE49-F238E27FC236}">
+                    <a16:creationId xmlns:a16="http://schemas.microsoft.com/office/drawing/2014/main" id="{46917DC0-764B-4ABE-A2C4-162F50AEC92E}"/>
+                  </a:ext>
+                </a:extLst>
+              </p:cNvPr>
+              <p:cNvSpPr/>
+              <p:nvPr/>
+            </p:nvSpPr>
+            <p:spPr>
+              <a:xfrm>
+                <a:off x="5872765" y="2544246"/>
+                <a:ext cx="1159098" cy="1159098"/>
+              </a:xfrm>
+              <a:custGeom>
+                <a:avLst/>
+                <a:gdLst>
+                  <a:gd name="connsiteX0" fmla="*/ 579549 w 1159098"/>
+                  <a:gd name="connsiteY0" fmla="*/ 356193 h 1159098"/>
+                  <a:gd name="connsiteX1" fmla="*/ 356193 w 1159098"/>
+                  <a:gd name="connsiteY1" fmla="*/ 579549 h 1159098"/>
+                  <a:gd name="connsiteX2" fmla="*/ 579549 w 1159098"/>
+                  <a:gd name="connsiteY2" fmla="*/ 802905 h 1159098"/>
+                  <a:gd name="connsiteX3" fmla="*/ 802905 w 1159098"/>
+                  <a:gd name="connsiteY3" fmla="*/ 579549 h 1159098"/>
+                  <a:gd name="connsiteX4" fmla="*/ 579549 w 1159098"/>
+                  <a:gd name="connsiteY4" fmla="*/ 356193 h 1159098"/>
+                  <a:gd name="connsiteX5" fmla="*/ 579549 w 1159098"/>
+                  <a:gd name="connsiteY5" fmla="*/ 0 h 1159098"/>
+                  <a:gd name="connsiteX6" fmla="*/ 1159098 w 1159098"/>
+                  <a:gd name="connsiteY6" fmla="*/ 579549 h 1159098"/>
+                  <a:gd name="connsiteX7" fmla="*/ 579549 w 1159098"/>
+                  <a:gd name="connsiteY7" fmla="*/ 1159098 h 1159098"/>
+                  <a:gd name="connsiteX8" fmla="*/ 0 w 1159098"/>
+                  <a:gd name="connsiteY8" fmla="*/ 579549 h 1159098"/>
+                  <a:gd name="connsiteX9" fmla="*/ 579549 w 1159098"/>
+                  <a:gd name="connsiteY9" fmla="*/ 0 h 1159098"/>
+                </a:gdLst>
+                <a:ahLst/>
+                <a:cxnLst>
+                  <a:cxn ang="0">
+                    <a:pos x="connsiteX0" y="connsiteY0"/>
+                  </a:cxn>
+                  <a:cxn ang="0">
+                    <a:pos x="connsiteX1" y="connsiteY1"/>
+                  </a:cxn>
+                  <a:cxn ang="0">
+                    <a:pos x="connsiteX2" y="connsiteY2"/>
+                  </a:cxn>
+                  <a:cxn ang="0">
+                    <a:pos x="connsiteX3" y="connsiteY3"/>
+                  </a:cxn>
+                  <a:cxn ang="0">
+                    <a:pos x="connsiteX4" y="connsiteY4"/>
+                  </a:cxn>
+                  <a:cxn ang="0">
+                    <a:pos x="connsiteX5" y="connsiteY5"/>
+                  </a:cxn>
+                  <a:cxn ang="0">
+                    <a:pos x="connsiteX6" y="connsiteY6"/>
+                  </a:cxn>
+                  <a:cxn ang="0">
+                    <a:pos x="connsiteX7" y="connsiteY7"/>
+                  </a:cxn>
+                  <a:cxn ang="0">
+                    <a:pos x="connsiteX8" y="connsiteY8"/>
+                  </a:cxn>
+                  <a:cxn ang="0">
+                    <a:pos x="connsiteX9" y="connsiteY9"/>
+                  </a:cxn>
+                </a:cxnLst>
+                <a:rect l="l" t="t" r="r" b="b"/>
+                <a:pathLst>
+                  <a:path w="1159098" h="1159098">
+                    <a:moveTo>
+                      <a:pt x="579549" y="356193"/>
+                    </a:moveTo>
+                    <a:cubicBezTo>
+                      <a:pt x="456193" y="356193"/>
+                      <a:pt x="356193" y="456193"/>
+                      <a:pt x="356193" y="579549"/>
+                    </a:cubicBezTo>
+                    <a:cubicBezTo>
+                      <a:pt x="356193" y="702905"/>
+                      <a:pt x="456193" y="802905"/>
+                      <a:pt x="579549" y="802905"/>
+                    </a:cubicBezTo>
+                    <a:cubicBezTo>
+                      <a:pt x="702905" y="802905"/>
+                      <a:pt x="802905" y="702905"/>
+                      <a:pt x="802905" y="579549"/>
+                    </a:cubicBezTo>
+                    <a:cubicBezTo>
+                      <a:pt x="802905" y="456193"/>
+                      <a:pt x="702905" y="356193"/>
+                      <a:pt x="579549" y="356193"/>
+                    </a:cubicBezTo>
+                    <a:close/>
+                    <a:moveTo>
+                      <a:pt x="579549" y="0"/>
+                    </a:moveTo>
+                    <a:cubicBezTo>
+                      <a:pt x="899625" y="0"/>
+                      <a:pt x="1159098" y="259473"/>
+                      <a:pt x="1159098" y="579549"/>
+                    </a:cubicBezTo>
+                    <a:cubicBezTo>
+                      <a:pt x="1159098" y="899625"/>
+                      <a:pt x="899625" y="1159098"/>
+                      <a:pt x="579549" y="1159098"/>
+                    </a:cubicBezTo>
+                    <a:cubicBezTo>
+                      <a:pt x="259473" y="1159098"/>
+                      <a:pt x="0" y="899625"/>
+                      <a:pt x="0" y="579549"/>
+                    </a:cubicBezTo>
+                    <a:cubicBezTo>
+                      <a:pt x="0" y="259473"/>
+                      <a:pt x="259473" y="0"/>
+                      <a:pt x="579549" y="0"/>
+                    </a:cubicBezTo>
+                    <a:close/>
+                  </a:path>
+                </a:pathLst>
+              </a:custGeom>
+              <a:grpFill/>
+              <a:ln>
+                <a:noFill/>
+              </a:ln>
+            </p:spPr>
+            <p:style>
+              <a:lnRef idx="2">
+                <a:schemeClr val="accent1">
+                  <a:shade val="50000"/>
+                </a:schemeClr>
+              </a:lnRef>
+              <a:fillRef idx="1">
+                <a:schemeClr val="accent1"/>
+              </a:fillRef>
+              <a:effectRef idx="0">
+                <a:schemeClr val="accent1"/>
+              </a:effectRef>
+              <a:fontRef idx="minor">
+                <a:schemeClr val="lt1"/>
+              </a:fontRef>
+            </p:style>
+            <p:txBody>
+              <a:bodyPr rtlCol="0" anchor="ctr"/>
+              <a:lstStyle/>
+              <a:p>
+                <a:pPr algn="ctr"/>
+                <a:endParaRPr lang="en-PH"/>
+              </a:p>
+            </p:txBody>
+          </p:sp>
+        </p:grpSp>
+        <p:sp>
+          <p:nvSpPr>
+            <p:cNvPr id="29" name="Rectangle 28">
+              <a:extLst>
+                <a:ext uri="{FF2B5EF4-FFF2-40B4-BE49-F238E27FC236}">
+                  <a16:creationId xmlns:a16="http://schemas.microsoft.com/office/drawing/2014/main" id="{53CA77C3-478C-47E0-87A0-2917BA112F62}"/>
+                </a:ext>
+              </a:extLst>
+            </p:cNvPr>
+            <p:cNvSpPr/>
+            <p:nvPr/>
+          </p:nvSpPr>
+          <p:spPr>
+            <a:xfrm>
+              <a:off x="7087744" y="4287349"/>
+              <a:ext cx="324046" cy="1031585"/>
+            </a:xfrm>
+            <a:prstGeom prst="rect">
+              <a:avLst/>
+            </a:prstGeom>
+            <a:solidFill>
+              <a:srgbClr val="FFC000"/>
+            </a:solidFill>
+            <a:ln>
+              <a:noFill/>
+            </a:ln>
+          </p:spPr>
+          <p:style>
+            <a:lnRef idx="2">
+              <a:schemeClr val="accent1">
+                <a:shade val="50000"/>
+              </a:schemeClr>
+            </a:lnRef>
+            <a:fillRef idx="1">
+              <a:schemeClr val="accent1"/>
+            </a:fillRef>
+            <a:effectRef idx="0">
+              <a:schemeClr val="accent1"/>
+            </a:effectRef>
+            <a:fontRef idx="minor">
+              <a:schemeClr val="lt1"/>
+            </a:fontRef>
+          </p:style>
+          <p:txBody>
+            <a:bodyPr rtlCol="0" anchor="ctr"/>
+            <a:lstStyle/>
+            <a:p>
+              <a:pPr algn="ctr"/>
+              <a:endParaRPr lang="en-PH"/>
+            </a:p>
+          </p:txBody>
+        </p:sp>
+        <p:sp>
+          <p:nvSpPr>
+            <p:cNvPr id="30" name="Rectangle 29">
+              <a:extLst>
+                <a:ext uri="{FF2B5EF4-FFF2-40B4-BE49-F238E27FC236}">
+                  <a16:creationId xmlns:a16="http://schemas.microsoft.com/office/drawing/2014/main" id="{88302F38-475E-46E8-B26F-AACBDFA718B7}"/>
+                </a:ext>
+              </a:extLst>
+            </p:cNvPr>
+            <p:cNvSpPr/>
+            <p:nvPr/>
+          </p:nvSpPr>
+          <p:spPr>
+            <a:xfrm>
+              <a:off x="5492838" y="4292111"/>
+              <a:ext cx="324046" cy="1031585"/>
+            </a:xfrm>
+            <a:prstGeom prst="rect">
+              <a:avLst/>
+            </a:prstGeom>
+            <a:solidFill>
+              <a:srgbClr val="FFC000"/>
+            </a:solidFill>
+            <a:ln>
+              <a:noFill/>
+            </a:ln>
+          </p:spPr>
+          <p:style>
+            <a:lnRef idx="2">
+              <a:schemeClr val="accent1">
+                <a:shade val="50000"/>
+              </a:schemeClr>
+            </a:lnRef>
+            <a:fillRef idx="1">
+              <a:schemeClr val="accent1"/>
+            </a:fillRef>
+            <a:effectRef idx="0">
+              <a:schemeClr val="accent1"/>
+            </a:effectRef>
+            <a:fontRef idx="minor">
+              <a:schemeClr val="lt1"/>
+            </a:fontRef>
+          </p:style>
+          <p:txBody>
+            <a:bodyPr rtlCol="0" anchor="ctr"/>
+            <a:lstStyle/>
+            <a:p>
+              <a:pPr algn="ctr"/>
+              <a:endParaRPr lang="en-PH"/>
+            </a:p>
+          </p:txBody>
+        </p:sp>
+        <p:sp>
+          <p:nvSpPr>
+            <p:cNvPr id="31" name="Rectangle 30">
+              <a:extLst>
+                <a:ext uri="{FF2B5EF4-FFF2-40B4-BE49-F238E27FC236}">
+                  <a16:creationId xmlns:a16="http://schemas.microsoft.com/office/drawing/2014/main" id="{2A4A4D1E-9C05-42F0-8C66-EE8ABDDD26F3}"/>
+                </a:ext>
+              </a:extLst>
+            </p:cNvPr>
+            <p:cNvSpPr/>
+            <p:nvPr/>
+          </p:nvSpPr>
+          <p:spPr>
+            <a:xfrm>
+              <a:off x="6290291" y="4191243"/>
+              <a:ext cx="324046" cy="1031585"/>
+            </a:xfrm>
+            <a:prstGeom prst="rect">
+              <a:avLst/>
+            </a:prstGeom>
+            <a:solidFill>
+              <a:srgbClr val="FFC000"/>
+            </a:solidFill>
+            <a:ln>
+              <a:noFill/>
+            </a:ln>
+          </p:spPr>
+          <p:style>
+            <a:lnRef idx="2">
+              <a:schemeClr val="accent1">
+                <a:shade val="50000"/>
+              </a:schemeClr>
+            </a:lnRef>
+            <a:fillRef idx="1">
+              <a:schemeClr val="accent1"/>
+            </a:fillRef>
+            <a:effectRef idx="0">
+              <a:schemeClr val="accent1"/>
+            </a:effectRef>
+            <a:fontRef idx="minor">
+              <a:schemeClr val="lt1"/>
+            </a:fontRef>
+          </p:style>
+          <p:txBody>
+            <a:bodyPr rtlCol="0" anchor="ctr"/>
+            <a:lstStyle/>
+            <a:p>
+              <a:pPr algn="ctr"/>
+              <a:endParaRPr lang="en-PH"/>
+            </a:p>
+          </p:txBody>
+        </p:sp>
+      </p:grpSp>
+      <p:grpSp>
+        <p:nvGrpSpPr>
+          <p:cNvPr id="32" name="Group 31">
+            <a:extLst>
+              <a:ext uri="{FF2B5EF4-FFF2-40B4-BE49-F238E27FC236}">
+                <a16:creationId xmlns:a16="http://schemas.microsoft.com/office/drawing/2014/main" id="{12D7B47D-D869-4BFE-AAEE-B02A49A18923}"/>
+              </a:ext>
+            </a:extLst>
+          </p:cNvPr>
+          <p:cNvGrpSpPr/>
+          <p:nvPr/>
+        </p:nvGrpSpPr>
+        <p:grpSpPr>
+          <a:xfrm>
+            <a:off x="6654273" y="746976"/>
             <a:ext cx="2509108" cy="1159098"/>
             <a:chOff x="5197759" y="2544246"/>
             <a:chExt cx="2509108" cy="1159098"/>
@@ -4280,10 +4740,10 @@
         </p:grpSpPr>
         <p:sp>
           <p:nvSpPr>
-            <p:cNvPr id="27" name="Rectangle 26">
+            <p:cNvPr id="33" name="Rectangle 32">
               <a:extLst>
                 <a:ext uri="{FF2B5EF4-FFF2-40B4-BE49-F238E27FC236}">
-                  <a16:creationId xmlns:a16="http://schemas.microsoft.com/office/drawing/2014/main" id="{542453C8-E03B-4727-8FE8-31FF737CC39B}"/>
+                  <a16:creationId xmlns:a16="http://schemas.microsoft.com/office/drawing/2014/main" id="{50431033-301B-4488-B81F-F948F7DC02BA}"/>
                 </a:ext>
               </a:extLst>
             </p:cNvPr>
@@ -4330,10 +4790,10 @@
         </p:sp>
         <p:sp>
           <p:nvSpPr>
-            <p:cNvPr id="28" name="Rectangle 27">
+            <p:cNvPr id="34" name="Rectangle 33">
               <a:extLst>
                 <a:ext uri="{FF2B5EF4-FFF2-40B4-BE49-F238E27FC236}">
-                  <a16:creationId xmlns:a16="http://schemas.microsoft.com/office/drawing/2014/main" id="{BF130348-5141-46BE-AD66-D005F481B5A9}"/>
+                  <a16:creationId xmlns:a16="http://schemas.microsoft.com/office/drawing/2014/main" id="{C38FC5D7-7F1F-4202-B1DB-4079B97554C3}"/>
                 </a:ext>
               </a:extLst>
             </p:cNvPr>
@@ -4380,10 +4840,10 @@
         </p:sp>
         <p:sp>
           <p:nvSpPr>
-            <p:cNvPr id="23" name="Freeform: Shape 22">
+            <p:cNvPr id="35" name="Freeform: Shape 34">
               <a:extLst>
                 <a:ext uri="{FF2B5EF4-FFF2-40B4-BE49-F238E27FC236}">
-                  <a16:creationId xmlns:a16="http://schemas.microsoft.com/office/drawing/2014/main" id="{46917DC0-764B-4ABE-A2C4-162F50AEC92E}"/>
+                  <a16:creationId xmlns:a16="http://schemas.microsoft.com/office/drawing/2014/main" id="{E2FFDDD5-D3A0-4F87-88EB-A4C0D2FA27AD}"/>
                 </a:ext>
               </a:extLst>
             </p:cNvPr>
@@ -4537,12 +4997,990 @@
           </p:txBody>
         </p:sp>
       </p:grpSp>
+      <p:grpSp>
+        <p:nvGrpSpPr>
+          <p:cNvPr id="21" name="Group 20">
+            <a:extLst>
+              <a:ext uri="{FF2B5EF4-FFF2-40B4-BE49-F238E27FC236}">
+                <a16:creationId xmlns:a16="http://schemas.microsoft.com/office/drawing/2014/main" id="{4F31573C-73E5-4B47-B203-FBF1D4F580D2}"/>
+              </a:ext>
+            </a:extLst>
+          </p:cNvPr>
+          <p:cNvGrpSpPr/>
+          <p:nvPr/>
+        </p:nvGrpSpPr>
+        <p:grpSpPr>
+          <a:xfrm>
+            <a:off x="4460894" y="1171257"/>
+            <a:ext cx="1918952" cy="1937908"/>
+            <a:chOff x="8041882" y="2361250"/>
+            <a:chExt cx="1918952" cy="1937908"/>
+          </a:xfrm>
+        </p:grpSpPr>
+        <p:sp>
+          <p:nvSpPr>
+            <p:cNvPr id="38" name="Rectangle 37">
+              <a:extLst>
+                <a:ext uri="{FF2B5EF4-FFF2-40B4-BE49-F238E27FC236}">
+                  <a16:creationId xmlns:a16="http://schemas.microsoft.com/office/drawing/2014/main" id="{D2AB2CE6-4BF6-4883-A4D5-D6ED0429B746}"/>
+                </a:ext>
+              </a:extLst>
+            </p:cNvPr>
+            <p:cNvSpPr/>
+            <p:nvPr/>
+          </p:nvSpPr>
+          <p:spPr>
+            <a:xfrm>
+              <a:off x="8839335" y="3166705"/>
+              <a:ext cx="324046" cy="1031585"/>
+            </a:xfrm>
+            <a:prstGeom prst="rect">
+              <a:avLst/>
+            </a:prstGeom>
+            <a:solidFill>
+              <a:srgbClr val="FFC000"/>
+            </a:solidFill>
+            <a:ln>
+              <a:noFill/>
+            </a:ln>
+          </p:spPr>
+          <p:style>
+            <a:lnRef idx="2">
+              <a:schemeClr val="accent1">
+                <a:shade val="50000"/>
+              </a:schemeClr>
+            </a:lnRef>
+            <a:fillRef idx="1">
+              <a:schemeClr val="accent1"/>
+            </a:fillRef>
+            <a:effectRef idx="0">
+              <a:schemeClr val="accent1"/>
+            </a:effectRef>
+            <a:fontRef idx="minor">
+              <a:schemeClr val="lt1"/>
+            </a:fontRef>
+          </p:style>
+          <p:txBody>
+            <a:bodyPr rtlCol="0" anchor="ctr"/>
+            <a:lstStyle/>
+            <a:p>
+              <a:pPr algn="ctr"/>
+              <a:endParaRPr lang="en-PH"/>
+            </a:p>
+          </p:txBody>
+        </p:sp>
+        <p:grpSp>
+          <p:nvGrpSpPr>
+            <p:cNvPr id="10" name="Group 9">
+              <a:extLst>
+                <a:ext uri="{FF2B5EF4-FFF2-40B4-BE49-F238E27FC236}">
+                  <a16:creationId xmlns:a16="http://schemas.microsoft.com/office/drawing/2014/main" id="{B2E85276-1159-4971-A7F7-5349E326FB03}"/>
+                </a:ext>
+              </a:extLst>
+            </p:cNvPr>
+            <p:cNvGrpSpPr/>
+            <p:nvPr/>
+          </p:nvGrpSpPr>
+          <p:grpSpPr>
+            <a:xfrm>
+              <a:off x="8041882" y="2361250"/>
+              <a:ext cx="1918952" cy="1937908"/>
+              <a:chOff x="8041882" y="2361250"/>
+              <a:chExt cx="1918952" cy="1937908"/>
+            </a:xfrm>
+          </p:grpSpPr>
+          <p:sp>
+            <p:nvSpPr>
+              <p:cNvPr id="36" name="Rectangle 35">
+                <a:extLst>
+                  <a:ext uri="{FF2B5EF4-FFF2-40B4-BE49-F238E27FC236}">
+                    <a16:creationId xmlns:a16="http://schemas.microsoft.com/office/drawing/2014/main" id="{A634DD07-873C-44FA-8C9D-50A2BEF99995}"/>
+                  </a:ext>
+                </a:extLst>
+              </p:cNvPr>
+              <p:cNvSpPr/>
+              <p:nvPr/>
+            </p:nvSpPr>
+            <p:spPr>
+              <a:xfrm>
+                <a:off x="9636788" y="3262811"/>
+                <a:ext cx="324046" cy="1031585"/>
+              </a:xfrm>
+              <a:prstGeom prst="rect">
+                <a:avLst/>
+              </a:prstGeom>
+              <a:solidFill>
+                <a:srgbClr val="FFC000"/>
+              </a:solidFill>
+              <a:ln>
+                <a:noFill/>
+              </a:ln>
+            </p:spPr>
+            <p:style>
+              <a:lnRef idx="2">
+                <a:schemeClr val="accent1">
+                  <a:shade val="50000"/>
+                </a:schemeClr>
+              </a:lnRef>
+              <a:fillRef idx="1">
+                <a:schemeClr val="accent1"/>
+              </a:fillRef>
+              <a:effectRef idx="0">
+                <a:schemeClr val="accent1"/>
+              </a:effectRef>
+              <a:fontRef idx="minor">
+                <a:schemeClr val="lt1"/>
+              </a:fontRef>
+            </p:style>
+            <p:txBody>
+              <a:bodyPr rtlCol="0" anchor="ctr"/>
+              <a:lstStyle/>
+              <a:p>
+                <a:pPr algn="ctr"/>
+                <a:endParaRPr lang="en-PH"/>
+              </a:p>
+            </p:txBody>
+          </p:sp>
+          <p:sp>
+            <p:nvSpPr>
+              <p:cNvPr id="37" name="Rectangle 36">
+                <a:extLst>
+                  <a:ext uri="{FF2B5EF4-FFF2-40B4-BE49-F238E27FC236}">
+                    <a16:creationId xmlns:a16="http://schemas.microsoft.com/office/drawing/2014/main" id="{A3303CA3-2B00-4221-8584-86E5E2BC9AC8}"/>
+                  </a:ext>
+                </a:extLst>
+              </p:cNvPr>
+              <p:cNvSpPr/>
+              <p:nvPr/>
+            </p:nvSpPr>
+            <p:spPr>
+              <a:xfrm>
+                <a:off x="8041882" y="3267573"/>
+                <a:ext cx="324046" cy="1031585"/>
+              </a:xfrm>
+              <a:prstGeom prst="rect">
+                <a:avLst/>
+              </a:prstGeom>
+              <a:solidFill>
+                <a:srgbClr val="FFC000"/>
+              </a:solidFill>
+              <a:ln>
+                <a:noFill/>
+              </a:ln>
+            </p:spPr>
+            <p:style>
+              <a:lnRef idx="2">
+                <a:schemeClr val="accent1">
+                  <a:shade val="50000"/>
+                </a:schemeClr>
+              </a:lnRef>
+              <a:fillRef idx="1">
+                <a:schemeClr val="accent1"/>
+              </a:fillRef>
+              <a:effectRef idx="0">
+                <a:schemeClr val="accent1"/>
+              </a:effectRef>
+              <a:fontRef idx="minor">
+                <a:schemeClr val="lt1"/>
+              </a:fontRef>
+            </p:style>
+            <p:txBody>
+              <a:bodyPr rtlCol="0" anchor="ctr"/>
+              <a:lstStyle/>
+              <a:p>
+                <a:pPr algn="ctr"/>
+                <a:endParaRPr lang="en-PH"/>
+              </a:p>
+            </p:txBody>
+          </p:sp>
+          <p:sp>
+            <p:nvSpPr>
+              <p:cNvPr id="39" name="Block Arc 38">
+                <a:extLst>
+                  <a:ext uri="{FF2B5EF4-FFF2-40B4-BE49-F238E27FC236}">
+                    <a16:creationId xmlns:a16="http://schemas.microsoft.com/office/drawing/2014/main" id="{20726B00-6576-40EF-9370-14B8281E6860}"/>
+                  </a:ext>
+                </a:extLst>
+              </p:cNvPr>
+              <p:cNvSpPr/>
+              <p:nvPr/>
+            </p:nvSpPr>
+            <p:spPr>
+              <a:xfrm>
+                <a:off x="8041882" y="2361250"/>
+                <a:ext cx="1918952" cy="1918952"/>
+              </a:xfrm>
+              <a:prstGeom prst="blockArc">
+                <a:avLst>
+                  <a:gd name="adj1" fmla="val 10800000"/>
+                  <a:gd name="adj2" fmla="val 21390850"/>
+                  <a:gd name="adj3" fmla="val 16885"/>
+                </a:avLst>
+              </a:prstGeom>
+              <a:solidFill>
+                <a:srgbClr val="FFC000"/>
+              </a:solidFill>
+              <a:ln>
+                <a:noFill/>
+              </a:ln>
+            </p:spPr>
+            <p:style>
+              <a:lnRef idx="2">
+                <a:schemeClr val="accent1">
+                  <a:shade val="50000"/>
+                </a:schemeClr>
+              </a:lnRef>
+              <a:fillRef idx="1">
+                <a:schemeClr val="accent1"/>
+              </a:fillRef>
+              <a:effectRef idx="0">
+                <a:schemeClr val="accent1"/>
+              </a:effectRef>
+              <a:fontRef idx="minor">
+                <a:schemeClr val="lt1"/>
+              </a:fontRef>
+            </p:style>
+            <p:txBody>
+              <a:bodyPr rtlCol="0" anchor="ctr"/>
+              <a:lstStyle/>
+              <a:p>
+                <a:pPr algn="ctr"/>
+                <a:endParaRPr lang="en-PH">
+                  <a:solidFill>
+                    <a:schemeClr val="tx1"/>
+                  </a:solidFill>
+                </a:endParaRPr>
+              </a:p>
+            </p:txBody>
+          </p:sp>
+        </p:grpSp>
+      </p:grpSp>
+      <p:grpSp>
+        <p:nvGrpSpPr>
+          <p:cNvPr id="55" name="Group 54">
+            <a:extLst>
+              <a:ext uri="{FF2B5EF4-FFF2-40B4-BE49-F238E27FC236}">
+                <a16:creationId xmlns:a16="http://schemas.microsoft.com/office/drawing/2014/main" id="{019FD25F-AC6D-4804-974A-0C29D16E7AE8}"/>
+              </a:ext>
+            </a:extLst>
+          </p:cNvPr>
+          <p:cNvGrpSpPr/>
+          <p:nvPr/>
+        </p:nvGrpSpPr>
+        <p:grpSpPr>
+          <a:xfrm>
+            <a:off x="6155994" y="3591023"/>
+            <a:ext cx="2345764" cy="3178001"/>
+            <a:chOff x="7444746" y="2892370"/>
+            <a:chExt cx="2345764" cy="3178001"/>
+          </a:xfrm>
+        </p:grpSpPr>
+        <p:sp>
+          <p:nvSpPr>
+            <p:cNvPr id="40" name="Rectangle 39">
+              <a:extLst>
+                <a:ext uri="{FF2B5EF4-FFF2-40B4-BE49-F238E27FC236}">
+                  <a16:creationId xmlns:a16="http://schemas.microsoft.com/office/drawing/2014/main" id="{18E2C688-ABF8-479C-B964-54446C1898BD}"/>
+                </a:ext>
+              </a:extLst>
+            </p:cNvPr>
+            <p:cNvSpPr/>
+            <p:nvPr/>
+          </p:nvSpPr>
+          <p:spPr>
+            <a:xfrm rot="5400000">
+              <a:off x="8448159" y="2094917"/>
+              <a:ext cx="324046" cy="1918952"/>
+            </a:xfrm>
+            <a:prstGeom prst="rect">
+              <a:avLst/>
+            </a:prstGeom>
+            <a:solidFill>
+              <a:srgbClr val="FFC000"/>
+            </a:solidFill>
+            <a:ln>
+              <a:noFill/>
+            </a:ln>
+          </p:spPr>
+          <p:style>
+            <a:lnRef idx="2">
+              <a:schemeClr val="accent1">
+                <a:shade val="50000"/>
+              </a:schemeClr>
+            </a:lnRef>
+            <a:fillRef idx="1">
+              <a:schemeClr val="accent1"/>
+            </a:fillRef>
+            <a:effectRef idx="0">
+              <a:schemeClr val="accent1"/>
+            </a:effectRef>
+            <a:fontRef idx="minor">
+              <a:schemeClr val="lt1"/>
+            </a:fontRef>
+          </p:style>
+          <p:txBody>
+            <a:bodyPr rtlCol="0" anchor="ctr"/>
+            <a:lstStyle/>
+            <a:p>
+              <a:pPr algn="ctr"/>
+              <a:endParaRPr lang="en-PH"/>
+            </a:p>
+          </p:txBody>
+        </p:sp>
+        <p:sp>
+          <p:nvSpPr>
+            <p:cNvPr id="41" name="Rectangle 40">
+              <a:extLst>
+                <a:ext uri="{FF2B5EF4-FFF2-40B4-BE49-F238E27FC236}">
+                  <a16:creationId xmlns:a16="http://schemas.microsoft.com/office/drawing/2014/main" id="{096122ED-C631-46FC-93FA-167F948BE0ED}"/>
+                </a:ext>
+              </a:extLst>
+            </p:cNvPr>
+            <p:cNvSpPr/>
+            <p:nvPr/>
+          </p:nvSpPr>
+          <p:spPr>
+            <a:xfrm>
+              <a:off x="7931673" y="4021651"/>
+              <a:ext cx="324046" cy="1198242"/>
+            </a:xfrm>
+            <a:prstGeom prst="rect">
+              <a:avLst/>
+            </a:prstGeom>
+            <a:solidFill>
+              <a:srgbClr val="FFC000"/>
+            </a:solidFill>
+            <a:ln>
+              <a:noFill/>
+            </a:ln>
+          </p:spPr>
+          <p:style>
+            <a:lnRef idx="2">
+              <a:schemeClr val="accent1">
+                <a:shade val="50000"/>
+              </a:schemeClr>
+            </a:lnRef>
+            <a:fillRef idx="1">
+              <a:schemeClr val="accent1"/>
+            </a:fillRef>
+            <a:effectRef idx="0">
+              <a:schemeClr val="accent1"/>
+            </a:effectRef>
+            <a:fontRef idx="minor">
+              <a:schemeClr val="lt1"/>
+            </a:fontRef>
+          </p:style>
+          <p:txBody>
+            <a:bodyPr rtlCol="0" anchor="ctr"/>
+            <a:lstStyle/>
+            <a:p>
+              <a:pPr algn="ctr"/>
+              <a:endParaRPr lang="en-PH"/>
+            </a:p>
+          </p:txBody>
+        </p:sp>
+        <p:sp>
+          <p:nvSpPr>
+            <p:cNvPr id="42" name="Rectangle 41">
+              <a:extLst>
+                <a:ext uri="{FF2B5EF4-FFF2-40B4-BE49-F238E27FC236}">
+                  <a16:creationId xmlns:a16="http://schemas.microsoft.com/office/drawing/2014/main" id="{B27987A0-7715-4692-8ED8-2298231CEE32}"/>
+                </a:ext>
+              </a:extLst>
+            </p:cNvPr>
+            <p:cNvSpPr/>
+            <p:nvPr/>
+          </p:nvSpPr>
+          <p:spPr>
+            <a:xfrm>
+              <a:off x="8979537" y="4021651"/>
+              <a:ext cx="324046" cy="1198242"/>
+            </a:xfrm>
+            <a:prstGeom prst="rect">
+              <a:avLst/>
+            </a:prstGeom>
+            <a:solidFill>
+              <a:srgbClr val="FFC000"/>
+            </a:solidFill>
+            <a:ln>
+              <a:noFill/>
+            </a:ln>
+          </p:spPr>
+          <p:style>
+            <a:lnRef idx="2">
+              <a:schemeClr val="accent1">
+                <a:shade val="50000"/>
+              </a:schemeClr>
+            </a:lnRef>
+            <a:fillRef idx="1">
+              <a:schemeClr val="accent1"/>
+            </a:fillRef>
+            <a:effectRef idx="0">
+              <a:schemeClr val="accent1"/>
+            </a:effectRef>
+            <a:fontRef idx="minor">
+              <a:schemeClr val="lt1"/>
+            </a:fontRef>
+          </p:style>
+          <p:txBody>
+            <a:bodyPr rtlCol="0" anchor="ctr"/>
+            <a:lstStyle/>
+            <a:p>
+              <a:pPr algn="ctr"/>
+              <a:endParaRPr lang="en-PH"/>
+            </a:p>
+          </p:txBody>
+        </p:sp>
+        <p:sp>
+          <p:nvSpPr>
+            <p:cNvPr id="24" name="Rectangle: Rounded Corners 23">
+              <a:extLst>
+                <a:ext uri="{FF2B5EF4-FFF2-40B4-BE49-F238E27FC236}">
+                  <a16:creationId xmlns:a16="http://schemas.microsoft.com/office/drawing/2014/main" id="{EF9C9D9B-0DCC-465E-AF14-E13F9E310D08}"/>
+                </a:ext>
+              </a:extLst>
+            </p:cNvPr>
+            <p:cNvSpPr/>
+            <p:nvPr/>
+          </p:nvSpPr>
+          <p:spPr>
+            <a:xfrm>
+              <a:off x="8444388" y="4318331"/>
+              <a:ext cx="335263" cy="1752040"/>
+            </a:xfrm>
+            <a:prstGeom prst="roundRect">
+              <a:avLst>
+                <a:gd name="adj" fmla="val 50000"/>
+              </a:avLst>
+            </a:prstGeom>
+            <a:solidFill>
+              <a:srgbClr val="FFC000"/>
+            </a:solidFill>
+            <a:ln>
+              <a:noFill/>
+            </a:ln>
+          </p:spPr>
+          <p:style>
+            <a:lnRef idx="2">
+              <a:schemeClr val="accent1">
+                <a:shade val="50000"/>
+              </a:schemeClr>
+            </a:lnRef>
+            <a:fillRef idx="1">
+              <a:schemeClr val="accent1"/>
+            </a:fillRef>
+            <a:effectRef idx="0">
+              <a:schemeClr val="accent1"/>
+            </a:effectRef>
+            <a:fontRef idx="minor">
+              <a:schemeClr val="lt1"/>
+            </a:fontRef>
+          </p:style>
+          <p:txBody>
+            <a:bodyPr rtlCol="0" anchor="ctr"/>
+            <a:lstStyle/>
+            <a:p>
+              <a:pPr algn="ctr"/>
+              <a:endParaRPr lang="en-PH"/>
+            </a:p>
+          </p:txBody>
+        </p:sp>
+        <p:sp>
+          <p:nvSpPr>
+            <p:cNvPr id="43" name="Rectangle 42">
+              <a:extLst>
+                <a:ext uri="{FF2B5EF4-FFF2-40B4-BE49-F238E27FC236}">
+                  <a16:creationId xmlns:a16="http://schemas.microsoft.com/office/drawing/2014/main" id="{7DE6FDD7-520A-4E6D-80DD-CB8CA38D6B7B}"/>
+                </a:ext>
+              </a:extLst>
+            </p:cNvPr>
+            <p:cNvSpPr/>
+            <p:nvPr/>
+          </p:nvSpPr>
+          <p:spPr>
+            <a:xfrm>
+              <a:off x="8455605" y="3216275"/>
+              <a:ext cx="324046" cy="560388"/>
+            </a:xfrm>
+            <a:prstGeom prst="rect">
+              <a:avLst/>
+            </a:prstGeom>
+            <a:solidFill>
+              <a:srgbClr val="FFC000"/>
+            </a:solidFill>
+            <a:ln>
+              <a:noFill/>
+            </a:ln>
+          </p:spPr>
+          <p:style>
+            <a:lnRef idx="2">
+              <a:schemeClr val="accent1">
+                <a:shade val="50000"/>
+              </a:schemeClr>
+            </a:lnRef>
+            <a:fillRef idx="1">
+              <a:schemeClr val="accent1"/>
+            </a:fillRef>
+            <a:effectRef idx="0">
+              <a:schemeClr val="accent1"/>
+            </a:effectRef>
+            <a:fontRef idx="minor">
+              <a:schemeClr val="lt1"/>
+            </a:fontRef>
+          </p:style>
+          <p:txBody>
+            <a:bodyPr rtlCol="0" anchor="ctr"/>
+            <a:lstStyle/>
+            <a:p>
+              <a:pPr algn="ctr"/>
+              <a:endParaRPr lang="en-PH"/>
+            </a:p>
+          </p:txBody>
+        </p:sp>
+        <p:sp>
+          <p:nvSpPr>
+            <p:cNvPr id="44" name="Rectangle 43">
+              <a:extLst>
+                <a:ext uri="{FF2B5EF4-FFF2-40B4-BE49-F238E27FC236}">
+                  <a16:creationId xmlns:a16="http://schemas.microsoft.com/office/drawing/2014/main" id="{E509649D-17FE-4ADB-9EEA-4CA0A3442034}"/>
+                </a:ext>
+              </a:extLst>
+            </p:cNvPr>
+            <p:cNvSpPr/>
+            <p:nvPr/>
+          </p:nvSpPr>
+          <p:spPr>
+            <a:xfrm rot="2700000">
+              <a:off x="8142831" y="3507327"/>
+              <a:ext cx="324046" cy="739186"/>
+            </a:xfrm>
+            <a:prstGeom prst="rect">
+              <a:avLst/>
+            </a:prstGeom>
+            <a:solidFill>
+              <a:srgbClr val="FFC000"/>
+            </a:solidFill>
+            <a:ln>
+              <a:noFill/>
+            </a:ln>
+          </p:spPr>
+          <p:style>
+            <a:lnRef idx="2">
+              <a:schemeClr val="accent1">
+                <a:shade val="50000"/>
+              </a:schemeClr>
+            </a:lnRef>
+            <a:fillRef idx="1">
+              <a:schemeClr val="accent1"/>
+            </a:fillRef>
+            <a:effectRef idx="0">
+              <a:schemeClr val="accent1"/>
+            </a:effectRef>
+            <a:fontRef idx="minor">
+              <a:schemeClr val="lt1"/>
+            </a:fontRef>
+          </p:style>
+          <p:txBody>
+            <a:bodyPr rtlCol="0" anchor="ctr"/>
+            <a:lstStyle/>
+            <a:p>
+              <a:pPr algn="ctr"/>
+              <a:endParaRPr lang="en-PH"/>
+            </a:p>
+          </p:txBody>
+        </p:sp>
+        <p:sp>
+          <p:nvSpPr>
+            <p:cNvPr id="45" name="Rectangle 44">
+              <a:extLst>
+                <a:ext uri="{FF2B5EF4-FFF2-40B4-BE49-F238E27FC236}">
+                  <a16:creationId xmlns:a16="http://schemas.microsoft.com/office/drawing/2014/main" id="{F5A765F9-B634-456C-8558-206CF83CA0AE}"/>
+                </a:ext>
+              </a:extLst>
+            </p:cNvPr>
+            <p:cNvSpPr/>
+            <p:nvPr/>
+          </p:nvSpPr>
+          <p:spPr>
+            <a:xfrm rot="8100000">
+              <a:off x="8769086" y="3497494"/>
+              <a:ext cx="324046" cy="741296"/>
+            </a:xfrm>
+            <a:prstGeom prst="rect">
+              <a:avLst/>
+            </a:prstGeom>
+            <a:solidFill>
+              <a:srgbClr val="FFC000"/>
+            </a:solidFill>
+            <a:ln>
+              <a:noFill/>
+            </a:ln>
+          </p:spPr>
+          <p:style>
+            <a:lnRef idx="2">
+              <a:schemeClr val="accent1">
+                <a:shade val="50000"/>
+              </a:schemeClr>
+            </a:lnRef>
+            <a:fillRef idx="1">
+              <a:schemeClr val="accent1"/>
+            </a:fillRef>
+            <a:effectRef idx="0">
+              <a:schemeClr val="accent1"/>
+            </a:effectRef>
+            <a:fontRef idx="minor">
+              <a:schemeClr val="lt1"/>
+            </a:fontRef>
+          </p:style>
+          <p:txBody>
+            <a:bodyPr rtlCol="0" anchor="ctr"/>
+            <a:lstStyle/>
+            <a:p>
+              <a:pPr algn="ctr"/>
+              <a:endParaRPr lang="en-PH"/>
+            </a:p>
+          </p:txBody>
+        </p:sp>
+        <p:sp>
+          <p:nvSpPr>
+            <p:cNvPr id="46" name="Rectangle 45">
+              <a:extLst>
+                <a:ext uri="{FF2B5EF4-FFF2-40B4-BE49-F238E27FC236}">
+                  <a16:creationId xmlns:a16="http://schemas.microsoft.com/office/drawing/2014/main" id="{1332C970-1B32-4782-981D-CBBF9FACCCA6}"/>
+                </a:ext>
+              </a:extLst>
+            </p:cNvPr>
+            <p:cNvSpPr/>
+            <p:nvPr/>
+          </p:nvSpPr>
+          <p:spPr>
+            <a:xfrm rot="5400000">
+              <a:off x="7914091" y="3110506"/>
+              <a:ext cx="65429" cy="356032"/>
+            </a:xfrm>
+            <a:prstGeom prst="rect">
+              <a:avLst/>
+            </a:prstGeom>
+            <a:solidFill>
+              <a:srgbClr val="FFC000"/>
+            </a:solidFill>
+            <a:ln>
+              <a:noFill/>
+            </a:ln>
+          </p:spPr>
+          <p:style>
+            <a:lnRef idx="2">
+              <a:schemeClr val="accent1">
+                <a:shade val="50000"/>
+              </a:schemeClr>
+            </a:lnRef>
+            <a:fillRef idx="1">
+              <a:schemeClr val="accent1"/>
+            </a:fillRef>
+            <a:effectRef idx="0">
+              <a:schemeClr val="accent1"/>
+            </a:effectRef>
+            <a:fontRef idx="minor">
+              <a:schemeClr val="lt1"/>
+            </a:fontRef>
+          </p:style>
+          <p:txBody>
+            <a:bodyPr rtlCol="0" anchor="ctr"/>
+            <a:lstStyle/>
+            <a:p>
+              <a:pPr algn="ctr"/>
+              <a:endParaRPr lang="en-PH"/>
+            </a:p>
+          </p:txBody>
+        </p:sp>
+        <p:sp>
+          <p:nvSpPr>
+            <p:cNvPr id="47" name="Rectangle 46">
+              <a:extLst>
+                <a:ext uri="{FF2B5EF4-FFF2-40B4-BE49-F238E27FC236}">
+                  <a16:creationId xmlns:a16="http://schemas.microsoft.com/office/drawing/2014/main" id="{0C18CD3F-52F8-4D13-A6F6-2CFB93814399}"/>
+                </a:ext>
+              </a:extLst>
+            </p:cNvPr>
+            <p:cNvSpPr/>
+            <p:nvPr/>
+          </p:nvSpPr>
+          <p:spPr>
+            <a:xfrm rot="5400000">
+              <a:off x="9248281" y="3103053"/>
+              <a:ext cx="65429" cy="370938"/>
+            </a:xfrm>
+            <a:prstGeom prst="rect">
+              <a:avLst/>
+            </a:prstGeom>
+            <a:solidFill>
+              <a:srgbClr val="FFC000"/>
+            </a:solidFill>
+            <a:ln>
+              <a:noFill/>
+            </a:ln>
+          </p:spPr>
+          <p:style>
+            <a:lnRef idx="2">
+              <a:schemeClr val="accent1">
+                <a:shade val="50000"/>
+              </a:schemeClr>
+            </a:lnRef>
+            <a:fillRef idx="1">
+              <a:schemeClr val="accent1"/>
+            </a:fillRef>
+            <a:effectRef idx="0">
+              <a:schemeClr val="accent1"/>
+            </a:effectRef>
+            <a:fontRef idx="minor">
+              <a:schemeClr val="lt1"/>
+            </a:fontRef>
+          </p:style>
+          <p:txBody>
+            <a:bodyPr rtlCol="0" anchor="ctr"/>
+            <a:lstStyle/>
+            <a:p>
+              <a:pPr algn="ctr"/>
+              <a:endParaRPr lang="en-PH"/>
+            </a:p>
+          </p:txBody>
+        </p:sp>
+        <p:sp>
+          <p:nvSpPr>
+            <p:cNvPr id="49" name="Rectangle 48">
+              <a:extLst>
+                <a:ext uri="{FF2B5EF4-FFF2-40B4-BE49-F238E27FC236}">
+                  <a16:creationId xmlns:a16="http://schemas.microsoft.com/office/drawing/2014/main" id="{211BDD96-5082-404A-81FA-8E4115E0FE36}"/>
+                </a:ext>
+              </a:extLst>
+            </p:cNvPr>
+            <p:cNvSpPr/>
+            <p:nvPr/>
+          </p:nvSpPr>
+          <p:spPr>
+            <a:xfrm rot="10800000">
+              <a:off x="9352310" y="4745761"/>
+              <a:ext cx="65429" cy="474131"/>
+            </a:xfrm>
+            <a:prstGeom prst="rect">
+              <a:avLst/>
+            </a:prstGeom>
+            <a:solidFill>
+              <a:srgbClr val="FFC000"/>
+            </a:solidFill>
+            <a:ln>
+              <a:noFill/>
+            </a:ln>
+          </p:spPr>
+          <p:style>
+            <a:lnRef idx="2">
+              <a:schemeClr val="accent1">
+                <a:shade val="50000"/>
+              </a:schemeClr>
+            </a:lnRef>
+            <a:fillRef idx="1">
+              <a:schemeClr val="accent1"/>
+            </a:fillRef>
+            <a:effectRef idx="0">
+              <a:schemeClr val="accent1"/>
+            </a:effectRef>
+            <a:fontRef idx="minor">
+              <a:schemeClr val="lt1"/>
+            </a:fontRef>
+          </p:style>
+          <p:txBody>
+            <a:bodyPr rtlCol="0" anchor="ctr"/>
+            <a:lstStyle/>
+            <a:p>
+              <a:pPr algn="ctr"/>
+              <a:endParaRPr lang="en-PH"/>
+            </a:p>
+          </p:txBody>
+        </p:sp>
+        <p:sp>
+          <p:nvSpPr>
+            <p:cNvPr id="50" name="Rectangle 49">
+              <a:extLst>
+                <a:ext uri="{FF2B5EF4-FFF2-40B4-BE49-F238E27FC236}">
+                  <a16:creationId xmlns:a16="http://schemas.microsoft.com/office/drawing/2014/main" id="{82E26DAE-C658-4FD6-B855-0DD8642AA6FA}"/>
+                </a:ext>
+              </a:extLst>
+            </p:cNvPr>
+            <p:cNvSpPr/>
+            <p:nvPr/>
+          </p:nvSpPr>
+          <p:spPr>
+            <a:xfrm rot="5400000">
+              <a:off x="9575613" y="4636614"/>
+              <a:ext cx="105750" cy="324045"/>
+            </a:xfrm>
+            <a:prstGeom prst="rect">
+              <a:avLst/>
+            </a:prstGeom>
+            <a:solidFill>
+              <a:srgbClr val="FFC000"/>
+            </a:solidFill>
+            <a:ln>
+              <a:noFill/>
+            </a:ln>
+          </p:spPr>
+          <p:style>
+            <a:lnRef idx="2">
+              <a:schemeClr val="accent1">
+                <a:shade val="50000"/>
+              </a:schemeClr>
+            </a:lnRef>
+            <a:fillRef idx="1">
+              <a:schemeClr val="accent1"/>
+            </a:fillRef>
+            <a:effectRef idx="0">
+              <a:schemeClr val="accent1"/>
+            </a:effectRef>
+            <a:fontRef idx="minor">
+              <a:schemeClr val="lt1"/>
+            </a:fontRef>
+          </p:style>
+          <p:txBody>
+            <a:bodyPr rtlCol="0" anchor="ctr"/>
+            <a:lstStyle/>
+            <a:p>
+              <a:pPr algn="ctr"/>
+              <a:endParaRPr lang="en-PH"/>
+            </a:p>
+          </p:txBody>
+        </p:sp>
+        <p:grpSp>
+          <p:nvGrpSpPr>
+            <p:cNvPr id="25" name="Group 24">
+              <a:extLst>
+                <a:ext uri="{FF2B5EF4-FFF2-40B4-BE49-F238E27FC236}">
+                  <a16:creationId xmlns:a16="http://schemas.microsoft.com/office/drawing/2014/main" id="{080DB7CA-9073-43F6-B172-A433023F6CF3}"/>
+                </a:ext>
+              </a:extLst>
+            </p:cNvPr>
+            <p:cNvGrpSpPr/>
+            <p:nvPr/>
+          </p:nvGrpSpPr>
+          <p:grpSpPr>
+            <a:xfrm rot="10800000">
+              <a:off x="7444746" y="5219892"/>
+              <a:ext cx="438200" cy="474131"/>
+              <a:chOff x="9504710" y="4898161"/>
+              <a:chExt cx="438200" cy="474131"/>
+            </a:xfrm>
+          </p:grpSpPr>
+          <p:sp>
+            <p:nvSpPr>
+              <p:cNvPr id="52" name="Rectangle 51">
+                <a:extLst>
+                  <a:ext uri="{FF2B5EF4-FFF2-40B4-BE49-F238E27FC236}">
+                    <a16:creationId xmlns:a16="http://schemas.microsoft.com/office/drawing/2014/main" id="{DEC90C41-E798-46F8-BB16-6E14CF2AA15C}"/>
+                  </a:ext>
+                </a:extLst>
+              </p:cNvPr>
+              <p:cNvSpPr/>
+              <p:nvPr/>
+            </p:nvSpPr>
+            <p:spPr>
+              <a:xfrm rot="10800000">
+                <a:off x="9504710" y="4898161"/>
+                <a:ext cx="65429" cy="474131"/>
+              </a:xfrm>
+              <a:prstGeom prst="rect">
+                <a:avLst/>
+              </a:prstGeom>
+              <a:solidFill>
+                <a:srgbClr val="FFC000"/>
+              </a:solidFill>
+              <a:ln>
+                <a:noFill/>
+              </a:ln>
+            </p:spPr>
+            <p:style>
+              <a:lnRef idx="2">
+                <a:schemeClr val="accent1">
+                  <a:shade val="50000"/>
+                </a:schemeClr>
+              </a:lnRef>
+              <a:fillRef idx="1">
+                <a:schemeClr val="accent1"/>
+              </a:fillRef>
+              <a:effectRef idx="0">
+                <a:schemeClr val="accent1"/>
+              </a:effectRef>
+              <a:fontRef idx="minor">
+                <a:schemeClr val="lt1"/>
+              </a:fontRef>
+            </p:style>
+            <p:txBody>
+              <a:bodyPr rtlCol="0" anchor="ctr"/>
+              <a:lstStyle/>
+              <a:p>
+                <a:pPr algn="ctr"/>
+                <a:endParaRPr lang="en-PH"/>
+              </a:p>
+            </p:txBody>
+          </p:sp>
+          <p:sp>
+            <p:nvSpPr>
+              <p:cNvPr id="53" name="Rectangle 52">
+                <a:extLst>
+                  <a:ext uri="{FF2B5EF4-FFF2-40B4-BE49-F238E27FC236}">
+                    <a16:creationId xmlns:a16="http://schemas.microsoft.com/office/drawing/2014/main" id="{F8642A06-47A6-42CD-9F61-6DE0C2EBC882}"/>
+                  </a:ext>
+                </a:extLst>
+              </p:cNvPr>
+              <p:cNvSpPr/>
+              <p:nvPr/>
+            </p:nvSpPr>
+            <p:spPr>
+              <a:xfrm rot="5400000">
+                <a:off x="9728013" y="4789014"/>
+                <a:ext cx="105750" cy="324045"/>
+              </a:xfrm>
+              <a:prstGeom prst="rect">
+                <a:avLst/>
+              </a:prstGeom>
+              <a:solidFill>
+                <a:srgbClr val="FFC000"/>
+              </a:solidFill>
+              <a:ln>
+                <a:noFill/>
+              </a:ln>
+            </p:spPr>
+            <p:style>
+              <a:lnRef idx="2">
+                <a:schemeClr val="accent1">
+                  <a:shade val="50000"/>
+                </a:schemeClr>
+              </a:lnRef>
+              <a:fillRef idx="1">
+                <a:schemeClr val="accent1"/>
+              </a:fillRef>
+              <a:effectRef idx="0">
+                <a:schemeClr val="accent1"/>
+              </a:effectRef>
+              <a:fontRef idx="minor">
+                <a:schemeClr val="lt1"/>
+              </a:fontRef>
+            </p:style>
+            <p:txBody>
+              <a:bodyPr rtlCol="0" anchor="ctr"/>
+              <a:lstStyle/>
+              <a:p>
+                <a:pPr algn="ctr"/>
+                <a:endParaRPr lang="en-PH"/>
+              </a:p>
+            </p:txBody>
+          </p:sp>
+        </p:grpSp>
+      </p:grpSp>
       <p:sp>
         <p:nvSpPr>
-          <p:cNvPr id="29" name="Rectangle 28">
+          <p:cNvPr id="58" name="Rectangle 57">
             <a:extLst>
               <a:ext uri="{FF2B5EF4-FFF2-40B4-BE49-F238E27FC236}">
-                <a16:creationId xmlns:a16="http://schemas.microsoft.com/office/drawing/2014/main" id="{53CA77C3-478C-47E0-87A0-2917BA112F62}"/>
+                <a16:creationId xmlns:a16="http://schemas.microsoft.com/office/drawing/2014/main" id="{3AC42743-B0F4-4DAF-A050-1276B0DDD09F}"/>
               </a:ext>
             </a:extLst>
           </p:cNvPr>
@@ -4551,8 +5989,8 @@
         </p:nvSpPr>
         <p:spPr>
           <a:xfrm>
-            <a:off x="7087744" y="4287349"/>
-            <a:ext cx="324046" cy="1031585"/>
+            <a:off x="9641926" y="4790313"/>
+            <a:ext cx="324046" cy="966210"/>
           </a:xfrm>
           <a:prstGeom prst="rect">
             <a:avLst/>
@@ -4591,10 +6029,10 @@
       </p:sp>
       <p:sp>
         <p:nvSpPr>
-          <p:cNvPr id="30" name="Rectangle 29">
+          <p:cNvPr id="59" name="Rectangle 58">
             <a:extLst>
               <a:ext uri="{FF2B5EF4-FFF2-40B4-BE49-F238E27FC236}">
-                <a16:creationId xmlns:a16="http://schemas.microsoft.com/office/drawing/2014/main" id="{88302F38-475E-46E8-B26F-AACBDFA718B7}"/>
+                <a16:creationId xmlns:a16="http://schemas.microsoft.com/office/drawing/2014/main" id="{4A47A042-B669-49BE-981D-2F7CF36B6A70}"/>
               </a:ext>
             </a:extLst>
           </p:cNvPr>
@@ -4603,8 +6041,8 @@
         </p:nvSpPr>
         <p:spPr>
           <a:xfrm>
-            <a:off x="5492838" y="4292111"/>
-            <a:ext cx="324046" cy="1031585"/>
+            <a:off x="10689790" y="4790313"/>
+            <a:ext cx="324046" cy="966210"/>
           </a:xfrm>
           <a:prstGeom prst="rect">
             <a:avLst/>
@@ -4643,10 +6081,10 @@
       </p:sp>
       <p:sp>
         <p:nvSpPr>
-          <p:cNvPr id="31" name="Rectangle 30">
+          <p:cNvPr id="60" name="Rectangle: Rounded Corners 59">
             <a:extLst>
               <a:ext uri="{FF2B5EF4-FFF2-40B4-BE49-F238E27FC236}">
-                <a16:creationId xmlns:a16="http://schemas.microsoft.com/office/drawing/2014/main" id="{2A4A4D1E-9C05-42F0-8C66-EE8ABDDD26F3}"/>
+                <a16:creationId xmlns:a16="http://schemas.microsoft.com/office/drawing/2014/main" id="{2D37D780-2365-47FB-A7C4-C89DDBF74736}"/>
               </a:ext>
             </a:extLst>
           </p:cNvPr>
@@ -4655,8 +6093,62 @@
         </p:nvSpPr>
         <p:spPr>
           <a:xfrm>
-            <a:off x="6290291" y="4191243"/>
-            <a:ext cx="324046" cy="1031585"/>
+            <a:off x="10154641" y="4854961"/>
+            <a:ext cx="335263" cy="1752040"/>
+          </a:xfrm>
+          <a:prstGeom prst="roundRect">
+            <a:avLst>
+              <a:gd name="adj" fmla="val 50000"/>
+            </a:avLst>
+          </a:prstGeom>
+          <a:solidFill>
+            <a:srgbClr val="FFC000"/>
+          </a:solidFill>
+          <a:ln>
+            <a:noFill/>
+          </a:ln>
+        </p:spPr>
+        <p:style>
+          <a:lnRef idx="2">
+            <a:schemeClr val="accent1">
+              <a:shade val="50000"/>
+            </a:schemeClr>
+          </a:lnRef>
+          <a:fillRef idx="1">
+            <a:schemeClr val="accent1"/>
+          </a:fillRef>
+          <a:effectRef idx="0">
+            <a:schemeClr val="accent1"/>
+          </a:effectRef>
+          <a:fontRef idx="minor">
+            <a:schemeClr val="lt1"/>
+          </a:fontRef>
+        </p:style>
+        <p:txBody>
+          <a:bodyPr rtlCol="0" anchor="ctr"/>
+          <a:lstStyle/>
+          <a:p>
+            <a:pPr algn="ctr"/>
+            <a:endParaRPr lang="en-PH"/>
+          </a:p>
+        </p:txBody>
+      </p:sp>
+      <p:sp>
+        <p:nvSpPr>
+          <p:cNvPr id="66" name="Rectangle 65">
+            <a:extLst>
+              <a:ext uri="{FF2B5EF4-FFF2-40B4-BE49-F238E27FC236}">
+                <a16:creationId xmlns:a16="http://schemas.microsoft.com/office/drawing/2014/main" id="{A546642A-6EC9-46CD-838C-6DE884604CC5}"/>
+              </a:ext>
+            </a:extLst>
+          </p:cNvPr>
+          <p:cNvSpPr/>
+          <p:nvPr/>
+        </p:nvSpPr>
+        <p:spPr>
+          <a:xfrm rot="10800000">
+            <a:off x="11062563" y="5282391"/>
+            <a:ext cx="65429" cy="474131"/>
           </a:xfrm>
           <a:prstGeom prst="rect">
             <a:avLst/>
@@ -4693,6 +6185,568 @@
           </a:p>
         </p:txBody>
       </p:sp>
+      <p:sp>
+        <p:nvSpPr>
+          <p:cNvPr id="67" name="Rectangle 66">
+            <a:extLst>
+              <a:ext uri="{FF2B5EF4-FFF2-40B4-BE49-F238E27FC236}">
+                <a16:creationId xmlns:a16="http://schemas.microsoft.com/office/drawing/2014/main" id="{4CCCD473-8AB4-4EF6-A7E9-960BCF64369C}"/>
+              </a:ext>
+            </a:extLst>
+          </p:cNvPr>
+          <p:cNvSpPr/>
+          <p:nvPr/>
+        </p:nvSpPr>
+        <p:spPr>
+          <a:xfrm rot="5400000">
+            <a:off x="11285866" y="5173244"/>
+            <a:ext cx="105750" cy="324045"/>
+          </a:xfrm>
+          <a:prstGeom prst="rect">
+            <a:avLst/>
+          </a:prstGeom>
+          <a:solidFill>
+            <a:srgbClr val="FFC000"/>
+          </a:solidFill>
+          <a:ln>
+            <a:noFill/>
+          </a:ln>
+        </p:spPr>
+        <p:style>
+          <a:lnRef idx="2">
+            <a:schemeClr val="accent1">
+              <a:shade val="50000"/>
+            </a:schemeClr>
+          </a:lnRef>
+          <a:fillRef idx="1">
+            <a:schemeClr val="accent1"/>
+          </a:fillRef>
+          <a:effectRef idx="0">
+            <a:schemeClr val="accent1"/>
+          </a:effectRef>
+          <a:fontRef idx="minor">
+            <a:schemeClr val="lt1"/>
+          </a:fontRef>
+        </p:style>
+        <p:txBody>
+          <a:bodyPr rtlCol="0" anchor="ctr"/>
+          <a:lstStyle/>
+          <a:p>
+            <a:pPr algn="ctr"/>
+            <a:endParaRPr lang="en-PH"/>
+          </a:p>
+        </p:txBody>
+      </p:sp>
+      <p:grpSp>
+        <p:nvGrpSpPr>
+          <p:cNvPr id="68" name="Group 67">
+            <a:extLst>
+              <a:ext uri="{FF2B5EF4-FFF2-40B4-BE49-F238E27FC236}">
+                <a16:creationId xmlns:a16="http://schemas.microsoft.com/office/drawing/2014/main" id="{ED27E736-B46C-4C50-9323-213D789614FF}"/>
+              </a:ext>
+            </a:extLst>
+          </p:cNvPr>
+          <p:cNvGrpSpPr/>
+          <p:nvPr/>
+        </p:nvGrpSpPr>
+        <p:grpSpPr>
+          <a:xfrm rot="10800000">
+            <a:off x="9154999" y="5756522"/>
+            <a:ext cx="438200" cy="474131"/>
+            <a:chOff x="9504710" y="4898161"/>
+            <a:chExt cx="438200" cy="474131"/>
+          </a:xfrm>
+        </p:grpSpPr>
+        <p:sp>
+          <p:nvSpPr>
+            <p:cNvPr id="69" name="Rectangle 68">
+              <a:extLst>
+                <a:ext uri="{FF2B5EF4-FFF2-40B4-BE49-F238E27FC236}">
+                  <a16:creationId xmlns:a16="http://schemas.microsoft.com/office/drawing/2014/main" id="{1EB625CE-7BF0-4606-B02A-781E897D06FB}"/>
+                </a:ext>
+              </a:extLst>
+            </p:cNvPr>
+            <p:cNvSpPr/>
+            <p:nvPr/>
+          </p:nvSpPr>
+          <p:spPr>
+            <a:xfrm rot="10800000">
+              <a:off x="9504710" y="4898161"/>
+              <a:ext cx="65429" cy="474131"/>
+            </a:xfrm>
+            <a:prstGeom prst="rect">
+              <a:avLst/>
+            </a:prstGeom>
+            <a:solidFill>
+              <a:srgbClr val="FFC000"/>
+            </a:solidFill>
+            <a:ln>
+              <a:noFill/>
+            </a:ln>
+          </p:spPr>
+          <p:style>
+            <a:lnRef idx="2">
+              <a:schemeClr val="accent1">
+                <a:shade val="50000"/>
+              </a:schemeClr>
+            </a:lnRef>
+            <a:fillRef idx="1">
+              <a:schemeClr val="accent1"/>
+            </a:fillRef>
+            <a:effectRef idx="0">
+              <a:schemeClr val="accent1"/>
+            </a:effectRef>
+            <a:fontRef idx="minor">
+              <a:schemeClr val="lt1"/>
+            </a:fontRef>
+          </p:style>
+          <p:txBody>
+            <a:bodyPr rtlCol="0" anchor="ctr"/>
+            <a:lstStyle/>
+            <a:p>
+              <a:pPr algn="ctr"/>
+              <a:endParaRPr lang="en-PH"/>
+            </a:p>
+          </p:txBody>
+        </p:sp>
+        <p:sp>
+          <p:nvSpPr>
+            <p:cNvPr id="70" name="Rectangle 69">
+              <a:extLst>
+                <a:ext uri="{FF2B5EF4-FFF2-40B4-BE49-F238E27FC236}">
+                  <a16:creationId xmlns:a16="http://schemas.microsoft.com/office/drawing/2014/main" id="{0184BD59-CF73-4799-9516-AE2C8751DBB6}"/>
+                </a:ext>
+              </a:extLst>
+            </p:cNvPr>
+            <p:cNvSpPr/>
+            <p:nvPr/>
+          </p:nvSpPr>
+          <p:spPr>
+            <a:xfrm rot="5400000">
+              <a:off x="9728013" y="4789014"/>
+              <a:ext cx="105750" cy="324045"/>
+            </a:xfrm>
+            <a:prstGeom prst="rect">
+              <a:avLst/>
+            </a:prstGeom>
+            <a:solidFill>
+              <a:srgbClr val="FFC000"/>
+            </a:solidFill>
+            <a:ln>
+              <a:noFill/>
+            </a:ln>
+          </p:spPr>
+          <p:style>
+            <a:lnRef idx="2">
+              <a:schemeClr val="accent1">
+                <a:shade val="50000"/>
+              </a:schemeClr>
+            </a:lnRef>
+            <a:fillRef idx="1">
+              <a:schemeClr val="accent1"/>
+            </a:fillRef>
+            <a:effectRef idx="0">
+              <a:schemeClr val="accent1"/>
+            </a:effectRef>
+            <a:fontRef idx="minor">
+              <a:schemeClr val="lt1"/>
+            </a:fontRef>
+          </p:style>
+          <p:txBody>
+            <a:bodyPr rtlCol="0" anchor="ctr"/>
+            <a:lstStyle/>
+            <a:p>
+              <a:pPr algn="ctr"/>
+              <a:endParaRPr lang="en-PH"/>
+            </a:p>
+          </p:txBody>
+        </p:sp>
+      </p:grpSp>
+      <p:grpSp>
+        <p:nvGrpSpPr>
+          <p:cNvPr id="75" name="Group 74">
+            <a:extLst>
+              <a:ext uri="{FF2B5EF4-FFF2-40B4-BE49-F238E27FC236}">
+                <a16:creationId xmlns:a16="http://schemas.microsoft.com/office/drawing/2014/main" id="{39DF7A18-E3C2-475E-8B07-00758E961105}"/>
+              </a:ext>
+            </a:extLst>
+          </p:cNvPr>
+          <p:cNvGrpSpPr/>
+          <p:nvPr/>
+        </p:nvGrpSpPr>
+        <p:grpSpPr>
+          <a:xfrm>
+            <a:off x="9362796" y="3806824"/>
+            <a:ext cx="1918952" cy="750019"/>
+            <a:chOff x="9360959" y="3563274"/>
+            <a:chExt cx="1918952" cy="750019"/>
+          </a:xfrm>
+        </p:grpSpPr>
+        <p:sp>
+          <p:nvSpPr>
+            <p:cNvPr id="57" name="Rectangle 56">
+              <a:extLst>
+                <a:ext uri="{FF2B5EF4-FFF2-40B4-BE49-F238E27FC236}">
+                  <a16:creationId xmlns:a16="http://schemas.microsoft.com/office/drawing/2014/main" id="{50BD2A80-013E-4DE0-894B-220BF36B237B}"/>
+                </a:ext>
+              </a:extLst>
+            </p:cNvPr>
+            <p:cNvSpPr/>
+            <p:nvPr/>
+          </p:nvSpPr>
+          <p:spPr>
+            <a:xfrm rot="5400000">
+              <a:off x="10225549" y="2698684"/>
+              <a:ext cx="189771" cy="1918952"/>
+            </a:xfrm>
+            <a:prstGeom prst="rect">
+              <a:avLst/>
+            </a:prstGeom>
+            <a:solidFill>
+              <a:srgbClr val="FFC000"/>
+            </a:solidFill>
+            <a:ln>
+              <a:noFill/>
+            </a:ln>
+          </p:spPr>
+          <p:style>
+            <a:lnRef idx="2">
+              <a:schemeClr val="accent1">
+                <a:shade val="50000"/>
+              </a:schemeClr>
+            </a:lnRef>
+            <a:fillRef idx="1">
+              <a:schemeClr val="accent1"/>
+            </a:fillRef>
+            <a:effectRef idx="0">
+              <a:schemeClr val="accent1"/>
+            </a:effectRef>
+            <a:fontRef idx="minor">
+              <a:schemeClr val="lt1"/>
+            </a:fontRef>
+          </p:style>
+          <p:txBody>
+            <a:bodyPr rtlCol="0" anchor="ctr"/>
+            <a:lstStyle/>
+            <a:p>
+              <a:pPr algn="ctr"/>
+              <a:endParaRPr lang="en-PH"/>
+            </a:p>
+          </p:txBody>
+        </p:sp>
+        <p:sp>
+          <p:nvSpPr>
+            <p:cNvPr id="61" name="Rectangle 60">
+              <a:extLst>
+                <a:ext uri="{FF2B5EF4-FFF2-40B4-BE49-F238E27FC236}">
+                  <a16:creationId xmlns:a16="http://schemas.microsoft.com/office/drawing/2014/main" id="{8457673F-FFBF-4738-8343-AA81ECB8E208}"/>
+                </a:ext>
+              </a:extLst>
+            </p:cNvPr>
+            <p:cNvSpPr/>
+            <p:nvPr/>
+          </p:nvSpPr>
+          <p:spPr>
+            <a:xfrm>
+              <a:off x="10165858" y="3752905"/>
+              <a:ext cx="324046" cy="560388"/>
+            </a:xfrm>
+            <a:prstGeom prst="rect">
+              <a:avLst/>
+            </a:prstGeom>
+            <a:solidFill>
+              <a:srgbClr val="FFC000"/>
+            </a:solidFill>
+            <a:ln>
+              <a:noFill/>
+            </a:ln>
+          </p:spPr>
+          <p:style>
+            <a:lnRef idx="2">
+              <a:schemeClr val="accent1">
+                <a:shade val="50000"/>
+              </a:schemeClr>
+            </a:lnRef>
+            <a:fillRef idx="1">
+              <a:schemeClr val="accent1"/>
+            </a:fillRef>
+            <a:effectRef idx="0">
+              <a:schemeClr val="accent1"/>
+            </a:effectRef>
+            <a:fontRef idx="minor">
+              <a:schemeClr val="lt1"/>
+            </a:fontRef>
+          </p:style>
+          <p:txBody>
+            <a:bodyPr rtlCol="0" anchor="ctr"/>
+            <a:lstStyle/>
+            <a:p>
+              <a:pPr algn="ctr"/>
+              <a:endParaRPr lang="en-PH"/>
+            </a:p>
+          </p:txBody>
+        </p:sp>
+        <p:sp>
+          <p:nvSpPr>
+            <p:cNvPr id="64" name="Rectangle 63">
+              <a:extLst>
+                <a:ext uri="{FF2B5EF4-FFF2-40B4-BE49-F238E27FC236}">
+                  <a16:creationId xmlns:a16="http://schemas.microsoft.com/office/drawing/2014/main" id="{FFC26503-3D7C-4852-8447-A30112D40040}"/>
+                </a:ext>
+              </a:extLst>
+            </p:cNvPr>
+            <p:cNvSpPr/>
+            <p:nvPr/>
+          </p:nvSpPr>
+          <p:spPr>
+            <a:xfrm rot="5400000">
+              <a:off x="9624344" y="3647136"/>
+              <a:ext cx="65429" cy="356032"/>
+            </a:xfrm>
+            <a:prstGeom prst="rect">
+              <a:avLst/>
+            </a:prstGeom>
+            <a:solidFill>
+              <a:srgbClr val="FFC000"/>
+            </a:solidFill>
+            <a:ln>
+              <a:noFill/>
+            </a:ln>
+          </p:spPr>
+          <p:style>
+            <a:lnRef idx="2">
+              <a:schemeClr val="accent1">
+                <a:shade val="50000"/>
+              </a:schemeClr>
+            </a:lnRef>
+            <a:fillRef idx="1">
+              <a:schemeClr val="accent1"/>
+            </a:fillRef>
+            <a:effectRef idx="0">
+              <a:schemeClr val="accent1"/>
+            </a:effectRef>
+            <a:fontRef idx="minor">
+              <a:schemeClr val="lt1"/>
+            </a:fontRef>
+          </p:style>
+          <p:txBody>
+            <a:bodyPr rtlCol="0" anchor="ctr"/>
+            <a:lstStyle/>
+            <a:p>
+              <a:pPr algn="ctr"/>
+              <a:endParaRPr lang="en-PH"/>
+            </a:p>
+          </p:txBody>
+        </p:sp>
+        <p:sp>
+          <p:nvSpPr>
+            <p:cNvPr id="65" name="Rectangle 64">
+              <a:extLst>
+                <a:ext uri="{FF2B5EF4-FFF2-40B4-BE49-F238E27FC236}">
+                  <a16:creationId xmlns:a16="http://schemas.microsoft.com/office/drawing/2014/main" id="{90894C1C-4061-4456-8950-63F32858C41B}"/>
+                </a:ext>
+              </a:extLst>
+            </p:cNvPr>
+            <p:cNvSpPr/>
+            <p:nvPr/>
+          </p:nvSpPr>
+          <p:spPr>
+            <a:xfrm rot="5400000">
+              <a:off x="10958534" y="3639683"/>
+              <a:ext cx="65429" cy="370938"/>
+            </a:xfrm>
+            <a:prstGeom prst="rect">
+              <a:avLst/>
+            </a:prstGeom>
+            <a:solidFill>
+              <a:srgbClr val="FFC000"/>
+            </a:solidFill>
+            <a:ln>
+              <a:noFill/>
+            </a:ln>
+          </p:spPr>
+          <p:style>
+            <a:lnRef idx="2">
+              <a:schemeClr val="accent1">
+                <a:shade val="50000"/>
+              </a:schemeClr>
+            </a:lnRef>
+            <a:fillRef idx="1">
+              <a:schemeClr val="accent1"/>
+            </a:fillRef>
+            <a:effectRef idx="0">
+              <a:schemeClr val="accent1"/>
+            </a:effectRef>
+            <a:fontRef idx="minor">
+              <a:schemeClr val="lt1"/>
+            </a:fontRef>
+          </p:style>
+          <p:txBody>
+            <a:bodyPr rtlCol="0" anchor="ctr"/>
+            <a:lstStyle/>
+            <a:p>
+              <a:pPr algn="ctr"/>
+              <a:endParaRPr lang="en-PH"/>
+            </a:p>
+          </p:txBody>
+        </p:sp>
+        <p:sp>
+          <p:nvSpPr>
+            <p:cNvPr id="72" name="Rectangle 71">
+              <a:extLst>
+                <a:ext uri="{FF2B5EF4-FFF2-40B4-BE49-F238E27FC236}">
+                  <a16:creationId xmlns:a16="http://schemas.microsoft.com/office/drawing/2014/main" id="{C0694B68-D9D7-408E-A95D-1BC173030653}"/>
+                </a:ext>
+              </a:extLst>
+            </p:cNvPr>
+            <p:cNvSpPr/>
+            <p:nvPr/>
+          </p:nvSpPr>
+          <p:spPr>
+            <a:xfrm rot="5400000">
+              <a:off x="10165858" y="3465315"/>
+              <a:ext cx="324046" cy="1371910"/>
+            </a:xfrm>
+            <a:prstGeom prst="rect">
+              <a:avLst/>
+            </a:prstGeom>
+            <a:solidFill>
+              <a:srgbClr val="FFC000"/>
+            </a:solidFill>
+            <a:ln>
+              <a:noFill/>
+            </a:ln>
+          </p:spPr>
+          <p:style>
+            <a:lnRef idx="2">
+              <a:schemeClr val="accent1">
+                <a:shade val="50000"/>
+              </a:schemeClr>
+            </a:lnRef>
+            <a:fillRef idx="1">
+              <a:schemeClr val="accent1"/>
+            </a:fillRef>
+            <a:effectRef idx="0">
+              <a:schemeClr val="accent1"/>
+            </a:effectRef>
+            <a:fontRef idx="minor">
+              <a:schemeClr val="lt1"/>
+            </a:fontRef>
+          </p:style>
+          <p:txBody>
+            <a:bodyPr rtlCol="0" anchor="ctr"/>
+            <a:lstStyle/>
+            <a:p>
+              <a:pPr algn="ctr"/>
+              <a:endParaRPr lang="en-PH"/>
+            </a:p>
+          </p:txBody>
+        </p:sp>
+      </p:grpSp>
+      <p:sp>
+        <p:nvSpPr>
+          <p:cNvPr id="73" name="Rectangle 72">
+            <a:extLst>
+              <a:ext uri="{FF2B5EF4-FFF2-40B4-BE49-F238E27FC236}">
+                <a16:creationId xmlns:a16="http://schemas.microsoft.com/office/drawing/2014/main" id="{015E5CCB-6B37-4E96-AB63-5064296900BC}"/>
+              </a:ext>
+            </a:extLst>
+          </p:cNvPr>
+          <p:cNvSpPr/>
+          <p:nvPr/>
+        </p:nvSpPr>
+        <p:spPr>
+          <a:xfrm rot="5400000">
+            <a:off x="9735065" y="4511555"/>
+            <a:ext cx="137768" cy="324046"/>
+          </a:xfrm>
+          <a:prstGeom prst="rect">
+            <a:avLst/>
+          </a:prstGeom>
+          <a:solidFill>
+            <a:srgbClr val="FFC000"/>
+          </a:solidFill>
+          <a:ln>
+            <a:noFill/>
+          </a:ln>
+        </p:spPr>
+        <p:style>
+          <a:lnRef idx="2">
+            <a:schemeClr val="accent1">
+              <a:shade val="50000"/>
+            </a:schemeClr>
+          </a:lnRef>
+          <a:fillRef idx="1">
+            <a:schemeClr val="accent1"/>
+          </a:fillRef>
+          <a:effectRef idx="0">
+            <a:schemeClr val="accent1"/>
+          </a:effectRef>
+          <a:fontRef idx="minor">
+            <a:schemeClr val="lt1"/>
+          </a:fontRef>
+        </p:style>
+        <p:txBody>
+          <a:bodyPr rtlCol="0" anchor="ctr"/>
+          <a:lstStyle/>
+          <a:p>
+            <a:pPr algn="ctr"/>
+            <a:endParaRPr lang="en-PH"/>
+          </a:p>
+        </p:txBody>
+      </p:sp>
+      <p:sp>
+        <p:nvSpPr>
+          <p:cNvPr id="74" name="Rectangle 73">
+            <a:extLst>
+              <a:ext uri="{FF2B5EF4-FFF2-40B4-BE49-F238E27FC236}">
+                <a16:creationId xmlns:a16="http://schemas.microsoft.com/office/drawing/2014/main" id="{3B4C58E8-2C9F-4D40-8ED8-043A0A4D462C}"/>
+              </a:ext>
+            </a:extLst>
+          </p:cNvPr>
+          <p:cNvSpPr/>
+          <p:nvPr/>
+        </p:nvSpPr>
+        <p:spPr>
+          <a:xfrm rot="5400000">
+            <a:off x="10782929" y="4511555"/>
+            <a:ext cx="137768" cy="324046"/>
+          </a:xfrm>
+          <a:prstGeom prst="rect">
+            <a:avLst/>
+          </a:prstGeom>
+          <a:solidFill>
+            <a:srgbClr val="FFC000"/>
+          </a:solidFill>
+          <a:ln>
+            <a:noFill/>
+          </a:ln>
+        </p:spPr>
+        <p:style>
+          <a:lnRef idx="2">
+            <a:schemeClr val="accent1">
+              <a:shade val="50000"/>
+            </a:schemeClr>
+          </a:lnRef>
+          <a:fillRef idx="1">
+            <a:schemeClr val="accent1"/>
+          </a:fillRef>
+          <a:effectRef idx="0">
+            <a:schemeClr val="accent1"/>
+          </a:effectRef>
+          <a:fontRef idx="minor">
+            <a:schemeClr val="lt1"/>
+          </a:fontRef>
+        </p:style>
+        <p:txBody>
+          <a:bodyPr rtlCol="0" anchor="ctr"/>
+          <a:lstStyle/>
+          <a:p>
+            <a:pPr algn="ctr"/>
+            <a:endParaRPr lang="en-PH"/>
+          </a:p>
+        </p:txBody>
+      </p:sp>
     </p:spTree>
     <p:extLst>
       <p:ext uri="{BB962C8B-B14F-4D97-AF65-F5344CB8AC3E}">
@@ -4707,6 +6761,1464 @@
 </file>
 
 <file path=ppt/slides/slide3.xml><?xml version="1.0" encoding="utf-8"?>
+<p:sld xmlns:a="http://schemas.openxmlformats.org/drawingml/2006/main" xmlns:r="http://schemas.openxmlformats.org/officeDocument/2006/relationships" xmlns:p="http://schemas.openxmlformats.org/presentationml/2006/main">
+  <p:cSld>
+    <p:spTree>
+      <p:nvGrpSpPr>
+        <p:cNvPr id="1" name=""/>
+        <p:cNvGrpSpPr/>
+        <p:nvPr/>
+      </p:nvGrpSpPr>
+      <p:grpSpPr>
+        <a:xfrm>
+          <a:off x="0" y="0"/>
+          <a:ext cx="0" cy="0"/>
+          <a:chOff x="0" y="0"/>
+          <a:chExt cx="0" cy="0"/>
+        </a:xfrm>
+      </p:grpSpPr>
+      <p:grpSp>
+        <p:nvGrpSpPr>
+          <p:cNvPr id="23" name="Group 22">
+            <a:extLst>
+              <a:ext uri="{FF2B5EF4-FFF2-40B4-BE49-F238E27FC236}">
+                <a16:creationId xmlns:a16="http://schemas.microsoft.com/office/drawing/2014/main" id="{37E70906-3BC3-448F-AD26-B9A802D2D2FA}"/>
+              </a:ext>
+            </a:extLst>
+          </p:cNvPr>
+          <p:cNvGrpSpPr/>
+          <p:nvPr/>
+        </p:nvGrpSpPr>
+        <p:grpSpPr>
+          <a:xfrm>
+            <a:off x="1760592" y="1108386"/>
+            <a:ext cx="3746688" cy="3746688"/>
+            <a:chOff x="4284885" y="1676400"/>
+            <a:chExt cx="3187700" cy="3187700"/>
+          </a:xfrm>
+        </p:grpSpPr>
+        <p:sp>
+          <p:nvSpPr>
+            <p:cNvPr id="24" name="Rectangle: Rounded Corners 23">
+              <a:extLst>
+                <a:ext uri="{FF2B5EF4-FFF2-40B4-BE49-F238E27FC236}">
+                  <a16:creationId xmlns:a16="http://schemas.microsoft.com/office/drawing/2014/main" id="{60A7B56E-269A-4D12-94AC-BDDF4FE9FEF8}"/>
+                </a:ext>
+              </a:extLst>
+            </p:cNvPr>
+            <p:cNvSpPr/>
+            <p:nvPr/>
+          </p:nvSpPr>
+          <p:spPr>
+            <a:xfrm>
+              <a:off x="4284885" y="1676400"/>
+              <a:ext cx="3187700" cy="3187700"/>
+            </a:xfrm>
+            <a:prstGeom prst="roundRect">
+              <a:avLst/>
+            </a:prstGeom>
+            <a:solidFill>
+              <a:schemeClr val="bg1"/>
+            </a:solidFill>
+            <a:ln>
+              <a:noFill/>
+            </a:ln>
+          </p:spPr>
+          <p:style>
+            <a:lnRef idx="2">
+              <a:schemeClr val="accent1">
+                <a:shade val="50000"/>
+              </a:schemeClr>
+            </a:lnRef>
+            <a:fillRef idx="1">
+              <a:schemeClr val="accent1"/>
+            </a:fillRef>
+            <a:effectRef idx="0">
+              <a:schemeClr val="accent1"/>
+            </a:effectRef>
+            <a:fontRef idx="minor">
+              <a:schemeClr val="lt1"/>
+            </a:fontRef>
+          </p:style>
+          <p:txBody>
+            <a:bodyPr rtlCol="0" anchor="ctr"/>
+            <a:lstStyle/>
+            <a:p>
+              <a:pPr algn="ctr"/>
+              <a:endParaRPr lang="en-PH"/>
+            </a:p>
+          </p:txBody>
+        </p:sp>
+        <p:grpSp>
+          <p:nvGrpSpPr>
+            <p:cNvPr id="25" name="Group 24">
+              <a:extLst>
+                <a:ext uri="{FF2B5EF4-FFF2-40B4-BE49-F238E27FC236}">
+                  <a16:creationId xmlns:a16="http://schemas.microsoft.com/office/drawing/2014/main" id="{EE2D8DFD-8157-4C48-9A97-0F0FC72E0AAD}"/>
+                </a:ext>
+              </a:extLst>
+            </p:cNvPr>
+            <p:cNvGrpSpPr/>
+            <p:nvPr/>
+          </p:nvGrpSpPr>
+          <p:grpSpPr>
+            <a:xfrm>
+              <a:off x="4624182" y="1940880"/>
+              <a:ext cx="2509106" cy="2649215"/>
+              <a:chOff x="3807110" y="2057430"/>
+              <a:chExt cx="2509106" cy="2649215"/>
+            </a:xfrm>
+            <a:solidFill>
+              <a:srgbClr val="FF9F11"/>
+            </a:solidFill>
+          </p:grpSpPr>
+          <p:sp>
+            <p:nvSpPr>
+              <p:cNvPr id="26" name="Block Arc 25">
+                <a:extLst>
+                  <a:ext uri="{FF2B5EF4-FFF2-40B4-BE49-F238E27FC236}">
+                    <a16:creationId xmlns:a16="http://schemas.microsoft.com/office/drawing/2014/main" id="{4F7F987E-E7D0-4B61-81B2-01B2E375FCCF}"/>
+                  </a:ext>
+                </a:extLst>
+              </p:cNvPr>
+              <p:cNvSpPr/>
+              <p:nvPr/>
+            </p:nvSpPr>
+            <p:spPr>
+              <a:xfrm>
+                <a:off x="4261400" y="2787693"/>
+                <a:ext cx="1539025" cy="1918952"/>
+              </a:xfrm>
+              <a:prstGeom prst="blockArc">
+                <a:avLst>
+                  <a:gd name="adj1" fmla="val 10800000"/>
+                  <a:gd name="adj2" fmla="val 21361144"/>
+                  <a:gd name="adj3" fmla="val 21000"/>
+                </a:avLst>
+              </a:prstGeom>
+              <a:grpFill/>
+              <a:ln>
+                <a:noFill/>
+              </a:ln>
+            </p:spPr>
+            <p:style>
+              <a:lnRef idx="2">
+                <a:schemeClr val="accent1">
+                  <a:shade val="50000"/>
+                </a:schemeClr>
+              </a:lnRef>
+              <a:fillRef idx="1">
+                <a:schemeClr val="accent1"/>
+              </a:fillRef>
+              <a:effectRef idx="0">
+                <a:schemeClr val="accent1"/>
+              </a:effectRef>
+              <a:fontRef idx="minor">
+                <a:schemeClr val="lt1"/>
+              </a:fontRef>
+            </p:style>
+            <p:txBody>
+              <a:bodyPr rtlCol="0" anchor="ctr"/>
+              <a:lstStyle/>
+              <a:p>
+                <a:pPr algn="ctr"/>
+                <a:endParaRPr lang="en-PH">
+                  <a:solidFill>
+                    <a:schemeClr val="tx1"/>
+                  </a:solidFill>
+                </a:endParaRPr>
+              </a:p>
+            </p:txBody>
+          </p:sp>
+          <p:grpSp>
+            <p:nvGrpSpPr>
+              <p:cNvPr id="27" name="Group 26">
+                <a:extLst>
+                  <a:ext uri="{FF2B5EF4-FFF2-40B4-BE49-F238E27FC236}">
+                    <a16:creationId xmlns:a16="http://schemas.microsoft.com/office/drawing/2014/main" id="{F580EB15-06A5-422F-89EB-80ADD59575BB}"/>
+                  </a:ext>
+                </a:extLst>
+              </p:cNvPr>
+              <p:cNvGrpSpPr/>
+              <p:nvPr/>
+            </p:nvGrpSpPr>
+            <p:grpSpPr>
+              <a:xfrm>
+                <a:off x="3807110" y="2057430"/>
+                <a:ext cx="2509106" cy="1053414"/>
+                <a:chOff x="5197760" y="2642265"/>
+                <a:chExt cx="2509106" cy="1053414"/>
+              </a:xfrm>
+              <a:grpFill/>
+            </p:grpSpPr>
+            <p:sp>
+              <p:nvSpPr>
+                <p:cNvPr id="31" name="Rectangle 30">
+                  <a:extLst>
+                    <a:ext uri="{FF2B5EF4-FFF2-40B4-BE49-F238E27FC236}">
+                      <a16:creationId xmlns:a16="http://schemas.microsoft.com/office/drawing/2014/main" id="{644BA322-CF77-4AE0-9DAA-36A5E9387816}"/>
+                    </a:ext>
+                  </a:extLst>
+                </p:cNvPr>
+                <p:cNvSpPr/>
+                <p:nvPr/>
+              </p:nvSpPr>
+              <p:spPr>
+                <a:xfrm rot="5400000">
+                  <a:off x="5566259" y="2422888"/>
+                  <a:ext cx="294587" cy="1031585"/>
+                </a:xfrm>
+                <a:prstGeom prst="rect">
+                  <a:avLst/>
+                </a:prstGeom>
+                <a:grpFill/>
+                <a:ln>
+                  <a:noFill/>
+                </a:ln>
+              </p:spPr>
+              <p:style>
+                <a:lnRef idx="2">
+                  <a:schemeClr val="accent1">
+                    <a:shade val="50000"/>
+                  </a:schemeClr>
+                </a:lnRef>
+                <a:fillRef idx="1">
+                  <a:schemeClr val="accent1"/>
+                </a:fillRef>
+                <a:effectRef idx="0">
+                  <a:schemeClr val="accent1"/>
+                </a:effectRef>
+                <a:fontRef idx="minor">
+                  <a:schemeClr val="lt1"/>
+                </a:fontRef>
+              </p:style>
+              <p:txBody>
+                <a:bodyPr rtlCol="0" anchor="ctr"/>
+                <a:lstStyle/>
+                <a:p>
+                  <a:pPr algn="ctr"/>
+                  <a:endParaRPr lang="en-PH"/>
+                </a:p>
+              </p:txBody>
+            </p:sp>
+            <p:sp>
+              <p:nvSpPr>
+                <p:cNvPr id="32" name="Rectangle 31">
+                  <a:extLst>
+                    <a:ext uri="{FF2B5EF4-FFF2-40B4-BE49-F238E27FC236}">
+                      <a16:creationId xmlns:a16="http://schemas.microsoft.com/office/drawing/2014/main" id="{7A25D12D-E88A-4894-8C63-D01D48033FE7}"/>
+                    </a:ext>
+                  </a:extLst>
+                </p:cNvPr>
+                <p:cNvSpPr/>
+                <p:nvPr/>
+              </p:nvSpPr>
+              <p:spPr>
+                <a:xfrm rot="16200000">
+                  <a:off x="7043780" y="2422887"/>
+                  <a:ext cx="294587" cy="1031585"/>
+                </a:xfrm>
+                <a:prstGeom prst="rect">
+                  <a:avLst/>
+                </a:prstGeom>
+                <a:grpFill/>
+                <a:ln>
+                  <a:noFill/>
+                </a:ln>
+              </p:spPr>
+              <p:style>
+                <a:lnRef idx="2">
+                  <a:schemeClr val="accent1">
+                    <a:shade val="50000"/>
+                  </a:schemeClr>
+                </a:lnRef>
+                <a:fillRef idx="1">
+                  <a:schemeClr val="accent1"/>
+                </a:fillRef>
+                <a:effectRef idx="0">
+                  <a:schemeClr val="accent1"/>
+                </a:effectRef>
+                <a:fontRef idx="minor">
+                  <a:schemeClr val="lt1"/>
+                </a:fontRef>
+              </p:style>
+              <p:txBody>
+                <a:bodyPr rtlCol="0" anchor="ctr"/>
+                <a:lstStyle/>
+                <a:p>
+                  <a:pPr algn="ctr"/>
+                  <a:endParaRPr lang="en-PH"/>
+                </a:p>
+              </p:txBody>
+            </p:sp>
+            <p:sp>
+              <p:nvSpPr>
+                <p:cNvPr id="33" name="Freeform: Shape 32">
+                  <a:extLst>
+                    <a:ext uri="{FF2B5EF4-FFF2-40B4-BE49-F238E27FC236}">
+                      <a16:creationId xmlns:a16="http://schemas.microsoft.com/office/drawing/2014/main" id="{E7865B47-8FC6-4B5A-A71A-4B55FCAB6F0C}"/>
+                    </a:ext>
+                  </a:extLst>
+                </p:cNvPr>
+                <p:cNvSpPr/>
+                <p:nvPr/>
+              </p:nvSpPr>
+              <p:spPr>
+                <a:xfrm>
+                  <a:off x="5894855" y="2642265"/>
+                  <a:ext cx="1053414" cy="1053414"/>
+                </a:xfrm>
+                <a:custGeom>
+                  <a:avLst/>
+                  <a:gdLst>
+                    <a:gd name="connsiteX0" fmla="*/ 579549 w 1159098"/>
+                    <a:gd name="connsiteY0" fmla="*/ 356193 h 1159098"/>
+                    <a:gd name="connsiteX1" fmla="*/ 356193 w 1159098"/>
+                    <a:gd name="connsiteY1" fmla="*/ 579549 h 1159098"/>
+                    <a:gd name="connsiteX2" fmla="*/ 579549 w 1159098"/>
+                    <a:gd name="connsiteY2" fmla="*/ 802905 h 1159098"/>
+                    <a:gd name="connsiteX3" fmla="*/ 802905 w 1159098"/>
+                    <a:gd name="connsiteY3" fmla="*/ 579549 h 1159098"/>
+                    <a:gd name="connsiteX4" fmla="*/ 579549 w 1159098"/>
+                    <a:gd name="connsiteY4" fmla="*/ 356193 h 1159098"/>
+                    <a:gd name="connsiteX5" fmla="*/ 579549 w 1159098"/>
+                    <a:gd name="connsiteY5" fmla="*/ 0 h 1159098"/>
+                    <a:gd name="connsiteX6" fmla="*/ 1159098 w 1159098"/>
+                    <a:gd name="connsiteY6" fmla="*/ 579549 h 1159098"/>
+                    <a:gd name="connsiteX7" fmla="*/ 579549 w 1159098"/>
+                    <a:gd name="connsiteY7" fmla="*/ 1159098 h 1159098"/>
+                    <a:gd name="connsiteX8" fmla="*/ 0 w 1159098"/>
+                    <a:gd name="connsiteY8" fmla="*/ 579549 h 1159098"/>
+                    <a:gd name="connsiteX9" fmla="*/ 579549 w 1159098"/>
+                    <a:gd name="connsiteY9" fmla="*/ 0 h 1159098"/>
+                  </a:gdLst>
+                  <a:ahLst/>
+                  <a:cxnLst>
+                    <a:cxn ang="0">
+                      <a:pos x="connsiteX0" y="connsiteY0"/>
+                    </a:cxn>
+                    <a:cxn ang="0">
+                      <a:pos x="connsiteX1" y="connsiteY1"/>
+                    </a:cxn>
+                    <a:cxn ang="0">
+                      <a:pos x="connsiteX2" y="connsiteY2"/>
+                    </a:cxn>
+                    <a:cxn ang="0">
+                      <a:pos x="connsiteX3" y="connsiteY3"/>
+                    </a:cxn>
+                    <a:cxn ang="0">
+                      <a:pos x="connsiteX4" y="connsiteY4"/>
+                    </a:cxn>
+                    <a:cxn ang="0">
+                      <a:pos x="connsiteX5" y="connsiteY5"/>
+                    </a:cxn>
+                    <a:cxn ang="0">
+                      <a:pos x="connsiteX6" y="connsiteY6"/>
+                    </a:cxn>
+                    <a:cxn ang="0">
+                      <a:pos x="connsiteX7" y="connsiteY7"/>
+                    </a:cxn>
+                    <a:cxn ang="0">
+                      <a:pos x="connsiteX8" y="connsiteY8"/>
+                    </a:cxn>
+                    <a:cxn ang="0">
+                      <a:pos x="connsiteX9" y="connsiteY9"/>
+                    </a:cxn>
+                  </a:cxnLst>
+                  <a:rect l="l" t="t" r="r" b="b"/>
+                  <a:pathLst>
+                    <a:path w="1159098" h="1159098">
+                      <a:moveTo>
+                        <a:pt x="579549" y="356193"/>
+                      </a:moveTo>
+                      <a:cubicBezTo>
+                        <a:pt x="456193" y="356193"/>
+                        <a:pt x="356193" y="456193"/>
+                        <a:pt x="356193" y="579549"/>
+                      </a:cubicBezTo>
+                      <a:cubicBezTo>
+                        <a:pt x="356193" y="702905"/>
+                        <a:pt x="456193" y="802905"/>
+                        <a:pt x="579549" y="802905"/>
+                      </a:cubicBezTo>
+                      <a:cubicBezTo>
+                        <a:pt x="702905" y="802905"/>
+                        <a:pt x="802905" y="702905"/>
+                        <a:pt x="802905" y="579549"/>
+                      </a:cubicBezTo>
+                      <a:cubicBezTo>
+                        <a:pt x="802905" y="456193"/>
+                        <a:pt x="702905" y="356193"/>
+                        <a:pt x="579549" y="356193"/>
+                      </a:cubicBezTo>
+                      <a:close/>
+                      <a:moveTo>
+                        <a:pt x="579549" y="0"/>
+                      </a:moveTo>
+                      <a:cubicBezTo>
+                        <a:pt x="899625" y="0"/>
+                        <a:pt x="1159098" y="259473"/>
+                        <a:pt x="1159098" y="579549"/>
+                      </a:cubicBezTo>
+                      <a:cubicBezTo>
+                        <a:pt x="1159098" y="899625"/>
+                        <a:pt x="899625" y="1159098"/>
+                        <a:pt x="579549" y="1159098"/>
+                      </a:cubicBezTo>
+                      <a:cubicBezTo>
+                        <a:pt x="259473" y="1159098"/>
+                        <a:pt x="0" y="899625"/>
+                        <a:pt x="0" y="579549"/>
+                      </a:cubicBezTo>
+                      <a:cubicBezTo>
+                        <a:pt x="0" y="259473"/>
+                        <a:pt x="259473" y="0"/>
+                        <a:pt x="579549" y="0"/>
+                      </a:cubicBezTo>
+                      <a:close/>
+                    </a:path>
+                  </a:pathLst>
+                </a:custGeom>
+                <a:grpFill/>
+                <a:ln>
+                  <a:noFill/>
+                </a:ln>
+              </p:spPr>
+              <p:style>
+                <a:lnRef idx="2">
+                  <a:schemeClr val="accent1">
+                    <a:shade val="50000"/>
+                  </a:schemeClr>
+                </a:lnRef>
+                <a:fillRef idx="1">
+                  <a:schemeClr val="accent1"/>
+                </a:fillRef>
+                <a:effectRef idx="0">
+                  <a:schemeClr val="accent1"/>
+                </a:effectRef>
+                <a:fontRef idx="minor">
+                  <a:schemeClr val="lt1"/>
+                </a:fontRef>
+              </p:style>
+              <p:txBody>
+                <a:bodyPr rtlCol="0" anchor="ctr"/>
+                <a:lstStyle/>
+                <a:p>
+                  <a:pPr algn="ctr"/>
+                  <a:endParaRPr lang="en-PH"/>
+                </a:p>
+              </p:txBody>
+            </p:sp>
+          </p:grpSp>
+          <p:sp>
+            <p:nvSpPr>
+              <p:cNvPr id="28" name="Rectangle 27">
+                <a:extLst>
+                  <a:ext uri="{FF2B5EF4-FFF2-40B4-BE49-F238E27FC236}">
+                    <a16:creationId xmlns:a16="http://schemas.microsoft.com/office/drawing/2014/main" id="{29535F69-7D49-4BED-AC30-44AF4EB8D815}"/>
+                  </a:ext>
+                </a:extLst>
+              </p:cNvPr>
+              <p:cNvSpPr/>
+              <p:nvPr/>
+            </p:nvSpPr>
+            <p:spPr>
+              <a:xfrm>
+                <a:off x="5476379" y="3673495"/>
+                <a:ext cx="324046" cy="656126"/>
+              </a:xfrm>
+              <a:prstGeom prst="rect">
+                <a:avLst/>
+              </a:prstGeom>
+              <a:grpFill/>
+              <a:ln>
+                <a:noFill/>
+              </a:ln>
+            </p:spPr>
+            <p:style>
+              <a:lnRef idx="2">
+                <a:schemeClr val="accent1">
+                  <a:shade val="50000"/>
+                </a:schemeClr>
+              </a:lnRef>
+              <a:fillRef idx="1">
+                <a:schemeClr val="accent1"/>
+              </a:fillRef>
+              <a:effectRef idx="0">
+                <a:schemeClr val="accent1"/>
+              </a:effectRef>
+              <a:fontRef idx="minor">
+                <a:schemeClr val="lt1"/>
+              </a:fontRef>
+            </p:style>
+            <p:txBody>
+              <a:bodyPr rtlCol="0" anchor="ctr"/>
+              <a:lstStyle/>
+              <a:p>
+                <a:pPr algn="ctr"/>
+                <a:endParaRPr lang="en-PH"/>
+              </a:p>
+            </p:txBody>
+          </p:sp>
+          <p:sp>
+            <p:nvSpPr>
+              <p:cNvPr id="29" name="Rectangle 28">
+                <a:extLst>
+                  <a:ext uri="{FF2B5EF4-FFF2-40B4-BE49-F238E27FC236}">
+                    <a16:creationId xmlns:a16="http://schemas.microsoft.com/office/drawing/2014/main" id="{D10352A8-1F78-4F3C-9509-B56324CF1B72}"/>
+                  </a:ext>
+                </a:extLst>
+              </p:cNvPr>
+              <p:cNvSpPr/>
+              <p:nvPr/>
+            </p:nvSpPr>
+            <p:spPr>
+              <a:xfrm>
+                <a:off x="4261400" y="3744787"/>
+                <a:ext cx="324046" cy="584833"/>
+              </a:xfrm>
+              <a:prstGeom prst="rect">
+                <a:avLst/>
+              </a:prstGeom>
+              <a:grpFill/>
+              <a:ln>
+                <a:noFill/>
+              </a:ln>
+            </p:spPr>
+            <p:style>
+              <a:lnRef idx="2">
+                <a:schemeClr val="accent1">
+                  <a:shade val="50000"/>
+                </a:schemeClr>
+              </a:lnRef>
+              <a:fillRef idx="1">
+                <a:schemeClr val="accent1"/>
+              </a:fillRef>
+              <a:effectRef idx="0">
+                <a:schemeClr val="accent1"/>
+              </a:effectRef>
+              <a:fontRef idx="minor">
+                <a:schemeClr val="lt1"/>
+              </a:fontRef>
+            </p:style>
+            <p:txBody>
+              <a:bodyPr rtlCol="0" anchor="ctr"/>
+              <a:lstStyle/>
+              <a:p>
+                <a:pPr algn="ctr"/>
+                <a:endParaRPr lang="en-PH"/>
+              </a:p>
+            </p:txBody>
+          </p:sp>
+          <p:sp>
+            <p:nvSpPr>
+              <p:cNvPr id="30" name="Rectangle 29">
+                <a:extLst>
+                  <a:ext uri="{FF2B5EF4-FFF2-40B4-BE49-F238E27FC236}">
+                    <a16:creationId xmlns:a16="http://schemas.microsoft.com/office/drawing/2014/main" id="{9291FAC8-49B7-42FF-9E50-122238A3F819}"/>
+                  </a:ext>
+                </a:extLst>
+              </p:cNvPr>
+              <p:cNvSpPr/>
+              <p:nvPr/>
+            </p:nvSpPr>
+            <p:spPr>
+              <a:xfrm>
+                <a:off x="4868889" y="3744787"/>
+                <a:ext cx="324046" cy="961858"/>
+              </a:xfrm>
+              <a:prstGeom prst="rect">
+                <a:avLst/>
+              </a:prstGeom>
+              <a:grpFill/>
+              <a:ln>
+                <a:noFill/>
+              </a:ln>
+            </p:spPr>
+            <p:style>
+              <a:lnRef idx="2">
+                <a:schemeClr val="accent1">
+                  <a:shade val="50000"/>
+                </a:schemeClr>
+              </a:lnRef>
+              <a:fillRef idx="1">
+                <a:schemeClr val="accent1"/>
+              </a:fillRef>
+              <a:effectRef idx="0">
+                <a:schemeClr val="accent1"/>
+              </a:effectRef>
+              <a:fontRef idx="minor">
+                <a:schemeClr val="lt1"/>
+              </a:fontRef>
+            </p:style>
+            <p:txBody>
+              <a:bodyPr rtlCol="0" anchor="ctr"/>
+              <a:lstStyle/>
+              <a:p>
+                <a:pPr algn="ctr"/>
+                <a:endParaRPr lang="en-PH"/>
+              </a:p>
+            </p:txBody>
+          </p:sp>
+        </p:grpSp>
+      </p:grpSp>
+      <p:grpSp>
+        <p:nvGrpSpPr>
+          <p:cNvPr id="34" name="Group 33">
+            <a:extLst>
+              <a:ext uri="{FF2B5EF4-FFF2-40B4-BE49-F238E27FC236}">
+                <a16:creationId xmlns:a16="http://schemas.microsoft.com/office/drawing/2014/main" id="{9B852690-7686-4EA5-BCDF-A2DD0E90EC28}"/>
+              </a:ext>
+            </a:extLst>
+          </p:cNvPr>
+          <p:cNvGrpSpPr/>
+          <p:nvPr/>
+        </p:nvGrpSpPr>
+        <p:grpSpPr>
+          <a:xfrm>
+            <a:off x="6323132" y="1108386"/>
+            <a:ext cx="3746688" cy="3746688"/>
+            <a:chOff x="1858164" y="1246563"/>
+            <a:chExt cx="3746688" cy="3746688"/>
+          </a:xfrm>
+        </p:grpSpPr>
+        <p:sp>
+          <p:nvSpPr>
+            <p:cNvPr id="21" name="Rectangle: Rounded Corners 20">
+              <a:extLst>
+                <a:ext uri="{FF2B5EF4-FFF2-40B4-BE49-F238E27FC236}">
+                  <a16:creationId xmlns:a16="http://schemas.microsoft.com/office/drawing/2014/main" id="{B0401159-17A0-42CF-AA0B-73E6F2A7C4D5}"/>
+                </a:ext>
+              </a:extLst>
+            </p:cNvPr>
+            <p:cNvSpPr/>
+            <p:nvPr/>
+          </p:nvSpPr>
+          <p:spPr>
+            <a:xfrm>
+              <a:off x="1858164" y="1246563"/>
+              <a:ext cx="3746688" cy="3746688"/>
+            </a:xfrm>
+            <a:prstGeom prst="roundRect">
+              <a:avLst/>
+            </a:prstGeom>
+            <a:solidFill>
+              <a:schemeClr val="bg1"/>
+            </a:solidFill>
+            <a:ln>
+              <a:noFill/>
+            </a:ln>
+          </p:spPr>
+          <p:style>
+            <a:lnRef idx="2">
+              <a:schemeClr val="accent1">
+                <a:shade val="50000"/>
+              </a:schemeClr>
+            </a:lnRef>
+            <a:fillRef idx="1">
+              <a:schemeClr val="accent1"/>
+            </a:fillRef>
+            <a:effectRef idx="0">
+              <a:schemeClr val="accent1"/>
+            </a:effectRef>
+            <a:fontRef idx="minor">
+              <a:schemeClr val="lt1"/>
+            </a:fontRef>
+          </p:style>
+          <p:txBody>
+            <a:bodyPr rtlCol="0" anchor="ctr"/>
+            <a:lstStyle/>
+            <a:p>
+              <a:pPr algn="ctr"/>
+              <a:endParaRPr lang="en-PH"/>
+            </a:p>
+          </p:txBody>
+        </p:sp>
+        <p:grpSp>
+          <p:nvGrpSpPr>
+            <p:cNvPr id="20" name="Group 19">
+              <a:extLst>
+                <a:ext uri="{FF2B5EF4-FFF2-40B4-BE49-F238E27FC236}">
+                  <a16:creationId xmlns:a16="http://schemas.microsoft.com/office/drawing/2014/main" id="{2763638A-4058-408D-A4BC-7C73D97F413E}"/>
+                </a:ext>
+              </a:extLst>
+            </p:cNvPr>
+            <p:cNvGrpSpPr/>
+            <p:nvPr/>
+          </p:nvGrpSpPr>
+          <p:grpSpPr>
+            <a:xfrm>
+              <a:off x="2556790" y="1701991"/>
+              <a:ext cx="2345763" cy="2835831"/>
+              <a:chOff x="4392500" y="2082070"/>
+              <a:chExt cx="2345763" cy="2835831"/>
+            </a:xfrm>
+            <a:solidFill>
+              <a:srgbClr val="FF9F11"/>
+            </a:solidFill>
+          </p:grpSpPr>
+          <p:sp>
+            <p:nvSpPr>
+              <p:cNvPr id="4" name="Rectangle 3">
+                <a:extLst>
+                  <a:ext uri="{FF2B5EF4-FFF2-40B4-BE49-F238E27FC236}">
+                    <a16:creationId xmlns:a16="http://schemas.microsoft.com/office/drawing/2014/main" id="{C48962A3-0342-4165-8C9B-39859761A253}"/>
+                  </a:ext>
+                </a:extLst>
+              </p:cNvPr>
+              <p:cNvSpPr/>
+              <p:nvPr/>
+            </p:nvSpPr>
+            <p:spPr>
+              <a:xfrm>
+                <a:off x="4879426" y="3101213"/>
+                <a:ext cx="324046" cy="966210"/>
+              </a:xfrm>
+              <a:prstGeom prst="rect">
+                <a:avLst/>
+              </a:prstGeom>
+              <a:grpFill/>
+              <a:ln>
+                <a:noFill/>
+              </a:ln>
+            </p:spPr>
+            <p:style>
+              <a:lnRef idx="2">
+                <a:schemeClr val="accent1">
+                  <a:shade val="50000"/>
+                </a:schemeClr>
+              </a:lnRef>
+              <a:fillRef idx="1">
+                <a:schemeClr val="accent1"/>
+              </a:fillRef>
+              <a:effectRef idx="0">
+                <a:schemeClr val="accent1"/>
+              </a:effectRef>
+              <a:fontRef idx="minor">
+                <a:schemeClr val="lt1"/>
+              </a:fontRef>
+            </p:style>
+            <p:txBody>
+              <a:bodyPr rtlCol="0" anchor="ctr"/>
+              <a:lstStyle/>
+              <a:p>
+                <a:pPr algn="ctr"/>
+                <a:endParaRPr lang="en-PH"/>
+              </a:p>
+            </p:txBody>
+          </p:sp>
+          <p:sp>
+            <p:nvSpPr>
+              <p:cNvPr id="5" name="Rectangle 4">
+                <a:extLst>
+                  <a:ext uri="{FF2B5EF4-FFF2-40B4-BE49-F238E27FC236}">
+                    <a16:creationId xmlns:a16="http://schemas.microsoft.com/office/drawing/2014/main" id="{8906C914-871E-43A2-9175-1BB7194C7089}"/>
+                  </a:ext>
+                </a:extLst>
+              </p:cNvPr>
+              <p:cNvSpPr/>
+              <p:nvPr/>
+            </p:nvSpPr>
+            <p:spPr>
+              <a:xfrm>
+                <a:off x="5927290" y="3101213"/>
+                <a:ext cx="324046" cy="966210"/>
+              </a:xfrm>
+              <a:prstGeom prst="rect">
+                <a:avLst/>
+              </a:prstGeom>
+              <a:grpFill/>
+              <a:ln>
+                <a:noFill/>
+              </a:ln>
+            </p:spPr>
+            <p:style>
+              <a:lnRef idx="2">
+                <a:schemeClr val="accent1">
+                  <a:shade val="50000"/>
+                </a:schemeClr>
+              </a:lnRef>
+              <a:fillRef idx="1">
+                <a:schemeClr val="accent1"/>
+              </a:fillRef>
+              <a:effectRef idx="0">
+                <a:schemeClr val="accent1"/>
+              </a:effectRef>
+              <a:fontRef idx="minor">
+                <a:schemeClr val="lt1"/>
+              </a:fontRef>
+            </p:style>
+            <p:txBody>
+              <a:bodyPr rtlCol="0" anchor="ctr"/>
+              <a:lstStyle/>
+              <a:p>
+                <a:pPr algn="ctr"/>
+                <a:endParaRPr lang="en-PH"/>
+              </a:p>
+            </p:txBody>
+          </p:sp>
+          <p:sp>
+            <p:nvSpPr>
+              <p:cNvPr id="6" name="Rectangle: Rounded Corners 5">
+                <a:extLst>
+                  <a:ext uri="{FF2B5EF4-FFF2-40B4-BE49-F238E27FC236}">
+                    <a16:creationId xmlns:a16="http://schemas.microsoft.com/office/drawing/2014/main" id="{43466D5B-4EEA-40EF-851E-E5AD7E8145F1}"/>
+                  </a:ext>
+                </a:extLst>
+              </p:cNvPr>
+              <p:cNvSpPr/>
+              <p:nvPr/>
+            </p:nvSpPr>
+            <p:spPr>
+              <a:xfrm>
+                <a:off x="5392141" y="3165861"/>
+                <a:ext cx="335263" cy="1752040"/>
+              </a:xfrm>
+              <a:prstGeom prst="roundRect">
+                <a:avLst>
+                  <a:gd name="adj" fmla="val 50000"/>
+                </a:avLst>
+              </a:prstGeom>
+              <a:grpFill/>
+              <a:ln>
+                <a:noFill/>
+              </a:ln>
+            </p:spPr>
+            <p:style>
+              <a:lnRef idx="2">
+                <a:schemeClr val="accent1">
+                  <a:shade val="50000"/>
+                </a:schemeClr>
+              </a:lnRef>
+              <a:fillRef idx="1">
+                <a:schemeClr val="accent1"/>
+              </a:fillRef>
+              <a:effectRef idx="0">
+                <a:schemeClr val="accent1"/>
+              </a:effectRef>
+              <a:fontRef idx="minor">
+                <a:schemeClr val="lt1"/>
+              </a:fontRef>
+            </p:style>
+            <p:txBody>
+              <a:bodyPr rtlCol="0" anchor="ctr"/>
+              <a:lstStyle/>
+              <a:p>
+                <a:pPr algn="ctr"/>
+                <a:endParaRPr lang="en-PH"/>
+              </a:p>
+            </p:txBody>
+          </p:sp>
+          <p:sp>
+            <p:nvSpPr>
+              <p:cNvPr id="7" name="Rectangle 6">
+                <a:extLst>
+                  <a:ext uri="{FF2B5EF4-FFF2-40B4-BE49-F238E27FC236}">
+                    <a16:creationId xmlns:a16="http://schemas.microsoft.com/office/drawing/2014/main" id="{AB0A3532-30F6-4B28-BA27-938FB7843186}"/>
+                  </a:ext>
+                </a:extLst>
+              </p:cNvPr>
+              <p:cNvSpPr/>
+              <p:nvPr/>
+            </p:nvSpPr>
+            <p:spPr>
+              <a:xfrm rot="10800000">
+                <a:off x="6300063" y="3593291"/>
+                <a:ext cx="65429" cy="474131"/>
+              </a:xfrm>
+              <a:prstGeom prst="rect">
+                <a:avLst/>
+              </a:prstGeom>
+              <a:grpFill/>
+              <a:ln>
+                <a:noFill/>
+              </a:ln>
+            </p:spPr>
+            <p:style>
+              <a:lnRef idx="2">
+                <a:schemeClr val="accent1">
+                  <a:shade val="50000"/>
+                </a:schemeClr>
+              </a:lnRef>
+              <a:fillRef idx="1">
+                <a:schemeClr val="accent1"/>
+              </a:fillRef>
+              <a:effectRef idx="0">
+                <a:schemeClr val="accent1"/>
+              </a:effectRef>
+              <a:fontRef idx="minor">
+                <a:schemeClr val="lt1"/>
+              </a:fontRef>
+            </p:style>
+            <p:txBody>
+              <a:bodyPr rtlCol="0" anchor="ctr"/>
+              <a:lstStyle/>
+              <a:p>
+                <a:pPr algn="ctr"/>
+                <a:endParaRPr lang="en-PH"/>
+              </a:p>
+            </p:txBody>
+          </p:sp>
+          <p:sp>
+            <p:nvSpPr>
+              <p:cNvPr id="8" name="Rectangle 7">
+                <a:extLst>
+                  <a:ext uri="{FF2B5EF4-FFF2-40B4-BE49-F238E27FC236}">
+                    <a16:creationId xmlns:a16="http://schemas.microsoft.com/office/drawing/2014/main" id="{270354D9-41AB-4877-9136-5938D0C23589}"/>
+                  </a:ext>
+                </a:extLst>
+              </p:cNvPr>
+              <p:cNvSpPr/>
+              <p:nvPr/>
+            </p:nvSpPr>
+            <p:spPr>
+              <a:xfrm rot="5400000">
+                <a:off x="6523366" y="3484144"/>
+                <a:ext cx="105750" cy="324045"/>
+              </a:xfrm>
+              <a:prstGeom prst="rect">
+                <a:avLst/>
+              </a:prstGeom>
+              <a:grpFill/>
+              <a:ln>
+                <a:noFill/>
+              </a:ln>
+            </p:spPr>
+            <p:style>
+              <a:lnRef idx="2">
+                <a:schemeClr val="accent1">
+                  <a:shade val="50000"/>
+                </a:schemeClr>
+              </a:lnRef>
+              <a:fillRef idx="1">
+                <a:schemeClr val="accent1"/>
+              </a:fillRef>
+              <a:effectRef idx="0">
+                <a:schemeClr val="accent1"/>
+              </a:effectRef>
+              <a:fontRef idx="minor">
+                <a:schemeClr val="lt1"/>
+              </a:fontRef>
+            </p:style>
+            <p:txBody>
+              <a:bodyPr rtlCol="0" anchor="ctr"/>
+              <a:lstStyle/>
+              <a:p>
+                <a:pPr algn="ctr"/>
+                <a:endParaRPr lang="en-PH"/>
+              </a:p>
+            </p:txBody>
+          </p:sp>
+          <p:grpSp>
+            <p:nvGrpSpPr>
+              <p:cNvPr id="9" name="Group 8">
+                <a:extLst>
+                  <a:ext uri="{FF2B5EF4-FFF2-40B4-BE49-F238E27FC236}">
+                    <a16:creationId xmlns:a16="http://schemas.microsoft.com/office/drawing/2014/main" id="{870516EA-70E1-426F-A967-9BC447D3F1EE}"/>
+                  </a:ext>
+                </a:extLst>
+              </p:cNvPr>
+              <p:cNvGrpSpPr/>
+              <p:nvPr/>
+            </p:nvGrpSpPr>
+            <p:grpSpPr>
+              <a:xfrm rot="10800000">
+                <a:off x="4392500" y="4067422"/>
+                <a:ext cx="438200" cy="474131"/>
+                <a:chOff x="9504710" y="4898161"/>
+                <a:chExt cx="438200" cy="474131"/>
+              </a:xfrm>
+              <a:grpFill/>
+            </p:grpSpPr>
+            <p:sp>
+              <p:nvSpPr>
+                <p:cNvPr id="10" name="Rectangle 9">
+                  <a:extLst>
+                    <a:ext uri="{FF2B5EF4-FFF2-40B4-BE49-F238E27FC236}">
+                      <a16:creationId xmlns:a16="http://schemas.microsoft.com/office/drawing/2014/main" id="{6F3D43D6-5453-4964-BD18-63F418181A62}"/>
+                    </a:ext>
+                  </a:extLst>
+                </p:cNvPr>
+                <p:cNvSpPr/>
+                <p:nvPr/>
+              </p:nvSpPr>
+              <p:spPr>
+                <a:xfrm rot="10800000">
+                  <a:off x="9504710" y="4898161"/>
+                  <a:ext cx="65429" cy="474131"/>
+                </a:xfrm>
+                <a:prstGeom prst="rect">
+                  <a:avLst/>
+                </a:prstGeom>
+                <a:grpFill/>
+                <a:ln>
+                  <a:noFill/>
+                </a:ln>
+              </p:spPr>
+              <p:style>
+                <a:lnRef idx="2">
+                  <a:schemeClr val="accent1">
+                    <a:shade val="50000"/>
+                  </a:schemeClr>
+                </a:lnRef>
+                <a:fillRef idx="1">
+                  <a:schemeClr val="accent1"/>
+                </a:fillRef>
+                <a:effectRef idx="0">
+                  <a:schemeClr val="accent1"/>
+                </a:effectRef>
+                <a:fontRef idx="minor">
+                  <a:schemeClr val="lt1"/>
+                </a:fontRef>
+              </p:style>
+              <p:txBody>
+                <a:bodyPr rtlCol="0" anchor="ctr"/>
+                <a:lstStyle/>
+                <a:p>
+                  <a:pPr algn="ctr"/>
+                  <a:endParaRPr lang="en-PH"/>
+                </a:p>
+              </p:txBody>
+            </p:sp>
+            <p:sp>
+              <p:nvSpPr>
+                <p:cNvPr id="11" name="Rectangle 10">
+                  <a:extLst>
+                    <a:ext uri="{FF2B5EF4-FFF2-40B4-BE49-F238E27FC236}">
+                      <a16:creationId xmlns:a16="http://schemas.microsoft.com/office/drawing/2014/main" id="{576660D3-64FA-40EE-86A8-2DD1C4AF095C}"/>
+                    </a:ext>
+                  </a:extLst>
+                </p:cNvPr>
+                <p:cNvSpPr/>
+                <p:nvPr/>
+              </p:nvSpPr>
+              <p:spPr>
+                <a:xfrm rot="5400000">
+                  <a:off x="9728013" y="4789014"/>
+                  <a:ext cx="105750" cy="324045"/>
+                </a:xfrm>
+                <a:prstGeom prst="rect">
+                  <a:avLst/>
+                </a:prstGeom>
+                <a:grpFill/>
+                <a:ln>
+                  <a:noFill/>
+                </a:ln>
+              </p:spPr>
+              <p:style>
+                <a:lnRef idx="2">
+                  <a:schemeClr val="accent1">
+                    <a:shade val="50000"/>
+                  </a:schemeClr>
+                </a:lnRef>
+                <a:fillRef idx="1">
+                  <a:schemeClr val="accent1"/>
+                </a:fillRef>
+                <a:effectRef idx="0">
+                  <a:schemeClr val="accent1"/>
+                </a:effectRef>
+                <a:fontRef idx="minor">
+                  <a:schemeClr val="lt1"/>
+                </a:fontRef>
+              </p:style>
+              <p:txBody>
+                <a:bodyPr rtlCol="0" anchor="ctr"/>
+                <a:lstStyle/>
+                <a:p>
+                  <a:pPr algn="ctr"/>
+                  <a:endParaRPr lang="en-PH"/>
+                </a:p>
+              </p:txBody>
+            </p:sp>
+          </p:grpSp>
+          <p:grpSp>
+            <p:nvGrpSpPr>
+              <p:cNvPr id="12" name="Group 11">
+                <a:extLst>
+                  <a:ext uri="{FF2B5EF4-FFF2-40B4-BE49-F238E27FC236}">
+                    <a16:creationId xmlns:a16="http://schemas.microsoft.com/office/drawing/2014/main" id="{3AABE754-1522-490A-8976-6D4CD09A4F57}"/>
+                  </a:ext>
+                </a:extLst>
+              </p:cNvPr>
+              <p:cNvGrpSpPr/>
+              <p:nvPr/>
+            </p:nvGrpSpPr>
+            <p:grpSpPr>
+              <a:xfrm>
+                <a:off x="4600296" y="2082070"/>
+                <a:ext cx="1918952" cy="773444"/>
+                <a:chOff x="9360959" y="3539849"/>
+                <a:chExt cx="1918952" cy="773444"/>
+              </a:xfrm>
+              <a:grpFill/>
+            </p:grpSpPr>
+            <p:sp>
+              <p:nvSpPr>
+                <p:cNvPr id="13" name="Rectangle 12">
+                  <a:extLst>
+                    <a:ext uri="{FF2B5EF4-FFF2-40B4-BE49-F238E27FC236}">
+                      <a16:creationId xmlns:a16="http://schemas.microsoft.com/office/drawing/2014/main" id="{D2B1B1FE-1BFC-43D0-BDDC-1B4FA3885CBE}"/>
+                    </a:ext>
+                  </a:extLst>
+                </p:cNvPr>
+                <p:cNvSpPr/>
+                <p:nvPr/>
+              </p:nvSpPr>
+              <p:spPr>
+                <a:xfrm rot="5400000">
+                  <a:off x="10225549" y="2675259"/>
+                  <a:ext cx="189771" cy="1918952"/>
+                </a:xfrm>
+                <a:prstGeom prst="rect">
+                  <a:avLst/>
+                </a:prstGeom>
+                <a:grpFill/>
+                <a:ln>
+                  <a:noFill/>
+                </a:ln>
+              </p:spPr>
+              <p:style>
+                <a:lnRef idx="2">
+                  <a:schemeClr val="accent1">
+                    <a:shade val="50000"/>
+                  </a:schemeClr>
+                </a:lnRef>
+                <a:fillRef idx="1">
+                  <a:schemeClr val="accent1"/>
+                </a:fillRef>
+                <a:effectRef idx="0">
+                  <a:schemeClr val="accent1"/>
+                </a:effectRef>
+                <a:fontRef idx="minor">
+                  <a:schemeClr val="lt1"/>
+                </a:fontRef>
+              </p:style>
+              <p:txBody>
+                <a:bodyPr rtlCol="0" anchor="ctr"/>
+                <a:lstStyle/>
+                <a:p>
+                  <a:pPr algn="ctr"/>
+                  <a:endParaRPr lang="en-PH"/>
+                </a:p>
+              </p:txBody>
+            </p:sp>
+            <p:sp>
+              <p:nvSpPr>
+                <p:cNvPr id="14" name="Rectangle 13">
+                  <a:extLst>
+                    <a:ext uri="{FF2B5EF4-FFF2-40B4-BE49-F238E27FC236}">
+                      <a16:creationId xmlns:a16="http://schemas.microsoft.com/office/drawing/2014/main" id="{AF55313D-F2FE-4C7D-B7C0-FAE0BB1A7A59}"/>
+                    </a:ext>
+                  </a:extLst>
+                </p:cNvPr>
+                <p:cNvSpPr/>
+                <p:nvPr/>
+              </p:nvSpPr>
+              <p:spPr>
+                <a:xfrm>
+                  <a:off x="10165858" y="3672342"/>
+                  <a:ext cx="324046" cy="640951"/>
+                </a:xfrm>
+                <a:prstGeom prst="rect">
+                  <a:avLst/>
+                </a:prstGeom>
+                <a:grpFill/>
+                <a:ln>
+                  <a:noFill/>
+                </a:ln>
+              </p:spPr>
+              <p:style>
+                <a:lnRef idx="2">
+                  <a:schemeClr val="accent1">
+                    <a:shade val="50000"/>
+                  </a:schemeClr>
+                </a:lnRef>
+                <a:fillRef idx="1">
+                  <a:schemeClr val="accent1"/>
+                </a:fillRef>
+                <a:effectRef idx="0">
+                  <a:schemeClr val="accent1"/>
+                </a:effectRef>
+                <a:fontRef idx="minor">
+                  <a:schemeClr val="lt1"/>
+                </a:fontRef>
+              </p:style>
+              <p:txBody>
+                <a:bodyPr rtlCol="0" anchor="ctr"/>
+                <a:lstStyle/>
+                <a:p>
+                  <a:pPr algn="ctr"/>
+                  <a:endParaRPr lang="en-PH"/>
+                </a:p>
+              </p:txBody>
+            </p:sp>
+            <p:sp>
+              <p:nvSpPr>
+                <p:cNvPr id="15" name="Rectangle 14">
+                  <a:extLst>
+                    <a:ext uri="{FF2B5EF4-FFF2-40B4-BE49-F238E27FC236}">
+                      <a16:creationId xmlns:a16="http://schemas.microsoft.com/office/drawing/2014/main" id="{53EA17B6-1714-4C7B-A7C1-7497C926DC43}"/>
+                    </a:ext>
+                  </a:extLst>
+                </p:cNvPr>
+                <p:cNvSpPr/>
+                <p:nvPr/>
+              </p:nvSpPr>
+              <p:spPr>
+                <a:xfrm rot="5400000">
+                  <a:off x="9622507" y="3623343"/>
+                  <a:ext cx="65429" cy="356032"/>
+                </a:xfrm>
+                <a:prstGeom prst="rect">
+                  <a:avLst/>
+                </a:prstGeom>
+                <a:grpFill/>
+                <a:ln>
+                  <a:noFill/>
+                </a:ln>
+              </p:spPr>
+              <p:style>
+                <a:lnRef idx="2">
+                  <a:schemeClr val="accent1">
+                    <a:shade val="50000"/>
+                  </a:schemeClr>
+                </a:lnRef>
+                <a:fillRef idx="1">
+                  <a:schemeClr val="accent1"/>
+                </a:fillRef>
+                <a:effectRef idx="0">
+                  <a:schemeClr val="accent1"/>
+                </a:effectRef>
+                <a:fontRef idx="minor">
+                  <a:schemeClr val="lt1"/>
+                </a:fontRef>
+              </p:style>
+              <p:txBody>
+                <a:bodyPr rtlCol="0" anchor="ctr"/>
+                <a:lstStyle/>
+                <a:p>
+                  <a:pPr algn="ctr"/>
+                  <a:endParaRPr lang="en-PH"/>
+                </a:p>
+              </p:txBody>
+            </p:sp>
+            <p:sp>
+              <p:nvSpPr>
+                <p:cNvPr id="16" name="Rectangle 15">
+                  <a:extLst>
+                    <a:ext uri="{FF2B5EF4-FFF2-40B4-BE49-F238E27FC236}">
+                      <a16:creationId xmlns:a16="http://schemas.microsoft.com/office/drawing/2014/main" id="{B6A6919C-9617-4283-8610-9AE87A717D78}"/>
+                    </a:ext>
+                  </a:extLst>
+                </p:cNvPr>
+                <p:cNvSpPr/>
+                <p:nvPr/>
+              </p:nvSpPr>
+              <p:spPr>
+                <a:xfrm rot="5400000">
+                  <a:off x="10956697" y="3615890"/>
+                  <a:ext cx="65429" cy="370938"/>
+                </a:xfrm>
+                <a:prstGeom prst="rect">
+                  <a:avLst/>
+                </a:prstGeom>
+                <a:grpFill/>
+                <a:ln>
+                  <a:noFill/>
+                </a:ln>
+              </p:spPr>
+              <p:style>
+                <a:lnRef idx="2">
+                  <a:schemeClr val="accent1">
+                    <a:shade val="50000"/>
+                  </a:schemeClr>
+                </a:lnRef>
+                <a:fillRef idx="1">
+                  <a:schemeClr val="accent1"/>
+                </a:fillRef>
+                <a:effectRef idx="0">
+                  <a:schemeClr val="accent1"/>
+                </a:effectRef>
+                <a:fontRef idx="minor">
+                  <a:schemeClr val="lt1"/>
+                </a:fontRef>
+              </p:style>
+              <p:txBody>
+                <a:bodyPr rtlCol="0" anchor="ctr"/>
+                <a:lstStyle/>
+                <a:p>
+                  <a:pPr algn="ctr"/>
+                  <a:endParaRPr lang="en-PH"/>
+                </a:p>
+              </p:txBody>
+            </p:sp>
+            <p:sp>
+              <p:nvSpPr>
+                <p:cNvPr id="17" name="Rectangle 16">
+                  <a:extLst>
+                    <a:ext uri="{FF2B5EF4-FFF2-40B4-BE49-F238E27FC236}">
+                      <a16:creationId xmlns:a16="http://schemas.microsoft.com/office/drawing/2014/main" id="{A60B7A86-E29B-47A4-A3B3-1C863724B20C}"/>
+                    </a:ext>
+                  </a:extLst>
+                </p:cNvPr>
+                <p:cNvSpPr/>
+                <p:nvPr/>
+              </p:nvSpPr>
+              <p:spPr>
+                <a:xfrm rot="5400000">
+                  <a:off x="10165858" y="3465315"/>
+                  <a:ext cx="324046" cy="1371910"/>
+                </a:xfrm>
+                <a:prstGeom prst="rect">
+                  <a:avLst/>
+                </a:prstGeom>
+                <a:grpFill/>
+                <a:ln>
+                  <a:noFill/>
+                </a:ln>
+              </p:spPr>
+              <p:style>
+                <a:lnRef idx="2">
+                  <a:schemeClr val="accent1">
+                    <a:shade val="50000"/>
+                  </a:schemeClr>
+                </a:lnRef>
+                <a:fillRef idx="1">
+                  <a:schemeClr val="accent1"/>
+                </a:fillRef>
+                <a:effectRef idx="0">
+                  <a:schemeClr val="accent1"/>
+                </a:effectRef>
+                <a:fontRef idx="minor">
+                  <a:schemeClr val="lt1"/>
+                </a:fontRef>
+              </p:style>
+              <p:txBody>
+                <a:bodyPr rtlCol="0" anchor="ctr"/>
+                <a:lstStyle/>
+                <a:p>
+                  <a:pPr algn="ctr"/>
+                  <a:endParaRPr lang="en-PH"/>
+                </a:p>
+              </p:txBody>
+            </p:sp>
+          </p:grpSp>
+          <p:sp>
+            <p:nvSpPr>
+              <p:cNvPr id="18" name="Rectangle 17">
+                <a:extLst>
+                  <a:ext uri="{FF2B5EF4-FFF2-40B4-BE49-F238E27FC236}">
+                    <a16:creationId xmlns:a16="http://schemas.microsoft.com/office/drawing/2014/main" id="{C57B61D8-58AC-41D2-A3C8-81D02ED9721D}"/>
+                  </a:ext>
+                </a:extLst>
+              </p:cNvPr>
+              <p:cNvSpPr/>
+              <p:nvPr/>
+            </p:nvSpPr>
+            <p:spPr>
+              <a:xfrm rot="5400000">
+                <a:off x="4972565" y="2812930"/>
+                <a:ext cx="137768" cy="324046"/>
+              </a:xfrm>
+              <a:prstGeom prst="rect">
+                <a:avLst/>
+              </a:prstGeom>
+              <a:grpFill/>
+              <a:ln>
+                <a:noFill/>
+              </a:ln>
+            </p:spPr>
+            <p:style>
+              <a:lnRef idx="2">
+                <a:schemeClr val="accent1">
+                  <a:shade val="50000"/>
+                </a:schemeClr>
+              </a:lnRef>
+              <a:fillRef idx="1">
+                <a:schemeClr val="accent1"/>
+              </a:fillRef>
+              <a:effectRef idx="0">
+                <a:schemeClr val="accent1"/>
+              </a:effectRef>
+              <a:fontRef idx="minor">
+                <a:schemeClr val="lt1"/>
+              </a:fontRef>
+            </p:style>
+            <p:txBody>
+              <a:bodyPr rtlCol="0" anchor="ctr"/>
+              <a:lstStyle/>
+              <a:p>
+                <a:pPr algn="ctr"/>
+                <a:endParaRPr lang="en-PH"/>
+              </a:p>
+            </p:txBody>
+          </p:sp>
+          <p:sp>
+            <p:nvSpPr>
+              <p:cNvPr id="19" name="Rectangle 18">
+                <a:extLst>
+                  <a:ext uri="{FF2B5EF4-FFF2-40B4-BE49-F238E27FC236}">
+                    <a16:creationId xmlns:a16="http://schemas.microsoft.com/office/drawing/2014/main" id="{87054F02-884B-49AF-B138-49BEEA08F21C}"/>
+                  </a:ext>
+                </a:extLst>
+              </p:cNvPr>
+              <p:cNvSpPr/>
+              <p:nvPr/>
+            </p:nvSpPr>
+            <p:spPr>
+              <a:xfrm rot="5400000">
+                <a:off x="6020429" y="2812930"/>
+                <a:ext cx="137768" cy="324046"/>
+              </a:xfrm>
+              <a:prstGeom prst="rect">
+                <a:avLst/>
+              </a:prstGeom>
+              <a:grpFill/>
+              <a:ln>
+                <a:noFill/>
+              </a:ln>
+            </p:spPr>
+            <p:style>
+              <a:lnRef idx="2">
+                <a:schemeClr val="accent1">
+                  <a:shade val="50000"/>
+                </a:schemeClr>
+              </a:lnRef>
+              <a:fillRef idx="1">
+                <a:schemeClr val="accent1"/>
+              </a:fillRef>
+              <a:effectRef idx="0">
+                <a:schemeClr val="accent1"/>
+              </a:effectRef>
+              <a:fontRef idx="minor">
+                <a:schemeClr val="lt1"/>
+              </a:fontRef>
+            </p:style>
+            <p:txBody>
+              <a:bodyPr rtlCol="0" anchor="ctr"/>
+              <a:lstStyle/>
+              <a:p>
+                <a:pPr algn="ctr"/>
+                <a:endParaRPr lang="en-PH"/>
+              </a:p>
+            </p:txBody>
+          </p:sp>
+        </p:grpSp>
+      </p:grpSp>
+    </p:spTree>
+    <p:extLst>
+      <p:ext uri="{BB962C8B-B14F-4D97-AF65-F5344CB8AC3E}">
+        <p14:creationId xmlns:p14="http://schemas.microsoft.com/office/powerpoint/2010/main" val="1144675505"/>
+      </p:ext>
+    </p:extLst>
+  </p:cSld>
+  <p:clrMapOvr>
+    <a:masterClrMapping/>
+  </p:clrMapOvr>
+</p:sld>
+</file>
+
+<file path=ppt/slides/slide4.xml><?xml version="1.0" encoding="utf-8"?>
 <p:sld xmlns:a="http://schemas.openxmlformats.org/drawingml/2006/main" xmlns:r="http://schemas.openxmlformats.org/officeDocument/2006/relationships" xmlns:p="http://schemas.openxmlformats.org/presentationml/2006/main">
   <p:cSld>
     <p:spTree>
@@ -5920,7 +9432,7 @@
 </p:sld>
 </file>
 
-<file path=ppt/slides/slide4.xml><?xml version="1.0" encoding="utf-8"?>
+<file path=ppt/slides/slide5.xml><?xml version="1.0" encoding="utf-8"?>
 <p:sld xmlns:a="http://schemas.openxmlformats.org/drawingml/2006/main" xmlns:r="http://schemas.openxmlformats.org/officeDocument/2006/relationships" xmlns:p="http://schemas.openxmlformats.org/presentationml/2006/main">
   <p:cSld>
     <p:bg>
@@ -6005,7 +9517,7 @@
 </p:sld>
 </file>
 
-<file path=ppt/slides/slide5.xml><?xml version="1.0" encoding="utf-8"?>
+<file path=ppt/slides/slide6.xml><?xml version="1.0" encoding="utf-8"?>
 <p:sld xmlns:a="http://schemas.openxmlformats.org/drawingml/2006/main" xmlns:r="http://schemas.openxmlformats.org/officeDocument/2006/relationships" xmlns:p="http://schemas.openxmlformats.org/presentationml/2006/main">
   <p:cSld>
     <p:spTree>

--- a/assets/images/raw.pptx
+++ b/assets/images/raw.pptx
@@ -11,6 +11,7 @@
     <p:sldId id="258" r:id="rId5"/>
     <p:sldId id="259" r:id="rId6"/>
     <p:sldId id="260" r:id="rId7"/>
+    <p:sldId id="262" r:id="rId8"/>
   </p:sldIdLst>
   <p:sldSz cx="12192000" cy="6858000"/>
   <p:notesSz cx="6858000" cy="9144000"/>
@@ -266,7 +267,7 @@
           <a:p>
             <a:fld id="{57BFE527-FE1D-423E-9D0C-B83608467F47}" type="datetimeFigureOut">
               <a:rPr lang="en-PH" smtClean="0"/>
-              <a:t>15 Mar 2020</a:t>
+              <a:t>21 Mar 2020</a:t>
             </a:fld>
             <a:endParaRPr lang="en-PH"/>
           </a:p>
@@ -466,7 +467,7 @@
           <a:p>
             <a:fld id="{57BFE527-FE1D-423E-9D0C-B83608467F47}" type="datetimeFigureOut">
               <a:rPr lang="en-PH" smtClean="0"/>
-              <a:t>15 Mar 2020</a:t>
+              <a:t>21 Mar 2020</a:t>
             </a:fld>
             <a:endParaRPr lang="en-PH"/>
           </a:p>
@@ -676,7 +677,7 @@
           <a:p>
             <a:fld id="{57BFE527-FE1D-423E-9D0C-B83608467F47}" type="datetimeFigureOut">
               <a:rPr lang="en-PH" smtClean="0"/>
-              <a:t>15 Mar 2020</a:t>
+              <a:t>21 Mar 2020</a:t>
             </a:fld>
             <a:endParaRPr lang="en-PH"/>
           </a:p>
@@ -876,7 +877,7 @@
           <a:p>
             <a:fld id="{57BFE527-FE1D-423E-9D0C-B83608467F47}" type="datetimeFigureOut">
               <a:rPr lang="en-PH" smtClean="0"/>
-              <a:t>15 Mar 2020</a:t>
+              <a:t>21 Mar 2020</a:t>
             </a:fld>
             <a:endParaRPr lang="en-PH"/>
           </a:p>
@@ -1152,7 +1153,7 @@
           <a:p>
             <a:fld id="{57BFE527-FE1D-423E-9D0C-B83608467F47}" type="datetimeFigureOut">
               <a:rPr lang="en-PH" smtClean="0"/>
-              <a:t>15 Mar 2020</a:t>
+              <a:t>21 Mar 2020</a:t>
             </a:fld>
             <a:endParaRPr lang="en-PH"/>
           </a:p>
@@ -1420,7 +1421,7 @@
           <a:p>
             <a:fld id="{57BFE527-FE1D-423E-9D0C-B83608467F47}" type="datetimeFigureOut">
               <a:rPr lang="en-PH" smtClean="0"/>
-              <a:t>15 Mar 2020</a:t>
+              <a:t>21 Mar 2020</a:t>
             </a:fld>
             <a:endParaRPr lang="en-PH"/>
           </a:p>
@@ -1835,7 +1836,7 @@
           <a:p>
             <a:fld id="{57BFE527-FE1D-423E-9D0C-B83608467F47}" type="datetimeFigureOut">
               <a:rPr lang="en-PH" smtClean="0"/>
-              <a:t>15 Mar 2020</a:t>
+              <a:t>21 Mar 2020</a:t>
             </a:fld>
             <a:endParaRPr lang="en-PH"/>
           </a:p>
@@ -1977,7 +1978,7 @@
           <a:p>
             <a:fld id="{57BFE527-FE1D-423E-9D0C-B83608467F47}" type="datetimeFigureOut">
               <a:rPr lang="en-PH" smtClean="0"/>
-              <a:t>15 Mar 2020</a:t>
+              <a:t>21 Mar 2020</a:t>
             </a:fld>
             <a:endParaRPr lang="en-PH"/>
           </a:p>
@@ -2090,7 +2091,7 @@
           <a:p>
             <a:fld id="{57BFE527-FE1D-423E-9D0C-B83608467F47}" type="datetimeFigureOut">
               <a:rPr lang="en-PH" smtClean="0"/>
-              <a:t>15 Mar 2020</a:t>
+              <a:t>21 Mar 2020</a:t>
             </a:fld>
             <a:endParaRPr lang="en-PH"/>
           </a:p>
@@ -2403,7 +2404,7 @@
           <a:p>
             <a:fld id="{57BFE527-FE1D-423E-9D0C-B83608467F47}" type="datetimeFigureOut">
               <a:rPr lang="en-PH" smtClean="0"/>
-              <a:t>15 Mar 2020</a:t>
+              <a:t>21 Mar 2020</a:t>
             </a:fld>
             <a:endParaRPr lang="en-PH"/>
           </a:p>
@@ -2692,7 +2693,7 @@
           <a:p>
             <a:fld id="{57BFE527-FE1D-423E-9D0C-B83608467F47}" type="datetimeFigureOut">
               <a:rPr lang="en-PH" smtClean="0"/>
-              <a:t>15 Mar 2020</a:t>
+              <a:t>21 Mar 2020</a:t>
             </a:fld>
             <a:endParaRPr lang="en-PH"/>
           </a:p>
@@ -2940,7 +2941,7 @@
           <a:p>
             <a:fld id="{57BFE527-FE1D-423E-9D0C-B83608467F47}" type="datetimeFigureOut">
               <a:rPr lang="en-PH" smtClean="0"/>
-              <a:t>15 Mar 2020</a:t>
+              <a:t>21 Mar 2020</a:t>
             </a:fld>
             <a:endParaRPr lang="en-PH"/>
           </a:p>
@@ -9594,6 +9595,634 @@
 </p:sld>
 </file>
 
+<file path=ppt/slides/slide7.xml><?xml version="1.0" encoding="utf-8"?>
+<p:sld xmlns:a="http://schemas.openxmlformats.org/drawingml/2006/main" xmlns:r="http://schemas.openxmlformats.org/officeDocument/2006/relationships" xmlns:p="http://schemas.openxmlformats.org/presentationml/2006/main">
+  <p:cSld>
+    <p:spTree>
+      <p:nvGrpSpPr>
+        <p:cNvPr id="1" name=""/>
+        <p:cNvGrpSpPr/>
+        <p:nvPr/>
+      </p:nvGrpSpPr>
+      <p:grpSpPr>
+        <a:xfrm>
+          <a:off x="0" y="0"/>
+          <a:ext cx="0" cy="0"/>
+          <a:chOff x="0" y="0"/>
+          <a:chExt cx="0" cy="0"/>
+        </a:xfrm>
+      </p:grpSpPr>
+      <p:grpSp>
+        <p:nvGrpSpPr>
+          <p:cNvPr id="4" name="Group 3">
+            <a:extLst>
+              <a:ext uri="{FF2B5EF4-FFF2-40B4-BE49-F238E27FC236}">
+                <a16:creationId xmlns:a16="http://schemas.microsoft.com/office/drawing/2014/main" id="{C8B39608-12EA-4C11-9523-0DE95D82927E}"/>
+              </a:ext>
+            </a:extLst>
+          </p:cNvPr>
+          <p:cNvGrpSpPr/>
+          <p:nvPr/>
+        </p:nvGrpSpPr>
+        <p:grpSpPr>
+          <a:xfrm>
+            <a:off x="422619" y="351703"/>
+            <a:ext cx="5032481" cy="2880000"/>
+            <a:chOff x="2603620" y="1498455"/>
+            <a:chExt cx="5152744" cy="3002595"/>
+          </a:xfrm>
+          <a:gradFill flip="none" rotWithShape="1">
+            <a:gsLst>
+              <a:gs pos="0">
+                <a:srgbClr val="FFFF00"/>
+              </a:gs>
+              <a:gs pos="52000">
+                <a:schemeClr val="accent5">
+                  <a:lumMod val="95000"/>
+                  <a:lumOff val="5000"/>
+                </a:schemeClr>
+              </a:gs>
+              <a:gs pos="100000">
+                <a:srgbClr val="7030A0"/>
+              </a:gs>
+            </a:gsLst>
+            <a:lin ang="2700000" scaled="1"/>
+            <a:tileRect/>
+          </a:gradFill>
+          <a:effectLst/>
+        </p:grpSpPr>
+        <p:sp>
+          <p:nvSpPr>
+            <p:cNvPr id="5" name="Rectangle 4">
+              <a:extLst>
+                <a:ext uri="{FF2B5EF4-FFF2-40B4-BE49-F238E27FC236}">
+                  <a16:creationId xmlns:a16="http://schemas.microsoft.com/office/drawing/2014/main" id="{60E960D7-688B-40C6-A575-B32803B51CEE}"/>
+                </a:ext>
+              </a:extLst>
+            </p:cNvPr>
+            <p:cNvSpPr/>
+            <p:nvPr/>
+          </p:nvSpPr>
+          <p:spPr>
+            <a:xfrm rot="20700000">
+              <a:off x="4500447" y="2155105"/>
+              <a:ext cx="206062" cy="2073498"/>
+            </a:xfrm>
+            <a:prstGeom prst="rect">
+              <a:avLst/>
+            </a:prstGeom>
+            <a:grpFill/>
+            <a:ln>
+              <a:noFill/>
+            </a:ln>
+          </p:spPr>
+          <p:style>
+            <a:lnRef idx="2">
+              <a:schemeClr val="accent1">
+                <a:shade val="50000"/>
+              </a:schemeClr>
+            </a:lnRef>
+            <a:fillRef idx="1">
+              <a:schemeClr val="accent1"/>
+            </a:fillRef>
+            <a:effectRef idx="0">
+              <a:schemeClr val="accent1"/>
+            </a:effectRef>
+            <a:fontRef idx="minor">
+              <a:schemeClr val="lt1"/>
+            </a:fontRef>
+          </p:style>
+          <p:txBody>
+            <a:bodyPr rtlCol="0" anchor="ctr"/>
+            <a:lstStyle/>
+            <a:p>
+              <a:pPr algn="ctr"/>
+              <a:endParaRPr lang="en-PH"/>
+            </a:p>
+          </p:txBody>
+        </p:sp>
+        <p:sp>
+          <p:nvSpPr>
+            <p:cNvPr id="6" name="Oval 5">
+              <a:extLst>
+                <a:ext uri="{FF2B5EF4-FFF2-40B4-BE49-F238E27FC236}">
+                  <a16:creationId xmlns:a16="http://schemas.microsoft.com/office/drawing/2014/main" id="{87A50118-BA82-4980-8D58-F3D1CDE85133}"/>
+                </a:ext>
+              </a:extLst>
+            </p:cNvPr>
+            <p:cNvSpPr/>
+            <p:nvPr/>
+          </p:nvSpPr>
+          <p:spPr>
+            <a:xfrm rot="20700000">
+              <a:off x="4564035" y="3885503"/>
+              <a:ext cx="615547" cy="615547"/>
+            </a:xfrm>
+            <a:prstGeom prst="ellipse">
+              <a:avLst/>
+            </a:prstGeom>
+            <a:grpFill/>
+            <a:ln>
+              <a:noFill/>
+            </a:ln>
+          </p:spPr>
+          <p:style>
+            <a:lnRef idx="2">
+              <a:schemeClr val="accent1">
+                <a:shade val="50000"/>
+              </a:schemeClr>
+            </a:lnRef>
+            <a:fillRef idx="1">
+              <a:schemeClr val="accent1"/>
+            </a:fillRef>
+            <a:effectRef idx="0">
+              <a:schemeClr val="accent1"/>
+            </a:effectRef>
+            <a:fontRef idx="minor">
+              <a:schemeClr val="lt1"/>
+            </a:fontRef>
+          </p:style>
+          <p:txBody>
+            <a:bodyPr rtlCol="0" anchor="ctr"/>
+            <a:lstStyle/>
+            <a:p>
+              <a:pPr algn="ctr"/>
+              <a:endParaRPr lang="en-PH"/>
+            </a:p>
+          </p:txBody>
+        </p:sp>
+        <p:sp>
+          <p:nvSpPr>
+            <p:cNvPr id="7" name="Oval 6">
+              <a:extLst>
+                <a:ext uri="{FF2B5EF4-FFF2-40B4-BE49-F238E27FC236}">
+                  <a16:creationId xmlns:a16="http://schemas.microsoft.com/office/drawing/2014/main" id="{6DB80939-78BB-4753-A6BE-A483D0FC28AC}"/>
+                </a:ext>
+              </a:extLst>
+            </p:cNvPr>
+            <p:cNvSpPr/>
+            <p:nvPr/>
+          </p:nvSpPr>
+          <p:spPr>
+            <a:xfrm rot="20700000">
+              <a:off x="4743277" y="4063987"/>
+              <a:ext cx="256505" cy="256505"/>
+            </a:xfrm>
+            <a:prstGeom prst="ellipse">
+              <a:avLst/>
+            </a:prstGeom>
+            <a:solidFill>
+              <a:schemeClr val="bg1"/>
+            </a:solidFill>
+            <a:ln>
+              <a:noFill/>
+            </a:ln>
+          </p:spPr>
+          <p:style>
+            <a:lnRef idx="2">
+              <a:schemeClr val="accent1">
+                <a:shade val="50000"/>
+              </a:schemeClr>
+            </a:lnRef>
+            <a:fillRef idx="1">
+              <a:schemeClr val="accent1"/>
+            </a:fillRef>
+            <a:effectRef idx="0">
+              <a:schemeClr val="accent1"/>
+            </a:effectRef>
+            <a:fontRef idx="minor">
+              <a:schemeClr val="lt1"/>
+            </a:fontRef>
+          </p:style>
+          <p:txBody>
+            <a:bodyPr rtlCol="0" anchor="ctr"/>
+            <a:lstStyle/>
+            <a:p>
+              <a:pPr algn="ctr"/>
+              <a:endParaRPr lang="en-PH" dirty="0"/>
+            </a:p>
+          </p:txBody>
+        </p:sp>
+        <p:sp>
+          <p:nvSpPr>
+            <p:cNvPr id="8" name="Rectangle 7">
+              <a:extLst>
+                <a:ext uri="{FF2B5EF4-FFF2-40B4-BE49-F238E27FC236}">
+                  <a16:creationId xmlns:a16="http://schemas.microsoft.com/office/drawing/2014/main" id="{CFDEF5FF-2378-4388-ADE9-73D3E622B723}"/>
+                </a:ext>
+              </a:extLst>
+            </p:cNvPr>
+            <p:cNvSpPr/>
+            <p:nvPr/>
+          </p:nvSpPr>
+          <p:spPr>
+            <a:xfrm rot="4500000">
+              <a:off x="5812885" y="681026"/>
+              <a:ext cx="240084" cy="2935576"/>
+            </a:xfrm>
+            <a:prstGeom prst="rect">
+              <a:avLst/>
+            </a:prstGeom>
+            <a:grpFill/>
+            <a:ln>
+              <a:noFill/>
+            </a:ln>
+          </p:spPr>
+          <p:style>
+            <a:lnRef idx="2">
+              <a:schemeClr val="accent1">
+                <a:shade val="50000"/>
+              </a:schemeClr>
+            </a:lnRef>
+            <a:fillRef idx="1">
+              <a:schemeClr val="accent1"/>
+            </a:fillRef>
+            <a:effectRef idx="0">
+              <a:schemeClr val="accent1"/>
+            </a:effectRef>
+            <a:fontRef idx="minor">
+              <a:schemeClr val="lt1"/>
+            </a:fontRef>
+          </p:style>
+          <p:txBody>
+            <a:bodyPr rtlCol="0" anchor="ctr"/>
+            <a:lstStyle/>
+            <a:p>
+              <a:pPr algn="ctr"/>
+              <a:endParaRPr lang="en-PH"/>
+            </a:p>
+          </p:txBody>
+        </p:sp>
+        <p:sp>
+          <p:nvSpPr>
+            <p:cNvPr id="9" name="Rectangle 8">
+              <a:extLst>
+                <a:ext uri="{FF2B5EF4-FFF2-40B4-BE49-F238E27FC236}">
+                  <a16:creationId xmlns:a16="http://schemas.microsoft.com/office/drawing/2014/main" id="{D5FD3BF5-C827-4A1B-8505-FC59CB850C99}"/>
+                </a:ext>
+              </a:extLst>
+            </p:cNvPr>
+            <p:cNvSpPr/>
+            <p:nvPr/>
+          </p:nvSpPr>
+          <p:spPr>
+            <a:xfrm rot="2908973">
+              <a:off x="6003482" y="1359062"/>
+              <a:ext cx="313247" cy="3192516"/>
+            </a:xfrm>
+            <a:prstGeom prst="rect">
+              <a:avLst/>
+            </a:prstGeom>
+            <a:grpFill/>
+            <a:ln>
+              <a:noFill/>
+            </a:ln>
+          </p:spPr>
+          <p:style>
+            <a:lnRef idx="2">
+              <a:schemeClr val="accent1">
+                <a:shade val="50000"/>
+              </a:schemeClr>
+            </a:lnRef>
+            <a:fillRef idx="1">
+              <a:schemeClr val="accent1"/>
+            </a:fillRef>
+            <a:effectRef idx="0">
+              <a:schemeClr val="accent1"/>
+            </a:effectRef>
+            <a:fontRef idx="minor">
+              <a:schemeClr val="lt1"/>
+            </a:fontRef>
+          </p:style>
+          <p:txBody>
+            <a:bodyPr rtlCol="0" anchor="ctr"/>
+            <a:lstStyle/>
+            <a:p>
+              <a:pPr algn="ctr"/>
+              <a:endParaRPr lang="en-PH"/>
+            </a:p>
+          </p:txBody>
+        </p:sp>
+        <p:sp>
+          <p:nvSpPr>
+            <p:cNvPr id="10" name="Rectangle 9">
+              <a:extLst>
+                <a:ext uri="{FF2B5EF4-FFF2-40B4-BE49-F238E27FC236}">
+                  <a16:creationId xmlns:a16="http://schemas.microsoft.com/office/drawing/2014/main" id="{A3F738D6-9CEF-40DC-9970-2EEB4B51FD03}"/>
+                </a:ext>
+              </a:extLst>
+            </p:cNvPr>
+            <p:cNvSpPr/>
+            <p:nvPr/>
+          </p:nvSpPr>
+          <p:spPr>
+            <a:xfrm rot="20700000">
+              <a:off x="7338109" y="1498455"/>
+              <a:ext cx="311510" cy="620620"/>
+            </a:xfrm>
+            <a:prstGeom prst="rect">
+              <a:avLst/>
+            </a:prstGeom>
+            <a:grpFill/>
+            <a:ln>
+              <a:noFill/>
+            </a:ln>
+          </p:spPr>
+          <p:style>
+            <a:lnRef idx="2">
+              <a:schemeClr val="accent1">
+                <a:shade val="50000"/>
+              </a:schemeClr>
+            </a:lnRef>
+            <a:fillRef idx="1">
+              <a:schemeClr val="accent1"/>
+            </a:fillRef>
+            <a:effectRef idx="0">
+              <a:schemeClr val="accent1"/>
+            </a:effectRef>
+            <a:fontRef idx="minor">
+              <a:schemeClr val="lt1"/>
+            </a:fontRef>
+          </p:style>
+          <p:txBody>
+            <a:bodyPr rtlCol="0" anchor="ctr"/>
+            <a:lstStyle/>
+            <a:p>
+              <a:pPr algn="ctr"/>
+              <a:endParaRPr lang="en-PH"/>
+            </a:p>
+          </p:txBody>
+        </p:sp>
+        <p:sp>
+          <p:nvSpPr>
+            <p:cNvPr id="11" name="Rectangle 10">
+              <a:extLst>
+                <a:ext uri="{FF2B5EF4-FFF2-40B4-BE49-F238E27FC236}">
+                  <a16:creationId xmlns:a16="http://schemas.microsoft.com/office/drawing/2014/main" id="{721CA28F-687C-47C0-8CB6-4632F43872E0}"/>
+                </a:ext>
+              </a:extLst>
+            </p:cNvPr>
+            <p:cNvSpPr/>
+            <p:nvPr/>
+          </p:nvSpPr>
+          <p:spPr>
+            <a:xfrm rot="14465193">
+              <a:off x="3501015" y="2018038"/>
+              <a:ext cx="240084" cy="1996063"/>
+            </a:xfrm>
+            <a:prstGeom prst="rect">
+              <a:avLst/>
+            </a:prstGeom>
+            <a:grpFill/>
+            <a:ln>
+              <a:noFill/>
+            </a:ln>
+          </p:spPr>
+          <p:style>
+            <a:lnRef idx="2">
+              <a:schemeClr val="accent1">
+                <a:shade val="50000"/>
+              </a:schemeClr>
+            </a:lnRef>
+            <a:fillRef idx="1">
+              <a:schemeClr val="accent1"/>
+            </a:fillRef>
+            <a:effectRef idx="0">
+              <a:schemeClr val="accent1"/>
+            </a:effectRef>
+            <a:fontRef idx="minor">
+              <a:schemeClr val="lt1"/>
+            </a:fontRef>
+          </p:style>
+          <p:txBody>
+            <a:bodyPr rtlCol="0" anchor="ctr"/>
+            <a:lstStyle/>
+            <a:p>
+              <a:pPr algn="ctr"/>
+              <a:endParaRPr lang="en-PH"/>
+            </a:p>
+          </p:txBody>
+        </p:sp>
+        <p:sp>
+          <p:nvSpPr>
+            <p:cNvPr id="12" name="Rectangle 11">
+              <a:extLst>
+                <a:ext uri="{FF2B5EF4-FFF2-40B4-BE49-F238E27FC236}">
+                  <a16:creationId xmlns:a16="http://schemas.microsoft.com/office/drawing/2014/main" id="{C3B78685-93E0-4737-ACBA-B83A1BA3788F}"/>
+                </a:ext>
+              </a:extLst>
+            </p:cNvPr>
+            <p:cNvSpPr/>
+            <p:nvPr/>
+          </p:nvSpPr>
+          <p:spPr>
+            <a:xfrm rot="17230493">
+              <a:off x="3555951" y="2766082"/>
+              <a:ext cx="240084" cy="2144746"/>
+            </a:xfrm>
+            <a:prstGeom prst="rect">
+              <a:avLst/>
+            </a:prstGeom>
+            <a:grpFill/>
+            <a:ln>
+              <a:noFill/>
+            </a:ln>
+          </p:spPr>
+          <p:style>
+            <a:lnRef idx="2">
+              <a:schemeClr val="accent1">
+                <a:shade val="50000"/>
+              </a:schemeClr>
+            </a:lnRef>
+            <a:fillRef idx="1">
+              <a:schemeClr val="accent1"/>
+            </a:fillRef>
+            <a:effectRef idx="0">
+              <a:schemeClr val="accent1"/>
+            </a:effectRef>
+            <a:fontRef idx="minor">
+              <a:schemeClr val="lt1"/>
+            </a:fontRef>
+          </p:style>
+          <p:txBody>
+            <a:bodyPr rtlCol="0" anchor="ctr"/>
+            <a:lstStyle/>
+            <a:p>
+              <a:pPr algn="ctr"/>
+              <a:endParaRPr lang="en-PH"/>
+            </a:p>
+          </p:txBody>
+        </p:sp>
+      </p:grpSp>
+      <p:sp>
+        <p:nvSpPr>
+          <p:cNvPr id="14" name="Rectangle 13">
+            <a:extLst>
+              <a:ext uri="{FF2B5EF4-FFF2-40B4-BE49-F238E27FC236}">
+                <a16:creationId xmlns:a16="http://schemas.microsoft.com/office/drawing/2014/main" id="{76F8E4CA-9E00-4CA1-9DAD-03201205A910}"/>
+              </a:ext>
+            </a:extLst>
+          </p:cNvPr>
+          <p:cNvSpPr/>
+          <p:nvPr/>
+        </p:nvSpPr>
+        <p:spPr>
+          <a:xfrm>
+            <a:off x="7203977" y="322473"/>
+            <a:ext cx="230281" cy="1664711"/>
+          </a:xfrm>
+          <a:prstGeom prst="rect">
+            <a:avLst/>
+          </a:prstGeom>
+          <a:solidFill>
+            <a:schemeClr val="bg1"/>
+          </a:solidFill>
+          <a:ln>
+            <a:noFill/>
+          </a:ln>
+        </p:spPr>
+        <p:style>
+          <a:lnRef idx="2">
+            <a:schemeClr val="accent1">
+              <a:shade val="50000"/>
+            </a:schemeClr>
+          </a:lnRef>
+          <a:fillRef idx="1">
+            <a:schemeClr val="accent1"/>
+          </a:fillRef>
+          <a:effectRef idx="0">
+            <a:schemeClr val="accent1"/>
+          </a:effectRef>
+          <a:fontRef idx="minor">
+            <a:schemeClr val="lt1"/>
+          </a:fontRef>
+        </p:style>
+        <p:txBody>
+          <a:bodyPr rtlCol="0" anchor="ctr"/>
+          <a:lstStyle/>
+          <a:p>
+            <a:pPr algn="ctr"/>
+            <a:endParaRPr lang="en-PH"/>
+          </a:p>
+        </p:txBody>
+      </p:sp>
+      <p:sp>
+        <p:nvSpPr>
+          <p:cNvPr id="15" name="Rectangle 14">
+            <a:extLst>
+              <a:ext uri="{FF2B5EF4-FFF2-40B4-BE49-F238E27FC236}">
+                <a16:creationId xmlns:a16="http://schemas.microsoft.com/office/drawing/2014/main" id="{20F7F14E-AB62-4010-AA53-9EBE1C25C7CC}"/>
+              </a:ext>
+            </a:extLst>
+          </p:cNvPr>
+          <p:cNvSpPr/>
+          <p:nvPr/>
+        </p:nvSpPr>
+        <p:spPr>
+          <a:xfrm>
+            <a:off x="6639705" y="1235291"/>
+            <a:ext cx="230281" cy="1664711"/>
+          </a:xfrm>
+          <a:prstGeom prst="rect">
+            <a:avLst/>
+          </a:prstGeom>
+          <a:solidFill>
+            <a:schemeClr val="bg1"/>
+          </a:solidFill>
+          <a:ln>
+            <a:noFill/>
+          </a:ln>
+        </p:spPr>
+        <p:style>
+          <a:lnRef idx="2">
+            <a:schemeClr val="accent1">
+              <a:shade val="50000"/>
+            </a:schemeClr>
+          </a:lnRef>
+          <a:fillRef idx="1">
+            <a:schemeClr val="accent1"/>
+          </a:fillRef>
+          <a:effectRef idx="0">
+            <a:schemeClr val="accent1"/>
+          </a:effectRef>
+          <a:fontRef idx="minor">
+            <a:schemeClr val="lt1"/>
+          </a:fontRef>
+        </p:style>
+        <p:txBody>
+          <a:bodyPr rtlCol="0" anchor="ctr"/>
+          <a:lstStyle/>
+          <a:p>
+            <a:pPr algn="ctr"/>
+            <a:endParaRPr lang="en-PH"/>
+          </a:p>
+        </p:txBody>
+      </p:sp>
+      <p:sp>
+        <p:nvSpPr>
+          <p:cNvPr id="16" name="Rectangle 15">
+            <a:extLst>
+              <a:ext uri="{FF2B5EF4-FFF2-40B4-BE49-F238E27FC236}">
+                <a16:creationId xmlns:a16="http://schemas.microsoft.com/office/drawing/2014/main" id="{42A19F16-C790-45DC-8B54-3277D50108E6}"/>
+              </a:ext>
+            </a:extLst>
+          </p:cNvPr>
+          <p:cNvSpPr/>
+          <p:nvPr/>
+        </p:nvSpPr>
+        <p:spPr>
+          <a:xfrm>
+            <a:off x="7774135" y="1235290"/>
+            <a:ext cx="230281" cy="1664711"/>
+          </a:xfrm>
+          <a:prstGeom prst="rect">
+            <a:avLst/>
+          </a:prstGeom>
+          <a:solidFill>
+            <a:schemeClr val="bg1"/>
+          </a:solidFill>
+          <a:ln>
+            <a:noFill/>
+          </a:ln>
+        </p:spPr>
+        <p:style>
+          <a:lnRef idx="2">
+            <a:schemeClr val="accent1">
+              <a:shade val="50000"/>
+            </a:schemeClr>
+          </a:lnRef>
+          <a:fillRef idx="1">
+            <a:schemeClr val="accent1"/>
+          </a:fillRef>
+          <a:effectRef idx="0">
+            <a:schemeClr val="accent1"/>
+          </a:effectRef>
+          <a:fontRef idx="minor">
+            <a:schemeClr val="lt1"/>
+          </a:fontRef>
+        </p:style>
+        <p:txBody>
+          <a:bodyPr rtlCol="0" anchor="ctr"/>
+          <a:lstStyle/>
+          <a:p>
+            <a:pPr algn="ctr"/>
+            <a:endParaRPr lang="en-PH"/>
+          </a:p>
+        </p:txBody>
+      </p:sp>
+    </p:spTree>
+    <p:extLst>
+      <p:ext uri="{BB962C8B-B14F-4D97-AF65-F5344CB8AC3E}">
+        <p14:creationId xmlns:p14="http://schemas.microsoft.com/office/powerpoint/2010/main" val="1589344367"/>
+      </p:ext>
+    </p:extLst>
+  </p:cSld>
+  <p:clrMapOvr>
+    <a:masterClrMapping/>
+  </p:clrMapOvr>
+</p:sld>
+</file>
+
 <file path=ppt/theme/theme1.xml><?xml version="1.0" encoding="utf-8"?>
 <a:theme xmlns:a="http://schemas.openxmlformats.org/drawingml/2006/main" name="Office Theme">
   <a:themeElements>
